--- a/Research And Development Project/Documents/Resources/Presentation/PresentationLehman.pptx
+++ b/Research And Development Project/Documents/Resources/Presentation/PresentationLehman.pptx
@@ -4,6 +4,9 @@
   <p:sldMasterIdLst>
     <p:sldMasterId id="2147483648" r:id="rId1"/>
   </p:sldMasterIdLst>
+  <p:notesMasterIdLst>
+    <p:notesMasterId r:id="rId19"/>
+  </p:notesMasterIdLst>
   <p:sldIdLst>
     <p:sldId id="256" r:id="rId2"/>
     <p:sldId id="257" r:id="rId3"/>
@@ -20,7 +23,8 @@
     <p:sldId id="269" r:id="rId14"/>
     <p:sldId id="271" r:id="rId15"/>
     <p:sldId id="270" r:id="rId16"/>
-    <p:sldId id="266" r:id="rId17"/>
+    <p:sldId id="272" r:id="rId17"/>
+    <p:sldId id="266" r:id="rId18"/>
   </p:sldIdLst>
   <p:sldSz cx="12192000" cy="6858000"/>
   <p:notesSz cx="6858000" cy="9144000"/>
@@ -368,11 +372,11 @@
           <c:showBubbleSize val="0"/>
         </c:dLbls>
         <c:gapWidth val="182"/>
-        <c:axId val="461777512"/>
-        <c:axId val="461770848"/>
+        <c:axId val="316258648"/>
+        <c:axId val="316259432"/>
       </c:barChart>
       <c:catAx>
-        <c:axId val="461777512"/>
+        <c:axId val="316258648"/>
         <c:scaling>
           <c:orientation val="minMax"/>
         </c:scaling>
@@ -415,7 +419,7 @@
             <a:endParaRPr lang="en-US"/>
           </a:p>
         </c:txPr>
-        <c:crossAx val="461770848"/>
+        <c:crossAx val="316259432"/>
         <c:crosses val="autoZero"/>
         <c:auto val="1"/>
         <c:lblAlgn val="ctr"/>
@@ -423,7 +427,7 @@
         <c:noMultiLvlLbl val="0"/>
       </c:catAx>
       <c:valAx>
-        <c:axId val="461770848"/>
+        <c:axId val="316259432"/>
         <c:scaling>
           <c:orientation val="minMax"/>
         </c:scaling>
@@ -474,7 +478,7 @@
             <a:endParaRPr lang="en-US"/>
           </a:p>
         </c:txPr>
-        <c:crossAx val="461777512"/>
+        <c:crossAx val="316258648"/>
         <c:crosses val="autoZero"/>
         <c:crossBetween val="between"/>
       </c:valAx>
@@ -948,11 +952,11 @@
           <c:showPercent val="0"/>
           <c:showBubbleSize val="0"/>
         </c:dLbls>
-        <c:axId val="498068680"/>
-        <c:axId val="498063976"/>
+        <c:axId val="273151776"/>
+        <c:axId val="273154912"/>
       </c:scatterChart>
       <c:valAx>
-        <c:axId val="498068680"/>
+        <c:axId val="273151776"/>
         <c:scaling>
           <c:orientation val="minMax"/>
         </c:scaling>
@@ -1066,12 +1070,12 @@
             <a:endParaRPr lang="en-US"/>
           </a:p>
         </c:txPr>
-        <c:crossAx val="498063976"/>
+        <c:crossAx val="273154912"/>
         <c:crosses val="autoZero"/>
         <c:crossBetween val="midCat"/>
       </c:valAx>
       <c:valAx>
-        <c:axId val="498063976"/>
+        <c:axId val="273154912"/>
         <c:scaling>
           <c:orientation val="minMax"/>
         </c:scaling>
@@ -1186,7 +1190,7 @@
             <a:endParaRPr lang="en-US"/>
           </a:p>
         </c:txPr>
-        <c:crossAx val="498068680"/>
+        <c:crossAx val="273151776"/>
         <c:crosses val="autoZero"/>
         <c:crossBetween val="midCat"/>
       </c:valAx>
@@ -1660,11 +1664,11 @@
           <c:showPercent val="0"/>
           <c:showBubbleSize val="0"/>
         </c:dLbls>
-        <c:axId val="499470808"/>
-        <c:axId val="499470416"/>
+        <c:axId val="273152952"/>
+        <c:axId val="273155696"/>
       </c:scatterChart>
       <c:valAx>
-        <c:axId val="499470808"/>
+        <c:axId val="273152952"/>
         <c:scaling>
           <c:orientation val="minMax"/>
         </c:scaling>
@@ -1778,12 +1782,12 @@
             <a:endParaRPr lang="en-US"/>
           </a:p>
         </c:txPr>
-        <c:crossAx val="499470416"/>
+        <c:crossAx val="273155696"/>
         <c:crosses val="autoZero"/>
         <c:crossBetween val="midCat"/>
       </c:valAx>
       <c:valAx>
-        <c:axId val="499470416"/>
+        <c:axId val="273155696"/>
         <c:scaling>
           <c:orientation val="minMax"/>
         </c:scaling>
@@ -1909,7 +1913,7 @@
             <a:endParaRPr lang="en-US"/>
           </a:p>
         </c:txPr>
-        <c:crossAx val="499470808"/>
+        <c:crossAx val="273152952"/>
         <c:crosses val="autoZero"/>
         <c:crossBetween val="midCat"/>
       </c:valAx>
@@ -2383,11 +2387,11 @@
           <c:showPercent val="0"/>
           <c:showBubbleSize val="0"/>
         </c:dLbls>
-        <c:axId val="467026928"/>
-        <c:axId val="467025752"/>
+        <c:axId val="273156480"/>
+        <c:axId val="273157264"/>
       </c:scatterChart>
       <c:valAx>
-        <c:axId val="467026928"/>
+        <c:axId val="273156480"/>
         <c:scaling>
           <c:orientation val="minMax"/>
         </c:scaling>
@@ -2501,12 +2505,12 @@
             <a:endParaRPr lang="en-US"/>
           </a:p>
         </c:txPr>
-        <c:crossAx val="467025752"/>
+        <c:crossAx val="273157264"/>
         <c:crosses val="autoZero"/>
         <c:crossBetween val="midCat"/>
       </c:valAx>
       <c:valAx>
-        <c:axId val="467025752"/>
+        <c:axId val="273157264"/>
         <c:scaling>
           <c:orientation val="minMax"/>
         </c:scaling>
@@ -2621,7 +2625,7 @@
             <a:endParaRPr lang="en-US"/>
           </a:p>
         </c:txPr>
-        <c:crossAx val="467026928"/>
+        <c:crossAx val="273156480"/>
         <c:crosses val="autoZero"/>
         <c:crossBetween val="midCat"/>
       </c:valAx>
@@ -2863,11 +2867,11 @@
         </c:dLbls>
         <c:gapWidth val="219"/>
         <c:overlap val="-27"/>
-        <c:axId val="464493376"/>
-        <c:axId val="464493768"/>
+        <c:axId val="273152560"/>
+        <c:axId val="275544424"/>
       </c:barChart>
       <c:catAx>
-        <c:axId val="464493376"/>
+        <c:axId val="273152560"/>
         <c:scaling>
           <c:orientation val="minMax"/>
         </c:scaling>
@@ -2977,7 +2981,7 @@
             <a:endParaRPr lang="en-US"/>
           </a:p>
         </c:txPr>
-        <c:crossAx val="464493768"/>
+        <c:crossAx val="275544424"/>
         <c:crosses val="autoZero"/>
         <c:auto val="1"/>
         <c:lblAlgn val="ctr"/>
@@ -2985,7 +2989,7 @@
         <c:noMultiLvlLbl val="0"/>
       </c:catAx>
       <c:valAx>
-        <c:axId val="464493768"/>
+        <c:axId val="275544424"/>
         <c:scaling>
           <c:orientation val="minMax"/>
         </c:scaling>
@@ -3094,7 +3098,7 @@
             <a:endParaRPr lang="en-US"/>
           </a:p>
         </c:txPr>
-        <c:crossAx val="464493376"/>
+        <c:crossAx val="273152560"/>
         <c:crosses val="autoZero"/>
         <c:crossBetween val="between"/>
       </c:valAx>
@@ -3559,11 +3563,11 @@
           <c:showPercent val="0"/>
           <c:showBubbleSize val="0"/>
         </c:dLbls>
-        <c:axId val="461316912"/>
-        <c:axId val="461317304"/>
+        <c:axId val="275545208"/>
+        <c:axId val="275540896"/>
       </c:scatterChart>
       <c:valAx>
-        <c:axId val="461316912"/>
+        <c:axId val="275545208"/>
         <c:scaling>
           <c:orientation val="minMax"/>
         </c:scaling>
@@ -3677,12 +3681,12 @@
             <a:endParaRPr lang="en-US"/>
           </a:p>
         </c:txPr>
-        <c:crossAx val="461317304"/>
+        <c:crossAx val="275540896"/>
         <c:crosses val="autoZero"/>
         <c:crossBetween val="midCat"/>
       </c:valAx>
       <c:valAx>
-        <c:axId val="461317304"/>
+        <c:axId val="275540896"/>
         <c:scaling>
           <c:logBase val="10"/>
           <c:orientation val="minMax"/>
@@ -3805,7 +3809,7 @@
             <a:endParaRPr lang="en-US"/>
           </a:p>
         </c:txPr>
-        <c:crossAx val="461316912"/>
+        <c:crossAx val="275545208"/>
         <c:crosses val="autoZero"/>
         <c:crossBetween val="midCat"/>
       </c:valAx>
@@ -4275,11 +4279,11 @@
           <c:showPercent val="0"/>
           <c:showBubbleSize val="0"/>
         </c:dLbls>
-        <c:axId val="498071424"/>
-        <c:axId val="498059272"/>
+        <c:axId val="275542856"/>
+        <c:axId val="275538936"/>
       </c:scatterChart>
       <c:valAx>
-        <c:axId val="498071424"/>
+        <c:axId val="275542856"/>
         <c:scaling>
           <c:orientation val="minMax"/>
         </c:scaling>
@@ -4391,12 +4395,12 @@
             <a:endParaRPr lang="en-US"/>
           </a:p>
         </c:txPr>
-        <c:crossAx val="498059272"/>
+        <c:crossAx val="275538936"/>
         <c:crosses val="autoZero"/>
         <c:crossBetween val="midCat"/>
       </c:valAx>
       <c:valAx>
-        <c:axId val="498059272"/>
+        <c:axId val="275538936"/>
         <c:scaling>
           <c:orientation val="minMax"/>
         </c:scaling>
@@ -4509,7 +4513,7 @@
             <a:endParaRPr lang="en-US"/>
           </a:p>
         </c:txPr>
-        <c:crossAx val="498071424"/>
+        <c:crossAx val="275542856"/>
         <c:crosses val="autoZero"/>
         <c:crossBetween val="midCat"/>
       </c:valAx>
@@ -8340,6 +8344,2111 @@
 </cs:chartStyle>
 </file>
 
+<file path=ppt/notesMasters/notesMaster1.xml><?xml version="1.0" encoding="utf-8"?>
+<p:notesMaster xmlns:a="http://schemas.openxmlformats.org/drawingml/2006/main" xmlns:r="http://schemas.openxmlformats.org/officeDocument/2006/relationships" xmlns:p="http://schemas.openxmlformats.org/presentationml/2006/main">
+  <p:cSld>
+    <p:bg>
+      <p:bgRef idx="1001">
+        <a:schemeClr val="bg1"/>
+      </p:bgRef>
+    </p:bg>
+    <p:spTree>
+      <p:nvGrpSpPr>
+        <p:cNvPr id="1" name=""/>
+        <p:cNvGrpSpPr/>
+        <p:nvPr/>
+      </p:nvGrpSpPr>
+      <p:grpSpPr>
+        <a:xfrm>
+          <a:off x="0" y="0"/>
+          <a:ext cx="0" cy="0"/>
+          <a:chOff x="0" y="0"/>
+          <a:chExt cx="0" cy="0"/>
+        </a:xfrm>
+      </p:grpSpPr>
+      <p:sp>
+        <p:nvSpPr>
+          <p:cNvPr id="2" name="Header Placeholder 1"/>
+          <p:cNvSpPr>
+            <a:spLocks noGrp="1"/>
+          </p:cNvSpPr>
+          <p:nvPr>
+            <p:ph type="hdr" sz="quarter"/>
+          </p:nvPr>
+        </p:nvSpPr>
+        <p:spPr>
+          <a:xfrm>
+            <a:off x="0" y="0"/>
+            <a:ext cx="2971800" cy="458788"/>
+          </a:xfrm>
+          <a:prstGeom prst="rect">
+            <a:avLst/>
+          </a:prstGeom>
+        </p:spPr>
+        <p:txBody>
+          <a:bodyPr vert="horz" lIns="91440" tIns="45720" rIns="91440" bIns="45720" rtlCol="0"/>
+          <a:lstStyle>
+            <a:lvl1pPr algn="l">
+              <a:defRPr sz="1200"/>
+            </a:lvl1pPr>
+          </a:lstStyle>
+          <a:p>
+            <a:endParaRPr lang="en-GB"/>
+          </a:p>
+        </p:txBody>
+      </p:sp>
+      <p:sp>
+        <p:nvSpPr>
+          <p:cNvPr id="3" name="Date Placeholder 2"/>
+          <p:cNvSpPr>
+            <a:spLocks noGrp="1"/>
+          </p:cNvSpPr>
+          <p:nvPr>
+            <p:ph type="dt" idx="1"/>
+          </p:nvPr>
+        </p:nvSpPr>
+        <p:spPr>
+          <a:xfrm>
+            <a:off x="3884613" y="0"/>
+            <a:ext cx="2971800" cy="458788"/>
+          </a:xfrm>
+          <a:prstGeom prst="rect">
+            <a:avLst/>
+          </a:prstGeom>
+        </p:spPr>
+        <p:txBody>
+          <a:bodyPr vert="horz" lIns="91440" tIns="45720" rIns="91440" bIns="45720" rtlCol="0"/>
+          <a:lstStyle>
+            <a:lvl1pPr algn="r">
+              <a:defRPr sz="1200"/>
+            </a:lvl1pPr>
+          </a:lstStyle>
+          <a:p>
+            <a:fld id="{0E7219EF-B97C-44CC-834A-A9BA4EBCF9B5}" type="datetimeFigureOut">
+              <a:rPr lang="en-GB" smtClean="0"/>
+              <a:t>11/04/2016</a:t>
+            </a:fld>
+            <a:endParaRPr lang="en-GB"/>
+          </a:p>
+        </p:txBody>
+      </p:sp>
+      <p:sp>
+        <p:nvSpPr>
+          <p:cNvPr id="4" name="Slide Image Placeholder 3"/>
+          <p:cNvSpPr>
+            <a:spLocks noGrp="1" noRot="1" noChangeAspect="1"/>
+          </p:cNvSpPr>
+          <p:nvPr>
+            <p:ph type="sldImg" idx="2"/>
+          </p:nvPr>
+        </p:nvSpPr>
+        <p:spPr>
+          <a:xfrm>
+            <a:off x="685800" y="1143000"/>
+            <a:ext cx="5486400" cy="3086100"/>
+          </a:xfrm>
+          <a:prstGeom prst="rect">
+            <a:avLst/>
+          </a:prstGeom>
+          <a:noFill/>
+          <a:ln w="12700">
+            <a:solidFill>
+              <a:prstClr val="black"/>
+            </a:solidFill>
+          </a:ln>
+        </p:spPr>
+        <p:txBody>
+          <a:bodyPr vert="horz" lIns="91440" tIns="45720" rIns="91440" bIns="45720" rtlCol="0" anchor="ctr"/>
+          <a:lstStyle/>
+          <a:p>
+            <a:endParaRPr lang="en-GB"/>
+          </a:p>
+        </p:txBody>
+      </p:sp>
+      <p:sp>
+        <p:nvSpPr>
+          <p:cNvPr id="5" name="Notes Placeholder 4"/>
+          <p:cNvSpPr>
+            <a:spLocks noGrp="1"/>
+          </p:cNvSpPr>
+          <p:nvPr>
+            <p:ph type="body" sz="quarter" idx="3"/>
+          </p:nvPr>
+        </p:nvSpPr>
+        <p:spPr>
+          <a:xfrm>
+            <a:off x="685800" y="4400550"/>
+            <a:ext cx="5486400" cy="3600450"/>
+          </a:xfrm>
+          <a:prstGeom prst="rect">
+            <a:avLst/>
+          </a:prstGeom>
+        </p:spPr>
+        <p:txBody>
+          <a:bodyPr vert="horz" lIns="91440" tIns="45720" rIns="91440" bIns="45720" rtlCol="0"/>
+          <a:lstStyle/>
+          <a:p>
+            <a:pPr lvl="0"/>
+            <a:r>
+              <a:rPr lang="en-US" smtClean="0"/>
+              <a:t>Click to edit Master text styles</a:t>
+            </a:r>
+          </a:p>
+          <a:p>
+            <a:pPr lvl="1"/>
+            <a:r>
+              <a:rPr lang="en-US" smtClean="0"/>
+              <a:t>Second level</a:t>
+            </a:r>
+          </a:p>
+          <a:p>
+            <a:pPr lvl="2"/>
+            <a:r>
+              <a:rPr lang="en-US" smtClean="0"/>
+              <a:t>Third level</a:t>
+            </a:r>
+          </a:p>
+          <a:p>
+            <a:pPr lvl="3"/>
+            <a:r>
+              <a:rPr lang="en-US" smtClean="0"/>
+              <a:t>Fourth level</a:t>
+            </a:r>
+          </a:p>
+          <a:p>
+            <a:pPr lvl="4"/>
+            <a:r>
+              <a:rPr lang="en-US" smtClean="0"/>
+              <a:t>Fifth level</a:t>
+            </a:r>
+            <a:endParaRPr lang="en-GB"/>
+          </a:p>
+        </p:txBody>
+      </p:sp>
+      <p:sp>
+        <p:nvSpPr>
+          <p:cNvPr id="6" name="Footer Placeholder 5"/>
+          <p:cNvSpPr>
+            <a:spLocks noGrp="1"/>
+          </p:cNvSpPr>
+          <p:nvPr>
+            <p:ph type="ftr" sz="quarter" idx="4"/>
+          </p:nvPr>
+        </p:nvSpPr>
+        <p:spPr>
+          <a:xfrm>
+            <a:off x="0" y="8685213"/>
+            <a:ext cx="2971800" cy="458787"/>
+          </a:xfrm>
+          <a:prstGeom prst="rect">
+            <a:avLst/>
+          </a:prstGeom>
+        </p:spPr>
+        <p:txBody>
+          <a:bodyPr vert="horz" lIns="91440" tIns="45720" rIns="91440" bIns="45720" rtlCol="0" anchor="b"/>
+          <a:lstStyle>
+            <a:lvl1pPr algn="l">
+              <a:defRPr sz="1200"/>
+            </a:lvl1pPr>
+          </a:lstStyle>
+          <a:p>
+            <a:endParaRPr lang="en-GB"/>
+          </a:p>
+        </p:txBody>
+      </p:sp>
+      <p:sp>
+        <p:nvSpPr>
+          <p:cNvPr id="7" name="Slide Number Placeholder 6"/>
+          <p:cNvSpPr>
+            <a:spLocks noGrp="1"/>
+          </p:cNvSpPr>
+          <p:nvPr>
+            <p:ph type="sldNum" sz="quarter" idx="5"/>
+          </p:nvPr>
+        </p:nvSpPr>
+        <p:spPr>
+          <a:xfrm>
+            <a:off x="3884613" y="8685213"/>
+            <a:ext cx="2971800" cy="458787"/>
+          </a:xfrm>
+          <a:prstGeom prst="rect">
+            <a:avLst/>
+          </a:prstGeom>
+        </p:spPr>
+        <p:txBody>
+          <a:bodyPr vert="horz" lIns="91440" tIns="45720" rIns="91440" bIns="45720" rtlCol="0" anchor="b"/>
+          <a:lstStyle>
+            <a:lvl1pPr algn="r">
+              <a:defRPr sz="1200"/>
+            </a:lvl1pPr>
+          </a:lstStyle>
+          <a:p>
+            <a:fld id="{A6AC1DFC-4CBF-48D6-B22D-D4F9DE18114C}" type="slidenum">
+              <a:rPr lang="en-GB" smtClean="0"/>
+              <a:t>‹#›</a:t>
+            </a:fld>
+            <a:endParaRPr lang="en-GB"/>
+          </a:p>
+        </p:txBody>
+      </p:sp>
+    </p:spTree>
+    <p:extLst>
+      <p:ext uri="{BB962C8B-B14F-4D97-AF65-F5344CB8AC3E}">
+        <p14:creationId xmlns:p14="http://schemas.microsoft.com/office/powerpoint/2010/main" val="510573636"/>
+      </p:ext>
+    </p:extLst>
+  </p:cSld>
+  <p:clrMap bg1="lt1" tx1="dk1" bg2="lt2" tx2="dk2" accent1="accent1" accent2="accent2" accent3="accent3" accent4="accent4" accent5="accent5" accent6="accent6" hlink="hlink" folHlink="folHlink"/>
+  <p:notesStyle>
+    <a:lvl1pPr marL="0" algn="l" defTabSz="914400" rtl="0" eaLnBrk="1" latinLnBrk="0" hangingPunct="1">
+      <a:defRPr sz="1200" kern="1200">
+        <a:solidFill>
+          <a:schemeClr val="tx1"/>
+        </a:solidFill>
+        <a:latin typeface="+mn-lt"/>
+        <a:ea typeface="+mn-ea"/>
+        <a:cs typeface="+mn-cs"/>
+      </a:defRPr>
+    </a:lvl1pPr>
+    <a:lvl2pPr marL="457200" algn="l" defTabSz="914400" rtl="0" eaLnBrk="1" latinLnBrk="0" hangingPunct="1">
+      <a:defRPr sz="1200" kern="1200">
+        <a:solidFill>
+          <a:schemeClr val="tx1"/>
+        </a:solidFill>
+        <a:latin typeface="+mn-lt"/>
+        <a:ea typeface="+mn-ea"/>
+        <a:cs typeface="+mn-cs"/>
+      </a:defRPr>
+    </a:lvl2pPr>
+    <a:lvl3pPr marL="914400" algn="l" defTabSz="914400" rtl="0" eaLnBrk="1" latinLnBrk="0" hangingPunct="1">
+      <a:defRPr sz="1200" kern="1200">
+        <a:solidFill>
+          <a:schemeClr val="tx1"/>
+        </a:solidFill>
+        <a:latin typeface="+mn-lt"/>
+        <a:ea typeface="+mn-ea"/>
+        <a:cs typeface="+mn-cs"/>
+      </a:defRPr>
+    </a:lvl3pPr>
+    <a:lvl4pPr marL="1371600" algn="l" defTabSz="914400" rtl="0" eaLnBrk="1" latinLnBrk="0" hangingPunct="1">
+      <a:defRPr sz="1200" kern="1200">
+        <a:solidFill>
+          <a:schemeClr val="tx1"/>
+        </a:solidFill>
+        <a:latin typeface="+mn-lt"/>
+        <a:ea typeface="+mn-ea"/>
+        <a:cs typeface="+mn-cs"/>
+      </a:defRPr>
+    </a:lvl4pPr>
+    <a:lvl5pPr marL="1828800" algn="l" defTabSz="914400" rtl="0" eaLnBrk="1" latinLnBrk="0" hangingPunct="1">
+      <a:defRPr sz="1200" kern="1200">
+        <a:solidFill>
+          <a:schemeClr val="tx1"/>
+        </a:solidFill>
+        <a:latin typeface="+mn-lt"/>
+        <a:ea typeface="+mn-ea"/>
+        <a:cs typeface="+mn-cs"/>
+      </a:defRPr>
+    </a:lvl5pPr>
+    <a:lvl6pPr marL="2286000" algn="l" defTabSz="914400" rtl="0" eaLnBrk="1" latinLnBrk="0" hangingPunct="1">
+      <a:defRPr sz="1200" kern="1200">
+        <a:solidFill>
+          <a:schemeClr val="tx1"/>
+        </a:solidFill>
+        <a:latin typeface="+mn-lt"/>
+        <a:ea typeface="+mn-ea"/>
+        <a:cs typeface="+mn-cs"/>
+      </a:defRPr>
+    </a:lvl6pPr>
+    <a:lvl7pPr marL="2743200" algn="l" defTabSz="914400" rtl="0" eaLnBrk="1" latinLnBrk="0" hangingPunct="1">
+      <a:defRPr sz="1200" kern="1200">
+        <a:solidFill>
+          <a:schemeClr val="tx1"/>
+        </a:solidFill>
+        <a:latin typeface="+mn-lt"/>
+        <a:ea typeface="+mn-ea"/>
+        <a:cs typeface="+mn-cs"/>
+      </a:defRPr>
+    </a:lvl7pPr>
+    <a:lvl8pPr marL="3200400" algn="l" defTabSz="914400" rtl="0" eaLnBrk="1" latinLnBrk="0" hangingPunct="1">
+      <a:defRPr sz="1200" kern="1200">
+        <a:solidFill>
+          <a:schemeClr val="tx1"/>
+        </a:solidFill>
+        <a:latin typeface="+mn-lt"/>
+        <a:ea typeface="+mn-ea"/>
+        <a:cs typeface="+mn-cs"/>
+      </a:defRPr>
+    </a:lvl8pPr>
+    <a:lvl9pPr marL="3657600" algn="l" defTabSz="914400" rtl="0" eaLnBrk="1" latinLnBrk="0" hangingPunct="1">
+      <a:defRPr sz="1200" kern="1200">
+        <a:solidFill>
+          <a:schemeClr val="tx1"/>
+        </a:solidFill>
+        <a:latin typeface="+mn-lt"/>
+        <a:ea typeface="+mn-ea"/>
+        <a:cs typeface="+mn-cs"/>
+      </a:defRPr>
+    </a:lvl9pPr>
+  </p:notesStyle>
+</p:notesMaster>
+</file>
+
+<file path=ppt/notesSlides/notesSlide1.xml><?xml version="1.0" encoding="utf-8"?>
+<p:notes xmlns:a="http://schemas.openxmlformats.org/drawingml/2006/main" xmlns:r="http://schemas.openxmlformats.org/officeDocument/2006/relationships" xmlns:p="http://schemas.openxmlformats.org/presentationml/2006/main">
+  <p:cSld>
+    <p:spTree>
+      <p:nvGrpSpPr>
+        <p:cNvPr id="1" name=""/>
+        <p:cNvGrpSpPr/>
+        <p:nvPr/>
+      </p:nvGrpSpPr>
+      <p:grpSpPr>
+        <a:xfrm>
+          <a:off x="0" y="0"/>
+          <a:ext cx="0" cy="0"/>
+          <a:chOff x="0" y="0"/>
+          <a:chExt cx="0" cy="0"/>
+        </a:xfrm>
+      </p:grpSpPr>
+      <p:sp>
+        <p:nvSpPr>
+          <p:cNvPr id="2" name="Slide Image Placeholder 1"/>
+          <p:cNvSpPr>
+            <a:spLocks noGrp="1" noRot="1" noChangeAspect="1"/>
+          </p:cNvSpPr>
+          <p:nvPr>
+            <p:ph type="sldImg"/>
+          </p:nvPr>
+        </p:nvSpPr>
+        <p:spPr/>
+      </p:sp>
+      <p:sp>
+        <p:nvSpPr>
+          <p:cNvPr id="3" name="Notes Placeholder 2"/>
+          <p:cNvSpPr>
+            <a:spLocks noGrp="1"/>
+          </p:cNvSpPr>
+          <p:nvPr>
+            <p:ph type="body" idx="1"/>
+          </p:nvPr>
+        </p:nvSpPr>
+        <p:spPr/>
+        <p:txBody>
+          <a:bodyPr/>
+          <a:lstStyle/>
+          <a:p>
+            <a:r>
+              <a:rPr lang="en-GB" dirty="0" smtClean="0"/>
+              <a:t>- Initially established</a:t>
+            </a:r>
+            <a:r>
+              <a:rPr lang="en-GB" baseline="0" dirty="0" smtClean="0"/>
+              <a:t> in the 1970’s and refined in the subsequent two decades through adding new laws or altering existing with the last change in 1996</a:t>
+            </a:r>
+          </a:p>
+          <a:p>
+            <a:pPr marL="0" indent="0">
+              <a:buFontTx/>
+              <a:buNone/>
+            </a:pPr>
+            <a:r>
+              <a:rPr lang="en-GB" baseline="0" dirty="0" smtClean="0"/>
+              <a:t>- However the laws do not consider the rather modern paradigm of open source development</a:t>
+            </a:r>
+          </a:p>
+          <a:p>
+            <a:pPr marL="0" indent="0">
+              <a:buFontTx/>
+              <a:buNone/>
+            </a:pPr>
+            <a:r>
+              <a:rPr lang="en-GB" baseline="0" dirty="0" smtClean="0"/>
+              <a:t>- In this study we have selected GitHub as the platform to determine if the laws hold</a:t>
+            </a:r>
+          </a:p>
+          <a:p>
+            <a:pPr marL="171450" indent="-171450">
+              <a:buFontTx/>
+              <a:buChar char="-"/>
+            </a:pPr>
+            <a:endParaRPr lang="en-GB" dirty="0"/>
+          </a:p>
+        </p:txBody>
+      </p:sp>
+      <p:sp>
+        <p:nvSpPr>
+          <p:cNvPr id="4" name="Slide Number Placeholder 3"/>
+          <p:cNvSpPr>
+            <a:spLocks noGrp="1"/>
+          </p:cNvSpPr>
+          <p:nvPr>
+            <p:ph type="sldNum" sz="quarter" idx="10"/>
+          </p:nvPr>
+        </p:nvSpPr>
+        <p:spPr/>
+        <p:txBody>
+          <a:bodyPr/>
+          <a:lstStyle/>
+          <a:p>
+            <a:fld id="{A6AC1DFC-4CBF-48D6-B22D-D4F9DE18114C}" type="slidenum">
+              <a:rPr lang="en-GB" smtClean="0"/>
+              <a:t>1</a:t>
+            </a:fld>
+            <a:endParaRPr lang="en-GB"/>
+          </a:p>
+        </p:txBody>
+      </p:sp>
+    </p:spTree>
+    <p:extLst>
+      <p:ext uri="{BB962C8B-B14F-4D97-AF65-F5344CB8AC3E}">
+        <p14:creationId xmlns:p14="http://schemas.microsoft.com/office/powerpoint/2010/main" val="2025160342"/>
+      </p:ext>
+    </p:extLst>
+  </p:cSld>
+  <p:clrMapOvr>
+    <a:masterClrMapping/>
+  </p:clrMapOvr>
+</p:notes>
+</file>
+
+<file path=ppt/notesSlides/notesSlide10.xml><?xml version="1.0" encoding="utf-8"?>
+<p:notes xmlns:a="http://schemas.openxmlformats.org/drawingml/2006/main" xmlns:r="http://schemas.openxmlformats.org/officeDocument/2006/relationships" xmlns:p="http://schemas.openxmlformats.org/presentationml/2006/main">
+  <p:cSld>
+    <p:spTree>
+      <p:nvGrpSpPr>
+        <p:cNvPr id="1" name=""/>
+        <p:cNvGrpSpPr/>
+        <p:nvPr/>
+      </p:nvGrpSpPr>
+      <p:grpSpPr>
+        <a:xfrm>
+          <a:off x="0" y="0"/>
+          <a:ext cx="0" cy="0"/>
+          <a:chOff x="0" y="0"/>
+          <a:chExt cx="0" cy="0"/>
+        </a:xfrm>
+      </p:grpSpPr>
+      <p:sp>
+        <p:nvSpPr>
+          <p:cNvPr id="2" name="Slide Image Placeholder 1"/>
+          <p:cNvSpPr>
+            <a:spLocks noGrp="1" noRot="1" noChangeAspect="1"/>
+          </p:cNvSpPr>
+          <p:nvPr>
+            <p:ph type="sldImg"/>
+          </p:nvPr>
+        </p:nvSpPr>
+        <p:spPr/>
+      </p:sp>
+      <p:sp>
+        <p:nvSpPr>
+          <p:cNvPr id="3" name="Notes Placeholder 2"/>
+          <p:cNvSpPr>
+            <a:spLocks noGrp="1"/>
+          </p:cNvSpPr>
+          <p:nvPr>
+            <p:ph type="body" idx="1"/>
+          </p:nvPr>
+        </p:nvSpPr>
+        <p:spPr/>
+        <p:txBody>
+          <a:bodyPr/>
+          <a:lstStyle/>
+          <a:p>
+            <a:r>
+              <a:rPr lang="en-GB" dirty="0" smtClean="0"/>
+              <a:t>Touch</a:t>
+            </a:r>
+            <a:r>
+              <a:rPr lang="en-GB" baseline="0" dirty="0" smtClean="0"/>
+              <a:t> on this briefly – key functionality identified</a:t>
+            </a:r>
+            <a:endParaRPr lang="en-GB" dirty="0"/>
+          </a:p>
+        </p:txBody>
+      </p:sp>
+      <p:sp>
+        <p:nvSpPr>
+          <p:cNvPr id="4" name="Slide Number Placeholder 3"/>
+          <p:cNvSpPr>
+            <a:spLocks noGrp="1"/>
+          </p:cNvSpPr>
+          <p:nvPr>
+            <p:ph type="sldNum" sz="quarter" idx="10"/>
+          </p:nvPr>
+        </p:nvSpPr>
+        <p:spPr/>
+        <p:txBody>
+          <a:bodyPr/>
+          <a:lstStyle/>
+          <a:p>
+            <a:fld id="{A6AC1DFC-4CBF-48D6-B22D-D4F9DE18114C}" type="slidenum">
+              <a:rPr lang="en-GB" smtClean="0"/>
+              <a:t>10</a:t>
+            </a:fld>
+            <a:endParaRPr lang="en-GB"/>
+          </a:p>
+        </p:txBody>
+      </p:sp>
+    </p:spTree>
+    <p:extLst>
+      <p:ext uri="{BB962C8B-B14F-4D97-AF65-F5344CB8AC3E}">
+        <p14:creationId xmlns:p14="http://schemas.microsoft.com/office/powerpoint/2010/main" val="3450121358"/>
+      </p:ext>
+    </p:extLst>
+  </p:cSld>
+  <p:clrMapOvr>
+    <a:masterClrMapping/>
+  </p:clrMapOvr>
+</p:notes>
+</file>
+
+<file path=ppt/notesSlides/notesSlide11.xml><?xml version="1.0" encoding="utf-8"?>
+<p:notes xmlns:a="http://schemas.openxmlformats.org/drawingml/2006/main" xmlns:r="http://schemas.openxmlformats.org/officeDocument/2006/relationships" xmlns:p="http://schemas.openxmlformats.org/presentationml/2006/main">
+  <p:cSld>
+    <p:spTree>
+      <p:nvGrpSpPr>
+        <p:cNvPr id="1" name=""/>
+        <p:cNvGrpSpPr/>
+        <p:nvPr/>
+      </p:nvGrpSpPr>
+      <p:grpSpPr>
+        <a:xfrm>
+          <a:off x="0" y="0"/>
+          <a:ext cx="0" cy="0"/>
+          <a:chOff x="0" y="0"/>
+          <a:chExt cx="0" cy="0"/>
+        </a:xfrm>
+      </p:grpSpPr>
+      <p:sp>
+        <p:nvSpPr>
+          <p:cNvPr id="2" name="Slide Image Placeholder 1"/>
+          <p:cNvSpPr>
+            <a:spLocks noGrp="1" noRot="1" noChangeAspect="1"/>
+          </p:cNvSpPr>
+          <p:nvPr>
+            <p:ph type="sldImg"/>
+          </p:nvPr>
+        </p:nvSpPr>
+        <p:spPr/>
+      </p:sp>
+      <p:sp>
+        <p:nvSpPr>
+          <p:cNvPr id="3" name="Notes Placeholder 2"/>
+          <p:cNvSpPr>
+            <a:spLocks noGrp="1"/>
+          </p:cNvSpPr>
+          <p:nvPr>
+            <p:ph type="body" idx="1"/>
+          </p:nvPr>
+        </p:nvSpPr>
+        <p:spPr/>
+        <p:txBody>
+          <a:bodyPr/>
+          <a:lstStyle/>
+          <a:p>
+            <a:r>
+              <a:rPr lang="en-GB" dirty="0" smtClean="0"/>
+              <a:t>In this project at times it is difficult to conclusively</a:t>
+            </a:r>
+            <a:r>
+              <a:rPr lang="en-GB" baseline="0" dirty="0" smtClean="0"/>
+              <a:t> state one or the other – the emphasis was only results discussing and what the evidence suggests. </a:t>
+            </a:r>
+          </a:p>
+          <a:p>
+            <a:r>
+              <a:rPr lang="en-GB" baseline="0" dirty="0" smtClean="0"/>
+              <a:t>We will no look at the general statistical approach to answer each HP</a:t>
+            </a:r>
+            <a:endParaRPr lang="en-GB" dirty="0"/>
+          </a:p>
+        </p:txBody>
+      </p:sp>
+      <p:sp>
+        <p:nvSpPr>
+          <p:cNvPr id="4" name="Slide Number Placeholder 3"/>
+          <p:cNvSpPr>
+            <a:spLocks noGrp="1"/>
+          </p:cNvSpPr>
+          <p:nvPr>
+            <p:ph type="sldNum" sz="quarter" idx="10"/>
+          </p:nvPr>
+        </p:nvSpPr>
+        <p:spPr/>
+        <p:txBody>
+          <a:bodyPr/>
+          <a:lstStyle/>
+          <a:p>
+            <a:fld id="{A6AC1DFC-4CBF-48D6-B22D-D4F9DE18114C}" type="slidenum">
+              <a:rPr lang="en-GB" smtClean="0"/>
+              <a:t>11</a:t>
+            </a:fld>
+            <a:endParaRPr lang="en-GB"/>
+          </a:p>
+        </p:txBody>
+      </p:sp>
+    </p:spTree>
+    <p:extLst>
+      <p:ext uri="{BB962C8B-B14F-4D97-AF65-F5344CB8AC3E}">
+        <p14:creationId xmlns:p14="http://schemas.microsoft.com/office/powerpoint/2010/main" val="843320886"/>
+      </p:ext>
+    </p:extLst>
+  </p:cSld>
+  <p:clrMapOvr>
+    <a:masterClrMapping/>
+  </p:clrMapOvr>
+</p:notes>
+</file>
+
+<file path=ppt/notesSlides/notesSlide12.xml><?xml version="1.0" encoding="utf-8"?>
+<p:notes xmlns:a="http://schemas.openxmlformats.org/drawingml/2006/main" xmlns:r="http://schemas.openxmlformats.org/officeDocument/2006/relationships" xmlns:p="http://schemas.openxmlformats.org/presentationml/2006/main">
+  <p:cSld>
+    <p:spTree>
+      <p:nvGrpSpPr>
+        <p:cNvPr id="1" name=""/>
+        <p:cNvGrpSpPr/>
+        <p:nvPr/>
+      </p:nvGrpSpPr>
+      <p:grpSpPr>
+        <a:xfrm>
+          <a:off x="0" y="0"/>
+          <a:ext cx="0" cy="0"/>
+          <a:chOff x="0" y="0"/>
+          <a:chExt cx="0" cy="0"/>
+        </a:xfrm>
+      </p:grpSpPr>
+      <p:sp>
+        <p:nvSpPr>
+          <p:cNvPr id="2" name="Slide Image Placeholder 1"/>
+          <p:cNvSpPr>
+            <a:spLocks noGrp="1" noRot="1" noChangeAspect="1"/>
+          </p:cNvSpPr>
+          <p:nvPr>
+            <p:ph type="sldImg"/>
+          </p:nvPr>
+        </p:nvSpPr>
+        <p:spPr/>
+      </p:sp>
+      <p:sp>
+        <p:nvSpPr>
+          <p:cNvPr id="3" name="Notes Placeholder 2"/>
+          <p:cNvSpPr>
+            <a:spLocks noGrp="1"/>
+          </p:cNvSpPr>
+          <p:nvPr>
+            <p:ph type="body" idx="1"/>
+          </p:nvPr>
+        </p:nvSpPr>
+        <p:spPr/>
+        <p:txBody>
+          <a:bodyPr/>
+          <a:lstStyle/>
+          <a:p>
+            <a:r>
+              <a:rPr lang="en-GB" dirty="0" smtClean="0"/>
+              <a:t>Each</a:t>
+            </a:r>
+            <a:r>
+              <a:rPr lang="en-GB" baseline="0" dirty="0" smtClean="0"/>
+              <a:t> hypothesis would utilise differing data series types but the approach is the same – reflected in the dissertation</a:t>
+            </a:r>
+          </a:p>
+          <a:p>
+            <a:r>
+              <a:rPr lang="en-GB" dirty="0" smtClean="0"/>
+              <a:t>Three facets - % of positive</a:t>
+            </a:r>
+            <a:r>
+              <a:rPr lang="en-GB" baseline="0" dirty="0" smtClean="0"/>
+              <a:t> correlations at each lag point along with the mean correlation value – supported by a distribution graph</a:t>
+            </a:r>
+          </a:p>
+          <a:p>
+            <a:r>
+              <a:rPr lang="en-GB" baseline="0" dirty="0" smtClean="0"/>
+              <a:t>In this case the data is quite random and shows a partial affinity to negative correlations – enough to generate a discussion and give conclusions</a:t>
+            </a:r>
+            <a:endParaRPr lang="en-GB" dirty="0"/>
+          </a:p>
+        </p:txBody>
+      </p:sp>
+      <p:sp>
+        <p:nvSpPr>
+          <p:cNvPr id="4" name="Slide Number Placeholder 3"/>
+          <p:cNvSpPr>
+            <a:spLocks noGrp="1"/>
+          </p:cNvSpPr>
+          <p:nvPr>
+            <p:ph type="sldNum" sz="quarter" idx="10"/>
+          </p:nvPr>
+        </p:nvSpPr>
+        <p:spPr/>
+        <p:txBody>
+          <a:bodyPr/>
+          <a:lstStyle/>
+          <a:p>
+            <a:fld id="{A6AC1DFC-4CBF-48D6-B22D-D4F9DE18114C}" type="slidenum">
+              <a:rPr lang="en-GB" smtClean="0"/>
+              <a:t>12</a:t>
+            </a:fld>
+            <a:endParaRPr lang="en-GB"/>
+          </a:p>
+        </p:txBody>
+      </p:sp>
+    </p:spTree>
+    <p:extLst>
+      <p:ext uri="{BB962C8B-B14F-4D97-AF65-F5344CB8AC3E}">
+        <p14:creationId xmlns:p14="http://schemas.microsoft.com/office/powerpoint/2010/main" val="1263153560"/>
+      </p:ext>
+    </p:extLst>
+  </p:cSld>
+  <p:clrMapOvr>
+    <a:masterClrMapping/>
+  </p:clrMapOvr>
+</p:notes>
+</file>
+
+<file path=ppt/notesSlides/notesSlide13.xml><?xml version="1.0" encoding="utf-8"?>
+<p:notes xmlns:a="http://schemas.openxmlformats.org/drawingml/2006/main" xmlns:r="http://schemas.openxmlformats.org/officeDocument/2006/relationships" xmlns:p="http://schemas.openxmlformats.org/presentationml/2006/main">
+  <p:cSld>
+    <p:spTree>
+      <p:nvGrpSpPr>
+        <p:cNvPr id="1" name=""/>
+        <p:cNvGrpSpPr/>
+        <p:nvPr/>
+      </p:nvGrpSpPr>
+      <p:grpSpPr>
+        <a:xfrm>
+          <a:off x="0" y="0"/>
+          <a:ext cx="0" cy="0"/>
+          <a:chOff x="0" y="0"/>
+          <a:chExt cx="0" cy="0"/>
+        </a:xfrm>
+      </p:grpSpPr>
+      <p:sp>
+        <p:nvSpPr>
+          <p:cNvPr id="2" name="Slide Image Placeholder 1"/>
+          <p:cNvSpPr>
+            <a:spLocks noGrp="1" noRot="1" noChangeAspect="1"/>
+          </p:cNvSpPr>
+          <p:nvPr>
+            <p:ph type="sldImg"/>
+          </p:nvPr>
+        </p:nvSpPr>
+        <p:spPr/>
+      </p:sp>
+      <p:sp>
+        <p:nvSpPr>
+          <p:cNvPr id="3" name="Notes Placeholder 2"/>
+          <p:cNvSpPr>
+            <a:spLocks noGrp="1"/>
+          </p:cNvSpPr>
+          <p:nvPr>
+            <p:ph type="body" idx="1"/>
+          </p:nvPr>
+        </p:nvSpPr>
+        <p:spPr/>
+        <p:txBody>
+          <a:bodyPr/>
+          <a:lstStyle/>
+          <a:p>
+            <a:r>
+              <a:rPr lang="en-GB" dirty="0" smtClean="0"/>
+              <a:t>More straight forward – used in a single HP – generally gives quite a conclusive results – the law itself gives</a:t>
+            </a:r>
+            <a:r>
+              <a:rPr lang="en-GB" baseline="0" dirty="0" smtClean="0"/>
+              <a:t> scope to why a project does not grow (refactoring of code </a:t>
+            </a:r>
+            <a:r>
+              <a:rPr lang="en-GB" baseline="0" dirty="0" err="1" smtClean="0"/>
+              <a:t>etc</a:t>
+            </a:r>
+            <a:r>
+              <a:rPr lang="en-GB" baseline="0" dirty="0" smtClean="0"/>
+              <a:t>) </a:t>
+            </a:r>
+          </a:p>
+          <a:p>
+            <a:endParaRPr lang="en-GB" dirty="0"/>
+          </a:p>
+        </p:txBody>
+      </p:sp>
+      <p:sp>
+        <p:nvSpPr>
+          <p:cNvPr id="4" name="Slide Number Placeholder 3"/>
+          <p:cNvSpPr>
+            <a:spLocks noGrp="1"/>
+          </p:cNvSpPr>
+          <p:nvPr>
+            <p:ph type="sldNum" sz="quarter" idx="10"/>
+          </p:nvPr>
+        </p:nvSpPr>
+        <p:spPr/>
+        <p:txBody>
+          <a:bodyPr/>
+          <a:lstStyle/>
+          <a:p>
+            <a:fld id="{A6AC1DFC-4CBF-48D6-B22D-D4F9DE18114C}" type="slidenum">
+              <a:rPr lang="en-GB" smtClean="0"/>
+              <a:t>13</a:t>
+            </a:fld>
+            <a:endParaRPr lang="en-GB"/>
+          </a:p>
+        </p:txBody>
+      </p:sp>
+    </p:spTree>
+    <p:extLst>
+      <p:ext uri="{BB962C8B-B14F-4D97-AF65-F5344CB8AC3E}">
+        <p14:creationId xmlns:p14="http://schemas.microsoft.com/office/powerpoint/2010/main" val="2789060151"/>
+      </p:ext>
+    </p:extLst>
+  </p:cSld>
+  <p:clrMapOvr>
+    <a:masterClrMapping/>
+  </p:clrMapOvr>
+</p:notes>
+</file>
+
+<file path=ppt/notesSlides/notesSlide14.xml><?xml version="1.0" encoding="utf-8"?>
+<p:notes xmlns:a="http://schemas.openxmlformats.org/drawingml/2006/main" xmlns:r="http://schemas.openxmlformats.org/officeDocument/2006/relationships" xmlns:p="http://schemas.openxmlformats.org/presentationml/2006/main">
+  <p:cSld>
+    <p:spTree>
+      <p:nvGrpSpPr>
+        <p:cNvPr id="1" name=""/>
+        <p:cNvGrpSpPr/>
+        <p:nvPr/>
+      </p:nvGrpSpPr>
+      <p:grpSpPr>
+        <a:xfrm>
+          <a:off x="0" y="0"/>
+          <a:ext cx="0" cy="0"/>
+          <a:chOff x="0" y="0"/>
+          <a:chExt cx="0" cy="0"/>
+        </a:xfrm>
+      </p:grpSpPr>
+      <p:sp>
+        <p:nvSpPr>
+          <p:cNvPr id="2" name="Slide Image Placeholder 1"/>
+          <p:cNvSpPr>
+            <a:spLocks noGrp="1" noRot="1" noChangeAspect="1"/>
+          </p:cNvSpPr>
+          <p:nvPr>
+            <p:ph type="sldImg"/>
+          </p:nvPr>
+        </p:nvSpPr>
+        <p:spPr/>
+      </p:sp>
+      <p:sp>
+        <p:nvSpPr>
+          <p:cNvPr id="3" name="Notes Placeholder 2"/>
+          <p:cNvSpPr>
+            <a:spLocks noGrp="1"/>
+          </p:cNvSpPr>
+          <p:nvPr>
+            <p:ph type="body" idx="1"/>
+          </p:nvPr>
+        </p:nvSpPr>
+        <p:spPr/>
+        <p:txBody>
+          <a:bodyPr/>
+          <a:lstStyle/>
+          <a:p>
+            <a:r>
+              <a:rPr lang="en-GB" dirty="0" smtClean="0"/>
+              <a:t>This represents</a:t>
+            </a:r>
+            <a:r>
+              <a:rPr lang="en-GB" baseline="0" dirty="0" smtClean="0"/>
+              <a:t> the real results for this hypothesis –  the nature of OSS is reflected here due to dynamic team sizes, activity so it stands to reason that fluctuations are ever present.</a:t>
+            </a:r>
+          </a:p>
+        </p:txBody>
+      </p:sp>
+      <p:sp>
+        <p:nvSpPr>
+          <p:cNvPr id="4" name="Slide Number Placeholder 3"/>
+          <p:cNvSpPr>
+            <a:spLocks noGrp="1"/>
+          </p:cNvSpPr>
+          <p:nvPr>
+            <p:ph type="sldNum" sz="quarter" idx="10"/>
+          </p:nvPr>
+        </p:nvSpPr>
+        <p:spPr/>
+        <p:txBody>
+          <a:bodyPr/>
+          <a:lstStyle/>
+          <a:p>
+            <a:fld id="{A6AC1DFC-4CBF-48D6-B22D-D4F9DE18114C}" type="slidenum">
+              <a:rPr lang="en-GB" smtClean="0"/>
+              <a:t>14</a:t>
+            </a:fld>
+            <a:endParaRPr lang="en-GB"/>
+          </a:p>
+        </p:txBody>
+      </p:sp>
+    </p:spTree>
+    <p:extLst>
+      <p:ext uri="{BB962C8B-B14F-4D97-AF65-F5344CB8AC3E}">
+        <p14:creationId xmlns:p14="http://schemas.microsoft.com/office/powerpoint/2010/main" val="3104774144"/>
+      </p:ext>
+    </p:extLst>
+  </p:cSld>
+  <p:clrMapOvr>
+    <a:masterClrMapping/>
+  </p:clrMapOvr>
+</p:notes>
+</file>
+
+<file path=ppt/notesSlides/notesSlide15.xml><?xml version="1.0" encoding="utf-8"?>
+<p:notes xmlns:a="http://schemas.openxmlformats.org/drawingml/2006/main" xmlns:r="http://schemas.openxmlformats.org/officeDocument/2006/relationships" xmlns:p="http://schemas.openxmlformats.org/presentationml/2006/main">
+  <p:cSld>
+    <p:spTree>
+      <p:nvGrpSpPr>
+        <p:cNvPr id="1" name=""/>
+        <p:cNvGrpSpPr/>
+        <p:nvPr/>
+      </p:nvGrpSpPr>
+      <p:grpSpPr>
+        <a:xfrm>
+          <a:off x="0" y="0"/>
+          <a:ext cx="0" cy="0"/>
+          <a:chOff x="0" y="0"/>
+          <a:chExt cx="0" cy="0"/>
+        </a:xfrm>
+      </p:grpSpPr>
+      <p:sp>
+        <p:nvSpPr>
+          <p:cNvPr id="2" name="Slide Image Placeholder 1"/>
+          <p:cNvSpPr>
+            <a:spLocks noGrp="1" noRot="1" noChangeAspect="1"/>
+          </p:cNvSpPr>
+          <p:nvPr>
+            <p:ph type="sldImg"/>
+          </p:nvPr>
+        </p:nvSpPr>
+        <p:spPr/>
+      </p:sp>
+      <p:sp>
+        <p:nvSpPr>
+          <p:cNvPr id="3" name="Notes Placeholder 2"/>
+          <p:cNvSpPr>
+            <a:spLocks noGrp="1"/>
+          </p:cNvSpPr>
+          <p:nvPr>
+            <p:ph type="body" idx="1"/>
+          </p:nvPr>
+        </p:nvSpPr>
+        <p:spPr/>
+        <p:txBody>
+          <a:bodyPr/>
+          <a:lstStyle/>
+          <a:p>
+            <a:r>
+              <a:rPr lang="en-GB" dirty="0" smtClean="0"/>
+              <a:t>Variance</a:t>
+            </a:r>
+            <a:r>
+              <a:rPr lang="en-GB" baseline="0" dirty="0" smtClean="0"/>
+              <a:t> &amp; SD are the key drivers in this case – the main discussion was fuelled by the graphs and each projects growth adherence to the standard deviation. </a:t>
+            </a:r>
+            <a:endParaRPr lang="en-GB" dirty="0"/>
+          </a:p>
+        </p:txBody>
+      </p:sp>
+      <p:sp>
+        <p:nvSpPr>
+          <p:cNvPr id="4" name="Slide Number Placeholder 3"/>
+          <p:cNvSpPr>
+            <a:spLocks noGrp="1"/>
+          </p:cNvSpPr>
+          <p:nvPr>
+            <p:ph type="sldNum" sz="quarter" idx="10"/>
+          </p:nvPr>
+        </p:nvSpPr>
+        <p:spPr/>
+        <p:txBody>
+          <a:bodyPr/>
+          <a:lstStyle/>
+          <a:p>
+            <a:fld id="{A6AC1DFC-4CBF-48D6-B22D-D4F9DE18114C}" type="slidenum">
+              <a:rPr lang="en-GB" smtClean="0"/>
+              <a:t>15</a:t>
+            </a:fld>
+            <a:endParaRPr lang="en-GB"/>
+          </a:p>
+        </p:txBody>
+      </p:sp>
+    </p:spTree>
+    <p:extLst>
+      <p:ext uri="{BB962C8B-B14F-4D97-AF65-F5344CB8AC3E}">
+        <p14:creationId xmlns:p14="http://schemas.microsoft.com/office/powerpoint/2010/main" val="1685401353"/>
+      </p:ext>
+    </p:extLst>
+  </p:cSld>
+  <p:clrMapOvr>
+    <a:masterClrMapping/>
+  </p:clrMapOvr>
+</p:notes>
+</file>
+
+<file path=ppt/notesSlides/notesSlide16.xml><?xml version="1.0" encoding="utf-8"?>
+<p:notes xmlns:a="http://schemas.openxmlformats.org/drawingml/2006/main" xmlns:r="http://schemas.openxmlformats.org/officeDocument/2006/relationships" xmlns:p="http://schemas.openxmlformats.org/presentationml/2006/main">
+  <p:cSld>
+    <p:spTree>
+      <p:nvGrpSpPr>
+        <p:cNvPr id="1" name=""/>
+        <p:cNvGrpSpPr/>
+        <p:nvPr/>
+      </p:nvGrpSpPr>
+      <p:grpSpPr>
+        <a:xfrm>
+          <a:off x="0" y="0"/>
+          <a:ext cx="0" cy="0"/>
+          <a:chOff x="0" y="0"/>
+          <a:chExt cx="0" cy="0"/>
+        </a:xfrm>
+      </p:grpSpPr>
+      <p:sp>
+        <p:nvSpPr>
+          <p:cNvPr id="2" name="Slide Image Placeholder 1"/>
+          <p:cNvSpPr>
+            <a:spLocks noGrp="1" noRot="1" noChangeAspect="1"/>
+          </p:cNvSpPr>
+          <p:nvPr>
+            <p:ph type="sldImg"/>
+          </p:nvPr>
+        </p:nvSpPr>
+        <p:spPr/>
+      </p:sp>
+      <p:sp>
+        <p:nvSpPr>
+          <p:cNvPr id="3" name="Notes Placeholder 2"/>
+          <p:cNvSpPr>
+            <a:spLocks noGrp="1"/>
+          </p:cNvSpPr>
+          <p:nvPr>
+            <p:ph type="body" idx="1"/>
+          </p:nvPr>
+        </p:nvSpPr>
+        <p:spPr/>
+        <p:txBody>
+          <a:bodyPr/>
+          <a:lstStyle/>
+          <a:p>
+            <a:r>
+              <a:rPr lang="en-GB" dirty="0" smtClean="0"/>
+              <a:t>- While I believe the research</a:t>
+            </a:r>
+            <a:r>
+              <a:rPr lang="en-GB" baseline="0" dirty="0" smtClean="0"/>
+              <a:t> is pretty solid – its important to consider and learn from the weaknesses</a:t>
+            </a:r>
+            <a:endParaRPr lang="en-GB" dirty="0" smtClean="0"/>
+          </a:p>
+          <a:p>
+            <a:pPr marL="171450" indent="-171450">
+              <a:buFontTx/>
+              <a:buChar char="-"/>
+            </a:pPr>
+            <a:r>
+              <a:rPr lang="en-GB" dirty="0" smtClean="0"/>
+              <a:t>In future work utilises</a:t>
+            </a:r>
+            <a:r>
+              <a:rPr lang="en-GB" baseline="0" dirty="0" smtClean="0"/>
+              <a:t> the source code would be an excellent option – could introduce </a:t>
+            </a:r>
+            <a:r>
+              <a:rPr lang="en-GB" baseline="0" dirty="0" err="1" smtClean="0"/>
+              <a:t>mccabes</a:t>
+            </a:r>
+            <a:r>
+              <a:rPr lang="en-GB" baseline="0" dirty="0" smtClean="0"/>
+              <a:t> </a:t>
+            </a:r>
+            <a:r>
+              <a:rPr lang="en-GB" baseline="0" dirty="0" err="1" smtClean="0"/>
+              <a:t>cyclometric</a:t>
+            </a:r>
+            <a:r>
+              <a:rPr lang="en-GB" baseline="0" dirty="0" smtClean="0"/>
+              <a:t> complexity measure</a:t>
+            </a:r>
+          </a:p>
+          <a:p>
+            <a:pPr marL="171450" indent="-171450">
+              <a:buFontTx/>
+              <a:buChar char="-"/>
+            </a:pPr>
+            <a:r>
+              <a:rPr lang="en-GB" baseline="0" dirty="0" smtClean="0"/>
+              <a:t>Supplement the discussion with more full proof evidence – did use some significance tests but in some cases it was not possible.</a:t>
+            </a:r>
+          </a:p>
+          <a:p>
+            <a:pPr marL="171450" indent="-171450">
+              <a:buFontTx/>
+              <a:buChar char="-"/>
+            </a:pPr>
+            <a:r>
+              <a:rPr lang="en-GB" baseline="0" dirty="0" smtClean="0"/>
+              <a:t>It is very possible that no migrated projects lose useful metrics that show early stages of evolution</a:t>
+            </a:r>
+          </a:p>
+          <a:p>
+            <a:pPr marL="171450" indent="-171450">
+              <a:buFontTx/>
+              <a:buChar char="-"/>
+            </a:pPr>
+            <a:r>
+              <a:rPr lang="en-GB" baseline="0" dirty="0" smtClean="0"/>
+              <a:t>Some projects (</a:t>
+            </a:r>
+            <a:r>
+              <a:rPr lang="en-GB" baseline="0" dirty="0" err="1" smtClean="0"/>
+              <a:t>boostrap</a:t>
+            </a:r>
+            <a:r>
+              <a:rPr lang="en-GB" baseline="0" dirty="0" smtClean="0"/>
+              <a:t> – frequency changes) while others (ruby - low frequency of change) and the impact this has on the metric attained</a:t>
+            </a:r>
+          </a:p>
+          <a:p>
+            <a:pPr marL="171450" indent="-171450">
+              <a:buFontTx/>
+              <a:buChar char="-"/>
+            </a:pPr>
+            <a:endParaRPr lang="en-GB" baseline="0" dirty="0" smtClean="0"/>
+          </a:p>
+        </p:txBody>
+      </p:sp>
+      <p:sp>
+        <p:nvSpPr>
+          <p:cNvPr id="4" name="Slide Number Placeholder 3"/>
+          <p:cNvSpPr>
+            <a:spLocks noGrp="1"/>
+          </p:cNvSpPr>
+          <p:nvPr>
+            <p:ph type="sldNum" sz="quarter" idx="10"/>
+          </p:nvPr>
+        </p:nvSpPr>
+        <p:spPr/>
+        <p:txBody>
+          <a:bodyPr/>
+          <a:lstStyle/>
+          <a:p>
+            <a:fld id="{A6AC1DFC-4CBF-48D6-B22D-D4F9DE18114C}" type="slidenum">
+              <a:rPr lang="en-GB" smtClean="0"/>
+              <a:t>16</a:t>
+            </a:fld>
+            <a:endParaRPr lang="en-GB"/>
+          </a:p>
+        </p:txBody>
+      </p:sp>
+    </p:spTree>
+    <p:extLst>
+      <p:ext uri="{BB962C8B-B14F-4D97-AF65-F5344CB8AC3E}">
+        <p14:creationId xmlns:p14="http://schemas.microsoft.com/office/powerpoint/2010/main" val="1113659269"/>
+      </p:ext>
+    </p:extLst>
+  </p:cSld>
+  <p:clrMapOvr>
+    <a:masterClrMapping/>
+  </p:clrMapOvr>
+</p:notes>
+</file>
+
+<file path=ppt/notesSlides/notesSlide2.xml><?xml version="1.0" encoding="utf-8"?>
+<p:notes xmlns:a="http://schemas.openxmlformats.org/drawingml/2006/main" xmlns:r="http://schemas.openxmlformats.org/officeDocument/2006/relationships" xmlns:p="http://schemas.openxmlformats.org/presentationml/2006/main">
+  <p:cSld>
+    <p:spTree>
+      <p:nvGrpSpPr>
+        <p:cNvPr id="1" name=""/>
+        <p:cNvGrpSpPr/>
+        <p:nvPr/>
+      </p:nvGrpSpPr>
+      <p:grpSpPr>
+        <a:xfrm>
+          <a:off x="0" y="0"/>
+          <a:ext cx="0" cy="0"/>
+          <a:chOff x="0" y="0"/>
+          <a:chExt cx="0" cy="0"/>
+        </a:xfrm>
+      </p:grpSpPr>
+      <p:sp>
+        <p:nvSpPr>
+          <p:cNvPr id="2" name="Slide Image Placeholder 1"/>
+          <p:cNvSpPr>
+            <a:spLocks noGrp="1" noRot="1" noChangeAspect="1"/>
+          </p:cNvSpPr>
+          <p:nvPr>
+            <p:ph type="sldImg"/>
+          </p:nvPr>
+        </p:nvSpPr>
+        <p:spPr/>
+      </p:sp>
+      <p:sp>
+        <p:nvSpPr>
+          <p:cNvPr id="3" name="Notes Placeholder 2"/>
+          <p:cNvSpPr>
+            <a:spLocks noGrp="1"/>
+          </p:cNvSpPr>
+          <p:nvPr>
+            <p:ph type="body" idx="1"/>
+          </p:nvPr>
+        </p:nvSpPr>
+        <p:spPr/>
+        <p:txBody>
+          <a:bodyPr/>
+          <a:lstStyle/>
+          <a:p>
+            <a:pPr marL="171450" indent="-171450">
+              <a:buFontTx/>
+              <a:buChar char="-"/>
+            </a:pPr>
+            <a:r>
+              <a:rPr lang="en-GB" dirty="0" smtClean="0"/>
+              <a:t>In this project there are three main components – each one</a:t>
+            </a:r>
+            <a:r>
+              <a:rPr lang="en-GB" baseline="0" dirty="0" smtClean="0"/>
+              <a:t> is dependent upon at least one of the others</a:t>
+            </a:r>
+          </a:p>
+          <a:p>
+            <a:pPr marL="171450" indent="-171450">
+              <a:buFontTx/>
+              <a:buChar char="-"/>
+            </a:pPr>
+            <a:r>
+              <a:rPr lang="en-GB" baseline="0" dirty="0" smtClean="0"/>
+              <a:t>The GitHub API allows access to repository level data, using a large amount of projects this data will be mined</a:t>
+            </a:r>
+          </a:p>
+          <a:p>
+            <a:pPr marL="171450" indent="-171450">
+              <a:buFontTx/>
+              <a:buChar char="-"/>
+            </a:pPr>
+            <a:r>
+              <a:rPr lang="en-GB" baseline="0" dirty="0" smtClean="0"/>
+              <a:t>A work bench is build to enable this (we will see more of this in the demo)</a:t>
+            </a:r>
+          </a:p>
+          <a:p>
+            <a:pPr marL="171450" indent="-171450">
+              <a:buFontTx/>
+              <a:buChar char="-"/>
+            </a:pPr>
+            <a:r>
+              <a:rPr lang="en-GB" baseline="0" dirty="0" smtClean="0"/>
+              <a:t>The goal of the workbench is to provide answers to the research question and in turn enable the dissertation</a:t>
+            </a:r>
+          </a:p>
+          <a:p>
+            <a:pPr marL="0" indent="0">
+              <a:buFontTx/>
+              <a:buNone/>
+            </a:pPr>
+            <a:endParaRPr lang="en-GB" baseline="0" dirty="0" smtClean="0"/>
+          </a:p>
+          <a:p>
+            <a:pPr marL="171450" indent="-171450">
+              <a:buFontTx/>
+              <a:buChar char="-"/>
+            </a:pPr>
+            <a:endParaRPr lang="en-GB" baseline="0" dirty="0" smtClean="0"/>
+          </a:p>
+          <a:p>
+            <a:endParaRPr lang="en-GB" dirty="0"/>
+          </a:p>
+        </p:txBody>
+      </p:sp>
+      <p:sp>
+        <p:nvSpPr>
+          <p:cNvPr id="4" name="Slide Number Placeholder 3"/>
+          <p:cNvSpPr>
+            <a:spLocks noGrp="1"/>
+          </p:cNvSpPr>
+          <p:nvPr>
+            <p:ph type="sldNum" sz="quarter" idx="10"/>
+          </p:nvPr>
+        </p:nvSpPr>
+        <p:spPr/>
+        <p:txBody>
+          <a:bodyPr/>
+          <a:lstStyle/>
+          <a:p>
+            <a:fld id="{A6AC1DFC-4CBF-48D6-B22D-D4F9DE18114C}" type="slidenum">
+              <a:rPr lang="en-GB" smtClean="0"/>
+              <a:t>2</a:t>
+            </a:fld>
+            <a:endParaRPr lang="en-GB"/>
+          </a:p>
+        </p:txBody>
+      </p:sp>
+    </p:spTree>
+    <p:extLst>
+      <p:ext uri="{BB962C8B-B14F-4D97-AF65-F5344CB8AC3E}">
+        <p14:creationId xmlns:p14="http://schemas.microsoft.com/office/powerpoint/2010/main" val="1420241456"/>
+      </p:ext>
+    </p:extLst>
+  </p:cSld>
+  <p:clrMapOvr>
+    <a:masterClrMapping/>
+  </p:clrMapOvr>
+</p:notes>
+</file>
+
+<file path=ppt/notesSlides/notesSlide3.xml><?xml version="1.0" encoding="utf-8"?>
+<p:notes xmlns:a="http://schemas.openxmlformats.org/drawingml/2006/main" xmlns:r="http://schemas.openxmlformats.org/officeDocument/2006/relationships" xmlns:p="http://schemas.openxmlformats.org/presentationml/2006/main">
+  <p:cSld>
+    <p:spTree>
+      <p:nvGrpSpPr>
+        <p:cNvPr id="1" name=""/>
+        <p:cNvGrpSpPr/>
+        <p:nvPr/>
+      </p:nvGrpSpPr>
+      <p:grpSpPr>
+        <a:xfrm>
+          <a:off x="0" y="0"/>
+          <a:ext cx="0" cy="0"/>
+          <a:chOff x="0" y="0"/>
+          <a:chExt cx="0" cy="0"/>
+        </a:xfrm>
+      </p:grpSpPr>
+      <p:sp>
+        <p:nvSpPr>
+          <p:cNvPr id="2" name="Slide Image Placeholder 1"/>
+          <p:cNvSpPr>
+            <a:spLocks noGrp="1" noRot="1" noChangeAspect="1"/>
+          </p:cNvSpPr>
+          <p:nvPr>
+            <p:ph type="sldImg"/>
+          </p:nvPr>
+        </p:nvSpPr>
+        <p:spPr/>
+      </p:sp>
+      <p:sp>
+        <p:nvSpPr>
+          <p:cNvPr id="3" name="Notes Placeholder 2"/>
+          <p:cNvSpPr>
+            <a:spLocks noGrp="1"/>
+          </p:cNvSpPr>
+          <p:nvPr>
+            <p:ph type="body" idx="1"/>
+          </p:nvPr>
+        </p:nvSpPr>
+        <p:spPr/>
+        <p:txBody>
+          <a:bodyPr/>
+          <a:lstStyle/>
+          <a:p>
+            <a:r>
+              <a:rPr lang="en-GB" dirty="0" smtClean="0"/>
+              <a:t>This slide</a:t>
+            </a:r>
+            <a:r>
+              <a:rPr lang="en-GB" baseline="0" dirty="0" smtClean="0"/>
+              <a:t> states each in ascending order – useful as a quick reference point before progressing</a:t>
+            </a:r>
+            <a:endParaRPr lang="en-GB" dirty="0"/>
+          </a:p>
+        </p:txBody>
+      </p:sp>
+      <p:sp>
+        <p:nvSpPr>
+          <p:cNvPr id="4" name="Slide Number Placeholder 3"/>
+          <p:cNvSpPr>
+            <a:spLocks noGrp="1"/>
+          </p:cNvSpPr>
+          <p:nvPr>
+            <p:ph type="sldNum" sz="quarter" idx="10"/>
+          </p:nvPr>
+        </p:nvSpPr>
+        <p:spPr/>
+        <p:txBody>
+          <a:bodyPr/>
+          <a:lstStyle/>
+          <a:p>
+            <a:fld id="{A6AC1DFC-4CBF-48D6-B22D-D4F9DE18114C}" type="slidenum">
+              <a:rPr lang="en-GB" smtClean="0"/>
+              <a:t>3</a:t>
+            </a:fld>
+            <a:endParaRPr lang="en-GB"/>
+          </a:p>
+        </p:txBody>
+      </p:sp>
+    </p:spTree>
+    <p:extLst>
+      <p:ext uri="{BB962C8B-B14F-4D97-AF65-F5344CB8AC3E}">
+        <p14:creationId xmlns:p14="http://schemas.microsoft.com/office/powerpoint/2010/main" val="4195248159"/>
+      </p:ext>
+    </p:extLst>
+  </p:cSld>
+  <p:clrMapOvr>
+    <a:masterClrMapping/>
+  </p:clrMapOvr>
+</p:notes>
+</file>
+
+<file path=ppt/notesSlides/notesSlide4.xml><?xml version="1.0" encoding="utf-8"?>
+<p:notes xmlns:a="http://schemas.openxmlformats.org/drawingml/2006/main" xmlns:r="http://schemas.openxmlformats.org/officeDocument/2006/relationships" xmlns:p="http://schemas.openxmlformats.org/presentationml/2006/main">
+  <p:cSld>
+    <p:spTree>
+      <p:nvGrpSpPr>
+        <p:cNvPr id="1" name=""/>
+        <p:cNvGrpSpPr/>
+        <p:nvPr/>
+      </p:nvGrpSpPr>
+      <p:grpSpPr>
+        <a:xfrm>
+          <a:off x="0" y="0"/>
+          <a:ext cx="0" cy="0"/>
+          <a:chOff x="0" y="0"/>
+          <a:chExt cx="0" cy="0"/>
+        </a:xfrm>
+      </p:grpSpPr>
+      <p:sp>
+        <p:nvSpPr>
+          <p:cNvPr id="2" name="Slide Image Placeholder 1"/>
+          <p:cNvSpPr>
+            <a:spLocks noGrp="1" noRot="1" noChangeAspect="1"/>
+          </p:cNvSpPr>
+          <p:nvPr>
+            <p:ph type="sldImg"/>
+          </p:nvPr>
+        </p:nvSpPr>
+        <p:spPr/>
+      </p:sp>
+      <p:sp>
+        <p:nvSpPr>
+          <p:cNvPr id="3" name="Notes Placeholder 2"/>
+          <p:cNvSpPr>
+            <a:spLocks noGrp="1"/>
+          </p:cNvSpPr>
+          <p:nvPr>
+            <p:ph type="body" idx="1"/>
+          </p:nvPr>
+        </p:nvSpPr>
+        <p:spPr/>
+        <p:txBody>
+          <a:bodyPr/>
+          <a:lstStyle/>
+          <a:p>
+            <a:r>
+              <a:rPr lang="en-GB" dirty="0" smtClean="0"/>
+              <a:t>The highlighted phrases represent the key</a:t>
+            </a:r>
+            <a:r>
+              <a:rPr lang="en-GB" baseline="0" dirty="0" smtClean="0"/>
+              <a:t> points from each law which I felt could be attributed to metric for analysis</a:t>
+            </a:r>
+          </a:p>
+          <a:p>
+            <a:r>
+              <a:rPr lang="en-GB" baseline="0" dirty="0" smtClean="0"/>
+              <a:t>We will see in a few slides how hypotheses were generated based on these</a:t>
+            </a:r>
+          </a:p>
+          <a:p>
+            <a:r>
+              <a:rPr lang="en-GB" baseline="0" dirty="0" smtClean="0"/>
+              <a:t>But next we will see a brief animation showing the general process of using the GitHub API</a:t>
+            </a:r>
+            <a:endParaRPr lang="en-GB" dirty="0"/>
+          </a:p>
+        </p:txBody>
+      </p:sp>
+      <p:sp>
+        <p:nvSpPr>
+          <p:cNvPr id="4" name="Slide Number Placeholder 3"/>
+          <p:cNvSpPr>
+            <a:spLocks noGrp="1"/>
+          </p:cNvSpPr>
+          <p:nvPr>
+            <p:ph type="sldNum" sz="quarter" idx="10"/>
+          </p:nvPr>
+        </p:nvSpPr>
+        <p:spPr/>
+        <p:txBody>
+          <a:bodyPr/>
+          <a:lstStyle/>
+          <a:p>
+            <a:fld id="{A6AC1DFC-4CBF-48D6-B22D-D4F9DE18114C}" type="slidenum">
+              <a:rPr lang="en-GB" smtClean="0"/>
+              <a:t>4</a:t>
+            </a:fld>
+            <a:endParaRPr lang="en-GB"/>
+          </a:p>
+        </p:txBody>
+      </p:sp>
+    </p:spTree>
+    <p:extLst>
+      <p:ext uri="{BB962C8B-B14F-4D97-AF65-F5344CB8AC3E}">
+        <p14:creationId xmlns:p14="http://schemas.microsoft.com/office/powerpoint/2010/main" val="4227391784"/>
+      </p:ext>
+    </p:extLst>
+  </p:cSld>
+  <p:clrMapOvr>
+    <a:masterClrMapping/>
+  </p:clrMapOvr>
+</p:notes>
+</file>
+
+<file path=ppt/notesSlides/notesSlide5.xml><?xml version="1.0" encoding="utf-8"?>
+<p:notes xmlns:a="http://schemas.openxmlformats.org/drawingml/2006/main" xmlns:r="http://schemas.openxmlformats.org/officeDocument/2006/relationships" xmlns:p="http://schemas.openxmlformats.org/presentationml/2006/main">
+  <p:cSld>
+    <p:spTree>
+      <p:nvGrpSpPr>
+        <p:cNvPr id="1" name=""/>
+        <p:cNvGrpSpPr/>
+        <p:nvPr/>
+      </p:nvGrpSpPr>
+      <p:grpSpPr>
+        <a:xfrm>
+          <a:off x="0" y="0"/>
+          <a:ext cx="0" cy="0"/>
+          <a:chOff x="0" y="0"/>
+          <a:chExt cx="0" cy="0"/>
+        </a:xfrm>
+      </p:grpSpPr>
+      <p:sp>
+        <p:nvSpPr>
+          <p:cNvPr id="2" name="Slide Image Placeholder 1"/>
+          <p:cNvSpPr>
+            <a:spLocks noGrp="1" noRot="1" noChangeAspect="1"/>
+          </p:cNvSpPr>
+          <p:nvPr>
+            <p:ph type="sldImg"/>
+          </p:nvPr>
+        </p:nvSpPr>
+        <p:spPr/>
+      </p:sp>
+      <p:sp>
+        <p:nvSpPr>
+          <p:cNvPr id="3" name="Notes Placeholder 2"/>
+          <p:cNvSpPr>
+            <a:spLocks noGrp="1"/>
+          </p:cNvSpPr>
+          <p:nvPr>
+            <p:ph type="body" idx="1"/>
+          </p:nvPr>
+        </p:nvSpPr>
+        <p:spPr/>
+        <p:txBody>
+          <a:bodyPr/>
+          <a:lstStyle/>
+          <a:p>
+            <a:r>
+              <a:rPr lang="en-GB" dirty="0" smtClean="0"/>
+              <a:t>Initially we select the URL of the repository</a:t>
+            </a:r>
+            <a:r>
+              <a:rPr lang="en-GB" baseline="0" dirty="0" smtClean="0"/>
+              <a:t> and feed it into the work bench (bulk or not) – using Ajax we can form a HTTP request</a:t>
+            </a:r>
+          </a:p>
+          <a:p>
+            <a:r>
+              <a:rPr lang="en-GB" dirty="0" smtClean="0"/>
+              <a:t>Depending</a:t>
+            </a:r>
+            <a:r>
+              <a:rPr lang="en-GB" baseline="0" dirty="0" smtClean="0"/>
+              <a:t> on how the URL is formed – we can target any possible metric</a:t>
+            </a:r>
+          </a:p>
+          <a:p>
+            <a:r>
+              <a:rPr lang="en-GB" baseline="0" dirty="0" smtClean="0"/>
+              <a:t>The API returns the data in JSON format – the structure of which varies whether using the stat API or traditional approach.</a:t>
+            </a:r>
+          </a:p>
+          <a:p>
+            <a:r>
+              <a:rPr lang="en-GB" baseline="0" dirty="0" smtClean="0"/>
+              <a:t>The workbench can then parse the data and essentially do what we want with it.</a:t>
+            </a:r>
+            <a:endParaRPr lang="en-GB" dirty="0"/>
+          </a:p>
+        </p:txBody>
+      </p:sp>
+      <p:sp>
+        <p:nvSpPr>
+          <p:cNvPr id="4" name="Slide Number Placeholder 3"/>
+          <p:cNvSpPr>
+            <a:spLocks noGrp="1"/>
+          </p:cNvSpPr>
+          <p:nvPr>
+            <p:ph type="sldNum" sz="quarter" idx="10"/>
+          </p:nvPr>
+        </p:nvSpPr>
+        <p:spPr/>
+        <p:txBody>
+          <a:bodyPr/>
+          <a:lstStyle/>
+          <a:p>
+            <a:fld id="{A6AC1DFC-4CBF-48D6-B22D-D4F9DE18114C}" type="slidenum">
+              <a:rPr lang="en-GB" smtClean="0"/>
+              <a:t>5</a:t>
+            </a:fld>
+            <a:endParaRPr lang="en-GB"/>
+          </a:p>
+        </p:txBody>
+      </p:sp>
+    </p:spTree>
+    <p:extLst>
+      <p:ext uri="{BB962C8B-B14F-4D97-AF65-F5344CB8AC3E}">
+        <p14:creationId xmlns:p14="http://schemas.microsoft.com/office/powerpoint/2010/main" val="3256922775"/>
+      </p:ext>
+    </p:extLst>
+  </p:cSld>
+  <p:clrMapOvr>
+    <a:masterClrMapping/>
+  </p:clrMapOvr>
+</p:notes>
+</file>
+
+<file path=ppt/notesSlides/notesSlide6.xml><?xml version="1.0" encoding="utf-8"?>
+<p:notes xmlns:a="http://schemas.openxmlformats.org/drawingml/2006/main" xmlns:r="http://schemas.openxmlformats.org/officeDocument/2006/relationships" xmlns:p="http://schemas.openxmlformats.org/presentationml/2006/main">
+  <p:cSld>
+    <p:spTree>
+      <p:nvGrpSpPr>
+        <p:cNvPr id="1" name=""/>
+        <p:cNvGrpSpPr/>
+        <p:nvPr/>
+      </p:nvGrpSpPr>
+      <p:grpSpPr>
+        <a:xfrm>
+          <a:off x="0" y="0"/>
+          <a:ext cx="0" cy="0"/>
+          <a:chOff x="0" y="0"/>
+          <a:chExt cx="0" cy="0"/>
+        </a:xfrm>
+      </p:grpSpPr>
+      <p:sp>
+        <p:nvSpPr>
+          <p:cNvPr id="2" name="Slide Image Placeholder 1"/>
+          <p:cNvSpPr>
+            <a:spLocks noGrp="1" noRot="1" noChangeAspect="1"/>
+          </p:cNvSpPr>
+          <p:nvPr>
+            <p:ph type="sldImg"/>
+          </p:nvPr>
+        </p:nvSpPr>
+        <p:spPr/>
+      </p:sp>
+      <p:sp>
+        <p:nvSpPr>
+          <p:cNvPr id="3" name="Notes Placeholder 2"/>
+          <p:cNvSpPr>
+            <a:spLocks noGrp="1"/>
+          </p:cNvSpPr>
+          <p:nvPr>
+            <p:ph type="body" idx="1"/>
+          </p:nvPr>
+        </p:nvSpPr>
+        <p:spPr/>
+        <p:txBody>
+          <a:bodyPr/>
+          <a:lstStyle/>
+          <a:p>
+            <a:r>
+              <a:rPr lang="en-GB" dirty="0" smtClean="0"/>
+              <a:t>The</a:t>
+            </a:r>
+            <a:r>
+              <a:rPr lang="en-GB" baseline="0" dirty="0" smtClean="0"/>
+              <a:t> API provides a wide range of information about a project – each of these are listed in the table</a:t>
+            </a:r>
+          </a:p>
+          <a:p>
+            <a:r>
+              <a:rPr lang="en-GB" baseline="0" dirty="0" smtClean="0"/>
+              <a:t>It became crucial to identify metrics that represent the intent behind each of Lehman’s laws &amp; then attach to hypothesis for quantitative analysis</a:t>
+            </a:r>
+          </a:p>
+          <a:p>
+            <a:r>
+              <a:rPr lang="en-GB" baseline="0" dirty="0" smtClean="0"/>
+              <a:t>The metrics selected are in bold and underlined and these will be the back bone of the research result acquisition. </a:t>
+            </a:r>
+          </a:p>
+          <a:p>
+            <a:endParaRPr lang="en-GB" dirty="0"/>
+          </a:p>
+        </p:txBody>
+      </p:sp>
+      <p:sp>
+        <p:nvSpPr>
+          <p:cNvPr id="4" name="Slide Number Placeholder 3"/>
+          <p:cNvSpPr>
+            <a:spLocks noGrp="1"/>
+          </p:cNvSpPr>
+          <p:nvPr>
+            <p:ph type="sldNum" sz="quarter" idx="10"/>
+          </p:nvPr>
+        </p:nvSpPr>
+        <p:spPr/>
+        <p:txBody>
+          <a:bodyPr/>
+          <a:lstStyle/>
+          <a:p>
+            <a:fld id="{A6AC1DFC-4CBF-48D6-B22D-D4F9DE18114C}" type="slidenum">
+              <a:rPr lang="en-GB" smtClean="0"/>
+              <a:t>6</a:t>
+            </a:fld>
+            <a:endParaRPr lang="en-GB"/>
+          </a:p>
+        </p:txBody>
+      </p:sp>
+    </p:spTree>
+    <p:extLst>
+      <p:ext uri="{BB962C8B-B14F-4D97-AF65-F5344CB8AC3E}">
+        <p14:creationId xmlns:p14="http://schemas.microsoft.com/office/powerpoint/2010/main" val="3303901603"/>
+      </p:ext>
+    </p:extLst>
+  </p:cSld>
+  <p:clrMapOvr>
+    <a:masterClrMapping/>
+  </p:clrMapOvr>
+</p:notes>
+</file>
+
+<file path=ppt/notesSlides/notesSlide7.xml><?xml version="1.0" encoding="utf-8"?>
+<p:notes xmlns:a="http://schemas.openxmlformats.org/drawingml/2006/main" xmlns:r="http://schemas.openxmlformats.org/officeDocument/2006/relationships" xmlns:p="http://schemas.openxmlformats.org/presentationml/2006/main">
+  <p:cSld>
+    <p:spTree>
+      <p:nvGrpSpPr>
+        <p:cNvPr id="1" name=""/>
+        <p:cNvGrpSpPr/>
+        <p:nvPr/>
+      </p:nvGrpSpPr>
+      <p:grpSpPr>
+        <a:xfrm>
+          <a:off x="0" y="0"/>
+          <a:ext cx="0" cy="0"/>
+          <a:chOff x="0" y="0"/>
+          <a:chExt cx="0" cy="0"/>
+        </a:xfrm>
+      </p:grpSpPr>
+      <p:sp>
+        <p:nvSpPr>
+          <p:cNvPr id="2" name="Slide Image Placeholder 1"/>
+          <p:cNvSpPr>
+            <a:spLocks noGrp="1" noRot="1" noChangeAspect="1"/>
+          </p:cNvSpPr>
+          <p:nvPr>
+            <p:ph type="sldImg"/>
+          </p:nvPr>
+        </p:nvSpPr>
+        <p:spPr/>
+      </p:sp>
+      <p:sp>
+        <p:nvSpPr>
+          <p:cNvPr id="3" name="Notes Placeholder 2"/>
+          <p:cNvSpPr>
+            <a:spLocks noGrp="1"/>
+          </p:cNvSpPr>
+          <p:nvPr>
+            <p:ph type="body" idx="1"/>
+          </p:nvPr>
+        </p:nvSpPr>
+        <p:spPr/>
+        <p:txBody>
+          <a:bodyPr/>
+          <a:lstStyle/>
+          <a:p>
+            <a:r>
+              <a:rPr lang="en-GB" dirty="0" smtClean="0"/>
+              <a:t>Law 1 and</a:t>
+            </a:r>
+            <a:r>
+              <a:rPr lang="en-GB" baseline="0" dirty="0" smtClean="0"/>
+              <a:t> 6 are grouped together, based upon the key words it is clear these both have similar foundations – attached to these are commits and stargazers which reflect the keywords as well</a:t>
+            </a:r>
+            <a:endParaRPr lang="en-GB" dirty="0" smtClean="0"/>
+          </a:p>
+        </p:txBody>
+      </p:sp>
+      <p:sp>
+        <p:nvSpPr>
+          <p:cNvPr id="4" name="Slide Number Placeholder 3"/>
+          <p:cNvSpPr>
+            <a:spLocks noGrp="1"/>
+          </p:cNvSpPr>
+          <p:nvPr>
+            <p:ph type="sldNum" sz="quarter" idx="10"/>
+          </p:nvPr>
+        </p:nvSpPr>
+        <p:spPr/>
+        <p:txBody>
+          <a:bodyPr/>
+          <a:lstStyle/>
+          <a:p>
+            <a:fld id="{A6AC1DFC-4CBF-48D6-B22D-D4F9DE18114C}" type="slidenum">
+              <a:rPr lang="en-GB" smtClean="0"/>
+              <a:t>7</a:t>
+            </a:fld>
+            <a:endParaRPr lang="en-GB"/>
+          </a:p>
+        </p:txBody>
+      </p:sp>
+    </p:spTree>
+    <p:extLst>
+      <p:ext uri="{BB962C8B-B14F-4D97-AF65-F5344CB8AC3E}">
+        <p14:creationId xmlns:p14="http://schemas.microsoft.com/office/powerpoint/2010/main" val="1641007625"/>
+      </p:ext>
+    </p:extLst>
+  </p:cSld>
+  <p:clrMapOvr>
+    <a:masterClrMapping/>
+  </p:clrMapOvr>
+</p:notes>
+</file>
+
+<file path=ppt/notesSlides/notesSlide8.xml><?xml version="1.0" encoding="utf-8"?>
+<p:notes xmlns:a="http://schemas.openxmlformats.org/drawingml/2006/main" xmlns:r="http://schemas.openxmlformats.org/officeDocument/2006/relationships" xmlns:p="http://schemas.openxmlformats.org/presentationml/2006/main">
+  <p:cSld>
+    <p:spTree>
+      <p:nvGrpSpPr>
+        <p:cNvPr id="1" name=""/>
+        <p:cNvGrpSpPr/>
+        <p:nvPr/>
+      </p:nvGrpSpPr>
+      <p:grpSpPr>
+        <a:xfrm>
+          <a:off x="0" y="0"/>
+          <a:ext cx="0" cy="0"/>
+          <a:chOff x="0" y="0"/>
+          <a:chExt cx="0" cy="0"/>
+        </a:xfrm>
+      </p:grpSpPr>
+      <p:sp>
+        <p:nvSpPr>
+          <p:cNvPr id="2" name="Slide Image Placeholder 1"/>
+          <p:cNvSpPr>
+            <a:spLocks noGrp="1" noRot="1" noChangeAspect="1"/>
+          </p:cNvSpPr>
+          <p:nvPr>
+            <p:ph type="sldImg"/>
+          </p:nvPr>
+        </p:nvSpPr>
+        <p:spPr/>
+      </p:sp>
+      <p:sp>
+        <p:nvSpPr>
+          <p:cNvPr id="3" name="Notes Placeholder 2"/>
+          <p:cNvSpPr>
+            <a:spLocks noGrp="1"/>
+          </p:cNvSpPr>
+          <p:nvPr>
+            <p:ph type="body" idx="1"/>
+          </p:nvPr>
+        </p:nvSpPr>
+        <p:spPr/>
+        <p:txBody>
+          <a:bodyPr/>
+          <a:lstStyle/>
+          <a:p>
+            <a:r>
+              <a:rPr lang="en-GB" dirty="0" smtClean="0"/>
+              <a:t>Growth rate – The</a:t>
+            </a:r>
+            <a:r>
+              <a:rPr lang="en-GB" baseline="0" dirty="0" smtClean="0"/>
+              <a:t> first equation simply calculates the average growth from two points in a series</a:t>
+            </a:r>
+          </a:p>
+          <a:p>
+            <a:r>
+              <a:rPr lang="en-GB" baseline="0" dirty="0" smtClean="0"/>
+              <a:t>                     - The second rather focuses on the overall growth between the two points</a:t>
+            </a:r>
+          </a:p>
+          <a:p>
+            <a:r>
+              <a:rPr lang="en-GB" baseline="0" dirty="0" smtClean="0"/>
+              <a:t>                     - both very useful in the case of LOC</a:t>
+            </a:r>
+          </a:p>
+          <a:p>
+            <a:endParaRPr lang="en-GB" baseline="0" dirty="0" smtClean="0"/>
+          </a:p>
+          <a:p>
+            <a:r>
+              <a:rPr lang="en-GB" baseline="0" dirty="0" smtClean="0"/>
+              <a:t>Shapiro </a:t>
+            </a:r>
+            <a:r>
+              <a:rPr lang="en-GB" baseline="0" dirty="0" err="1" smtClean="0"/>
+              <a:t>wilks</a:t>
+            </a:r>
+            <a:r>
+              <a:rPr lang="en-GB" baseline="0" dirty="0" smtClean="0"/>
+              <a:t> – A test to determine the normality of a vectors data – captures HP3 perfectly </a:t>
+            </a:r>
+          </a:p>
+          <a:p>
+            <a:r>
+              <a:rPr lang="en-GB" baseline="0" dirty="0" smtClean="0"/>
+              <a:t>Variance &amp; SD – both utilised in tandem for HP4 alongside growth rate to attempt to quantify and measure an invariant growth rate</a:t>
+            </a:r>
+          </a:p>
+          <a:p>
+            <a:r>
+              <a:rPr lang="en-GB" baseline="0" dirty="0" smtClean="0"/>
+              <a:t>Cross correlation – Allows application of a lag interval between two series – to measure if say commit from two weeks prior has an impact on stargazers in the present</a:t>
+            </a:r>
+            <a:endParaRPr lang="en-GB" dirty="0"/>
+          </a:p>
+        </p:txBody>
+      </p:sp>
+      <p:sp>
+        <p:nvSpPr>
+          <p:cNvPr id="4" name="Slide Number Placeholder 3"/>
+          <p:cNvSpPr>
+            <a:spLocks noGrp="1"/>
+          </p:cNvSpPr>
+          <p:nvPr>
+            <p:ph type="sldNum" sz="quarter" idx="10"/>
+          </p:nvPr>
+        </p:nvSpPr>
+        <p:spPr/>
+        <p:txBody>
+          <a:bodyPr/>
+          <a:lstStyle/>
+          <a:p>
+            <a:fld id="{A6AC1DFC-4CBF-48D6-B22D-D4F9DE18114C}" type="slidenum">
+              <a:rPr lang="en-GB" smtClean="0"/>
+              <a:t>8</a:t>
+            </a:fld>
+            <a:endParaRPr lang="en-GB"/>
+          </a:p>
+        </p:txBody>
+      </p:sp>
+    </p:spTree>
+    <p:extLst>
+      <p:ext uri="{BB962C8B-B14F-4D97-AF65-F5344CB8AC3E}">
+        <p14:creationId xmlns:p14="http://schemas.microsoft.com/office/powerpoint/2010/main" val="181309256"/>
+      </p:ext>
+    </p:extLst>
+  </p:cSld>
+  <p:clrMapOvr>
+    <a:masterClrMapping/>
+  </p:clrMapOvr>
+</p:notes>
+</file>
+
+<file path=ppt/notesSlides/notesSlide9.xml><?xml version="1.0" encoding="utf-8"?>
+<p:notes xmlns:a="http://schemas.openxmlformats.org/drawingml/2006/main" xmlns:r="http://schemas.openxmlformats.org/officeDocument/2006/relationships" xmlns:p="http://schemas.openxmlformats.org/presentationml/2006/main">
+  <p:cSld>
+    <p:spTree>
+      <p:nvGrpSpPr>
+        <p:cNvPr id="1" name=""/>
+        <p:cNvGrpSpPr/>
+        <p:nvPr/>
+      </p:nvGrpSpPr>
+      <p:grpSpPr>
+        <a:xfrm>
+          <a:off x="0" y="0"/>
+          <a:ext cx="0" cy="0"/>
+          <a:chOff x="0" y="0"/>
+          <a:chExt cx="0" cy="0"/>
+        </a:xfrm>
+      </p:grpSpPr>
+      <p:sp>
+        <p:nvSpPr>
+          <p:cNvPr id="2" name="Slide Image Placeholder 1"/>
+          <p:cNvSpPr>
+            <a:spLocks noGrp="1" noRot="1" noChangeAspect="1"/>
+          </p:cNvSpPr>
+          <p:nvPr>
+            <p:ph type="sldImg"/>
+          </p:nvPr>
+        </p:nvSpPr>
+        <p:spPr/>
+      </p:sp>
+      <p:sp>
+        <p:nvSpPr>
+          <p:cNvPr id="3" name="Notes Placeholder 2"/>
+          <p:cNvSpPr>
+            <a:spLocks noGrp="1"/>
+          </p:cNvSpPr>
+          <p:nvPr>
+            <p:ph type="body" idx="1"/>
+          </p:nvPr>
+        </p:nvSpPr>
+        <p:spPr/>
+        <p:txBody>
+          <a:bodyPr/>
+          <a:lstStyle/>
+          <a:p>
+            <a:r>
+              <a:rPr lang="en-GB" dirty="0" smtClean="0"/>
+              <a:t>Novelty</a:t>
+            </a:r>
+            <a:r>
+              <a:rPr lang="en-GB" baseline="0" dirty="0" smtClean="0"/>
+              <a:t> over other studies includes the multi project focus – so that’s a big plus</a:t>
+            </a:r>
+          </a:p>
+          <a:p>
+            <a:r>
+              <a:rPr lang="en-GB" baseline="0" dirty="0" smtClean="0"/>
+              <a:t>An age requirement was enforced A) software evolution requires a time frame which enables evolution B) we will be trimming the first six months to account for migration to GitHub</a:t>
+            </a:r>
+          </a:p>
+          <a:p>
+            <a:r>
+              <a:rPr lang="en-GB" baseline="0" dirty="0" smtClean="0"/>
+              <a:t>Finally the two hundred projects will be halved to 100 hundred to account for the significant time it takes to mine the dataset.</a:t>
+            </a:r>
+            <a:endParaRPr lang="en-GB" dirty="0"/>
+          </a:p>
+        </p:txBody>
+      </p:sp>
+      <p:sp>
+        <p:nvSpPr>
+          <p:cNvPr id="4" name="Slide Number Placeholder 3"/>
+          <p:cNvSpPr>
+            <a:spLocks noGrp="1"/>
+          </p:cNvSpPr>
+          <p:nvPr>
+            <p:ph type="sldNum" sz="quarter" idx="10"/>
+          </p:nvPr>
+        </p:nvSpPr>
+        <p:spPr/>
+        <p:txBody>
+          <a:bodyPr/>
+          <a:lstStyle/>
+          <a:p>
+            <a:fld id="{A6AC1DFC-4CBF-48D6-B22D-D4F9DE18114C}" type="slidenum">
+              <a:rPr lang="en-GB" smtClean="0"/>
+              <a:t>9</a:t>
+            </a:fld>
+            <a:endParaRPr lang="en-GB"/>
+          </a:p>
+        </p:txBody>
+      </p:sp>
+    </p:spTree>
+    <p:extLst>
+      <p:ext uri="{BB962C8B-B14F-4D97-AF65-F5344CB8AC3E}">
+        <p14:creationId xmlns:p14="http://schemas.microsoft.com/office/powerpoint/2010/main" val="2636915573"/>
+      </p:ext>
+    </p:extLst>
+  </p:cSld>
+  <p:clrMapOvr>
+    <a:masterClrMapping/>
+  </p:clrMapOvr>
+</p:notes>
+</file>
+
 <file path=ppt/slideLayouts/slideLayout1.xml><?xml version="1.0" encoding="utf-8"?>
 <p:sldLayout xmlns:a="http://schemas.openxmlformats.org/drawingml/2006/main" xmlns:r="http://schemas.openxmlformats.org/officeDocument/2006/relationships" xmlns:p="http://schemas.openxmlformats.org/presentationml/2006/main" type="title" preserve="1">
   <p:cSld name="Title Slide">
@@ -8523,7 +10632,7 @@
           <a:p>
             <a:fld id="{4AAD347D-5ACD-4C99-B74B-A9C85AD731AF}" type="datetimeFigureOut">
               <a:rPr lang="en-US" dirty="0"/>
-              <a:t>4/10/2016</a:t>
+              <a:t>4/11/2016</a:t>
             </a:fld>
             <a:endParaRPr lang="en-US" dirty="0"/>
           </a:p>
@@ -8805,7 +10914,7 @@
           <a:p>
             <a:fld id="{4509A250-FF31-4206-8172-F9D3106AACB1}" type="datetimeFigureOut">
               <a:rPr lang="en-US" dirty="0"/>
-              <a:t>4/10/2016</a:t>
+              <a:t>4/11/2016</a:t>
             </a:fld>
             <a:endParaRPr lang="en-US" dirty="0"/>
           </a:p>
@@ -9006,7 +11115,7 @@
           <a:p>
             <a:fld id="{4509A250-FF31-4206-8172-F9D3106AACB1}" type="datetimeFigureOut">
               <a:rPr lang="en-US" dirty="0"/>
-              <a:t>4/10/2016</a:t>
+              <a:t>4/11/2016</a:t>
             </a:fld>
             <a:endParaRPr lang="en-US" dirty="0"/>
           </a:p>
@@ -9281,7 +11390,7 @@
           <a:p>
             <a:fld id="{4509A250-FF31-4206-8172-F9D3106AACB1}" type="datetimeFigureOut">
               <a:rPr lang="en-US" dirty="0"/>
-              <a:t>4/10/2016</a:t>
+              <a:t>4/11/2016</a:t>
             </a:fld>
             <a:endParaRPr lang="en-US" dirty="0"/>
           </a:p>
@@ -9620,7 +11729,7 @@
           <a:p>
             <a:fld id="{4509A250-FF31-4206-8172-F9D3106AACB1}" type="datetimeFigureOut">
               <a:rPr lang="en-US" dirty="0"/>
-              <a:t>4/10/2016</a:t>
+              <a:t>4/11/2016</a:t>
             </a:fld>
             <a:endParaRPr lang="en-US" dirty="0"/>
           </a:p>
@@ -10237,7 +12346,7 @@
           <a:p>
             <a:fld id="{4509A250-FF31-4206-8172-F9D3106AACB1}" type="datetimeFigureOut">
               <a:rPr lang="en-US" dirty="0"/>
-              <a:t>4/10/2016</a:t>
+              <a:t>4/11/2016</a:t>
             </a:fld>
             <a:endParaRPr lang="en-US" dirty="0"/>
           </a:p>
@@ -11091,7 +13200,7 @@
           <a:p>
             <a:fld id="{4509A250-FF31-4206-8172-F9D3106AACB1}" type="datetimeFigureOut">
               <a:rPr lang="en-US" dirty="0"/>
-              <a:t>4/10/2016</a:t>
+              <a:t>4/11/2016</a:t>
             </a:fld>
             <a:endParaRPr lang="en-US" dirty="0"/>
           </a:p>
@@ -11268,7 +13377,7 @@
           <a:p>
             <a:fld id="{4509A250-FF31-4206-8172-F9D3106AACB1}" type="datetimeFigureOut">
               <a:rPr lang="en-US" dirty="0"/>
-              <a:t>4/10/2016</a:t>
+              <a:t>4/11/2016</a:t>
             </a:fld>
             <a:endParaRPr lang="en-US" dirty="0"/>
           </a:p>
@@ -11455,7 +13564,7 @@
           <a:p>
             <a:fld id="{4509A250-FF31-4206-8172-F9D3106AACB1}" type="datetimeFigureOut">
               <a:rPr lang="en-US" dirty="0"/>
-              <a:t>4/10/2016</a:t>
+              <a:t>4/11/2016</a:t>
             </a:fld>
             <a:endParaRPr lang="en-US" dirty="0"/>
           </a:p>
@@ -11632,7 +13741,7 @@
           <a:p>
             <a:fld id="{4509A250-FF31-4206-8172-F9D3106AACB1}" type="datetimeFigureOut">
               <a:rPr lang="en-US" dirty="0"/>
-              <a:t>4/10/2016</a:t>
+              <a:t>4/11/2016</a:t>
             </a:fld>
             <a:endParaRPr lang="en-US" dirty="0"/>
           </a:p>
@@ -11883,7 +13992,7 @@
           <a:p>
             <a:fld id="{4509A250-FF31-4206-8172-F9D3106AACB1}" type="datetimeFigureOut">
               <a:rPr lang="en-US" dirty="0"/>
-              <a:t>4/10/2016</a:t>
+              <a:t>4/11/2016</a:t>
             </a:fld>
             <a:endParaRPr lang="en-US" dirty="0"/>
           </a:p>
@@ -12182,7 +14291,7 @@
           <a:p>
             <a:fld id="{4509A250-FF31-4206-8172-F9D3106AACB1}" type="datetimeFigureOut">
               <a:rPr lang="en-US" dirty="0"/>
-              <a:t>4/10/2016</a:t>
+              <a:t>4/11/2016</a:t>
             </a:fld>
             <a:endParaRPr lang="en-US" dirty="0"/>
           </a:p>
@@ -12627,7 +14736,7 @@
           <a:p>
             <a:fld id="{4509A250-FF31-4206-8172-F9D3106AACB1}" type="datetimeFigureOut">
               <a:rPr lang="en-US" dirty="0"/>
-              <a:t>4/10/2016</a:t>
+              <a:t>4/11/2016</a:t>
             </a:fld>
             <a:endParaRPr lang="en-US" dirty="0"/>
           </a:p>
@@ -12752,7 +14861,7 @@
           <a:p>
             <a:fld id="{4509A250-FF31-4206-8172-F9D3106AACB1}" type="datetimeFigureOut">
               <a:rPr lang="en-US" dirty="0"/>
-              <a:t>4/10/2016</a:t>
+              <a:t>4/11/2016</a:t>
             </a:fld>
             <a:endParaRPr lang="en-US" dirty="0"/>
           </a:p>
@@ -12854,7 +14963,7 @@
           <a:p>
             <a:fld id="{4509A250-FF31-4206-8172-F9D3106AACB1}" type="datetimeFigureOut">
               <a:rPr lang="en-US" dirty="0"/>
-              <a:t>4/10/2016</a:t>
+              <a:t>4/11/2016</a:t>
             </a:fld>
             <a:endParaRPr lang="en-US" dirty="0"/>
           </a:p>
@@ -13140,7 +15249,7 @@
           <a:p>
             <a:fld id="{4509A250-FF31-4206-8172-F9D3106AACB1}" type="datetimeFigureOut">
               <a:rPr lang="en-US" dirty="0"/>
-              <a:t>4/10/2016</a:t>
+              <a:t>4/11/2016</a:t>
             </a:fld>
             <a:endParaRPr lang="en-US" dirty="0"/>
           </a:p>
@@ -13422,7 +15531,7 @@
           <a:p>
             <a:fld id="{4509A250-FF31-4206-8172-F9D3106AACB1}" type="datetimeFigureOut">
               <a:rPr lang="en-US" dirty="0"/>
-              <a:t>4/10/2016</a:t>
+              <a:t>4/11/2016</a:t>
             </a:fld>
             <a:endParaRPr lang="en-US" dirty="0"/>
           </a:p>
@@ -13858,7 +15967,7 @@
           <a:p>
             <a:fld id="{4509A250-FF31-4206-8172-F9D3106AACB1}" type="datetimeFigureOut">
               <a:rPr lang="en-US" dirty="0"/>
-              <a:t>4/10/2016</a:t>
+              <a:t>4/11/2016</a:t>
             </a:fld>
             <a:endParaRPr lang="en-US" dirty="0"/>
           </a:p>
@@ -14506,7 +16615,7 @@
           <p:nvPr/>
         </p:nvPicPr>
         <p:blipFill>
-          <a:blip r:embed="rId2">
+          <a:blip r:embed="rId3">
             <a:extLst>
               <a:ext uri="{28A0092B-C50C-407E-A947-70E740481C1C}">
                 <a14:useLocalDpi xmlns:a14="http://schemas.microsoft.com/office/drawing/2010/main" val="0"/>
@@ -14570,7 +16679,7 @@
           <p:nvPr/>
         </p:nvPicPr>
         <p:blipFill>
-          <a:blip r:embed="rId3">
+          <a:blip r:embed="rId4">
             <a:extLst>
               <a:ext uri="{28A0092B-C50C-407E-A947-70E740481C1C}">
                 <a14:useLocalDpi xmlns:a14="http://schemas.microsoft.com/office/drawing/2010/main" val="0"/>
@@ -14634,7 +16743,7 @@
           <p:nvPr/>
         </p:nvPicPr>
         <p:blipFill>
-          <a:blip r:embed="rId4">
+          <a:blip r:embed="rId5">
             <a:extLst>
               <a:ext uri="{28A0092B-C50C-407E-A947-70E740481C1C}">
                 <a14:useLocalDpi xmlns:a14="http://schemas.microsoft.com/office/drawing/2010/main" val="0"/>
@@ -14698,7 +16807,7 @@
           <p:nvPr/>
         </p:nvPicPr>
         <p:blipFill>
-          <a:blip r:embed="rId5">
+          <a:blip r:embed="rId6">
             <a:extLst>
               <a:ext uri="{28A0092B-C50C-407E-A947-70E740481C1C}">
                 <a14:useLocalDpi xmlns:a14="http://schemas.microsoft.com/office/drawing/2010/main" val="0"/>
@@ -15068,7 +17177,7 @@
         </p:xfrm>
         <a:graphic>
           <a:graphicData uri="http://schemas.openxmlformats.org/drawingml/2006/chart">
-            <c:chart xmlns:c="http://schemas.openxmlformats.org/drawingml/2006/chart" xmlns:r="http://schemas.openxmlformats.org/officeDocument/2006/relationships" r:id="rId2"/>
+            <c:chart xmlns:c="http://schemas.openxmlformats.org/drawingml/2006/chart" xmlns:r="http://schemas.openxmlformats.org/officeDocument/2006/relationships" r:id="rId3"/>
           </a:graphicData>
         </a:graphic>
       </p:graphicFrame>
@@ -15159,7 +17268,7 @@
             <p:ph idx="1"/>
             <p:extLst>
               <p:ext uri="{D42A27DB-BD31-4B8C-83A1-F6EECF244321}">
-                <p14:modId xmlns:p14="http://schemas.microsoft.com/office/powerpoint/2010/main" val="403035850"/>
+                <p14:modId xmlns:p14="http://schemas.microsoft.com/office/powerpoint/2010/main" val="849800547"/>
               </p:ext>
             </p:extLst>
           </p:nvPr>
@@ -15205,7 +17314,15 @@
                       </a:r>
                       <a:r>
                         <a:rPr lang="en-GB" baseline="0" dirty="0" smtClean="0"/>
-                        <a:t> Positive/generous correlation</a:t>
+                        <a:t> </a:t>
+                      </a:r>
+                      <a:r>
+                        <a:rPr lang="en-GB" baseline="0" dirty="0" smtClean="0"/>
+                        <a:t>Positive/negative </a:t>
+                      </a:r>
+                      <a:r>
+                        <a:rPr lang="en-GB" baseline="0" dirty="0" smtClean="0"/>
+                        <a:t>correlation</a:t>
                       </a:r>
                       <a:endParaRPr lang="en-GB" dirty="0"/>
                     </a:p>
@@ -15659,7 +17776,7 @@
         </p:xfrm>
         <a:graphic>
           <a:graphicData uri="http://schemas.openxmlformats.org/drawingml/2006/chart">
-            <c:chart xmlns:c="http://schemas.openxmlformats.org/drawingml/2006/chart" xmlns:r="http://schemas.openxmlformats.org/officeDocument/2006/relationships" r:id="rId2"/>
+            <c:chart xmlns:c="http://schemas.openxmlformats.org/drawingml/2006/chart" xmlns:r="http://schemas.openxmlformats.org/officeDocument/2006/relationships" r:id="rId3"/>
           </a:graphicData>
         </a:graphic>
       </p:graphicFrame>
@@ -15681,7 +17798,7 @@
         </p:xfrm>
         <a:graphic>
           <a:graphicData uri="http://schemas.openxmlformats.org/drawingml/2006/chart">
-            <c:chart xmlns:c="http://schemas.openxmlformats.org/drawingml/2006/chart" xmlns:r="http://schemas.openxmlformats.org/officeDocument/2006/relationships" r:id="rId3"/>
+            <c:chart xmlns:c="http://schemas.openxmlformats.org/drawingml/2006/chart" xmlns:r="http://schemas.openxmlformats.org/officeDocument/2006/relationships" r:id="rId4"/>
           </a:graphicData>
         </a:graphic>
       </p:graphicFrame>
@@ -15703,7 +17820,7 @@
         </p:xfrm>
         <a:graphic>
           <a:graphicData uri="http://schemas.openxmlformats.org/drawingml/2006/chart">
-            <c:chart xmlns:c="http://schemas.openxmlformats.org/drawingml/2006/chart" xmlns:r="http://schemas.openxmlformats.org/officeDocument/2006/relationships" r:id="rId4"/>
+            <c:chart xmlns:c="http://schemas.openxmlformats.org/drawingml/2006/chart" xmlns:r="http://schemas.openxmlformats.org/officeDocument/2006/relationships" r:id="rId5"/>
           </a:graphicData>
         </a:graphic>
       </p:graphicFrame>
@@ -15851,7 +17968,7 @@
         </p:xfrm>
         <a:graphic>
           <a:graphicData uri="http://schemas.openxmlformats.org/drawingml/2006/chart">
-            <c:chart xmlns:c="http://schemas.openxmlformats.org/drawingml/2006/chart" xmlns:r="http://schemas.openxmlformats.org/officeDocument/2006/relationships" r:id="rId2"/>
+            <c:chart xmlns:c="http://schemas.openxmlformats.org/drawingml/2006/chart" xmlns:r="http://schemas.openxmlformats.org/officeDocument/2006/relationships" r:id="rId3"/>
           </a:graphicData>
         </a:graphic>
       </p:graphicFrame>
@@ -15982,7 +18099,7 @@
           <p:nvPr>
             <p:extLst>
               <p:ext uri="{D42A27DB-BD31-4B8C-83A1-F6EECF244321}">
-                <p14:modId xmlns:p14="http://schemas.microsoft.com/office/powerpoint/2010/main" val="1219305505"/>
+                <p14:modId xmlns:p14="http://schemas.microsoft.com/office/powerpoint/2010/main" val="3981810588"/>
               </p:ext>
             </p:extLst>
           </p:nvPr>
@@ -16112,7 +18229,7 @@
                           </a:solidFill>
                           <a:effectLst/>
                         </a:rPr>
-                        <a:t>93.548386%</a:t>
+                        <a:t>93%</a:t>
                       </a:r>
                       <a:endParaRPr lang="en-GB" sz="1800" b="0" dirty="0">
                         <a:solidFill>
@@ -16372,7 +18489,7 @@
         </p:xfrm>
         <a:graphic>
           <a:graphicData uri="http://schemas.openxmlformats.org/drawingml/2006/chart">
-            <c:chart xmlns:c="http://schemas.openxmlformats.org/drawingml/2006/chart" xmlns:r="http://schemas.openxmlformats.org/officeDocument/2006/relationships" r:id="rId2"/>
+            <c:chart xmlns:c="http://schemas.openxmlformats.org/drawingml/2006/chart" xmlns:r="http://schemas.openxmlformats.org/officeDocument/2006/relationships" r:id="rId3"/>
           </a:graphicData>
         </a:graphic>
       </p:graphicFrame>
@@ -16394,7 +18511,7 @@
         </p:xfrm>
         <a:graphic>
           <a:graphicData uri="http://schemas.openxmlformats.org/drawingml/2006/chart">
-            <c:chart xmlns:c="http://schemas.openxmlformats.org/drawingml/2006/chart" xmlns:r="http://schemas.openxmlformats.org/officeDocument/2006/relationships" r:id="rId3"/>
+            <c:chart xmlns:c="http://schemas.openxmlformats.org/drawingml/2006/chart" xmlns:r="http://schemas.openxmlformats.org/officeDocument/2006/relationships" r:id="rId4"/>
           </a:graphicData>
         </a:graphic>
       </p:graphicFrame>
@@ -16431,6 +18548,556 @@
 </file>
 
 <file path=ppt/slides/slide16.xml><?xml version="1.0" encoding="utf-8"?>
+<p:sld xmlns:a="http://schemas.openxmlformats.org/drawingml/2006/main" xmlns:r="http://schemas.openxmlformats.org/officeDocument/2006/relationships" xmlns:p="http://schemas.openxmlformats.org/presentationml/2006/main">
+  <p:cSld>
+    <p:spTree>
+      <p:nvGrpSpPr>
+        <p:cNvPr id="1" name=""/>
+        <p:cNvGrpSpPr/>
+        <p:nvPr/>
+      </p:nvGrpSpPr>
+      <p:grpSpPr>
+        <a:xfrm>
+          <a:off x="0" y="0"/>
+          <a:ext cx="0" cy="0"/>
+          <a:chOff x="0" y="0"/>
+          <a:chExt cx="0" cy="0"/>
+        </a:xfrm>
+      </p:grpSpPr>
+      <p:sp>
+        <p:nvSpPr>
+          <p:cNvPr id="2" name="Title 1"/>
+          <p:cNvSpPr>
+            <a:spLocks noGrp="1"/>
+          </p:cNvSpPr>
+          <p:nvPr>
+            <p:ph type="title"/>
+          </p:nvPr>
+        </p:nvSpPr>
+        <p:spPr>
+          <a:xfrm>
+            <a:off x="646111" y="452718"/>
+            <a:ext cx="9404723" cy="910256"/>
+          </a:xfrm>
+        </p:spPr>
+        <p:txBody>
+          <a:bodyPr/>
+          <a:lstStyle/>
+          <a:p>
+            <a:r>
+              <a:rPr lang="en-GB" dirty="0" smtClean="0"/>
+              <a:t>Limitations</a:t>
+            </a:r>
+            <a:endParaRPr lang="en-GB" dirty="0"/>
+          </a:p>
+        </p:txBody>
+      </p:sp>
+      <p:pic>
+        <p:nvPicPr>
+          <p:cNvPr id="4" name="Picture 3"/>
+          <p:cNvPicPr>
+            <a:picLocks noChangeAspect="1"/>
+          </p:cNvPicPr>
+          <p:nvPr/>
+        </p:nvPicPr>
+        <p:blipFill>
+          <a:blip r:embed="rId3">
+            <a:extLst>
+              <a:ext uri="{28A0092B-C50C-407E-A947-70E740481C1C}">
+                <a14:useLocalDpi xmlns:a14="http://schemas.microsoft.com/office/drawing/2010/main" val="0"/>
+              </a:ext>
+            </a:extLst>
+          </a:blip>
+          <a:stretch>
+            <a:fillRect/>
+          </a:stretch>
+        </p:blipFill>
+        <p:spPr>
+          <a:xfrm>
+            <a:off x="465827" y="1199073"/>
+            <a:ext cx="1138688" cy="1138688"/>
+          </a:xfrm>
+          <a:prstGeom prst="rect">
+            <a:avLst/>
+          </a:prstGeom>
+        </p:spPr>
+      </p:pic>
+      <p:sp>
+        <p:nvSpPr>
+          <p:cNvPr id="5" name="TextBox 4"/>
+          <p:cNvSpPr txBox="1"/>
+          <p:nvPr/>
+        </p:nvSpPr>
+        <p:spPr>
+          <a:xfrm>
+            <a:off x="1311216" y="1481035"/>
+            <a:ext cx="9247515" cy="369332"/>
+          </a:xfrm>
+          <a:prstGeom prst="rect">
+            <a:avLst/>
+          </a:prstGeom>
+          <a:noFill/>
+          <a:ln w="28575">
+            <a:noFill/>
+          </a:ln>
+        </p:spPr>
+        <p:txBody>
+          <a:bodyPr wrap="square" rtlCol="0">
+            <a:spAutoFit/>
+          </a:bodyPr>
+          <a:lstStyle/>
+          <a:p>
+            <a:pPr algn="ctr"/>
+            <a:r>
+              <a:rPr lang="en-GB" dirty="0" smtClean="0"/>
+              <a:t>Restricting the analysis to repository metrics that can be obtained from the API</a:t>
+            </a:r>
+            <a:endParaRPr lang="en-GB" dirty="0"/>
+          </a:p>
+        </p:txBody>
+      </p:sp>
+      <p:pic>
+        <p:nvPicPr>
+          <p:cNvPr id="6" name="Picture 5"/>
+          <p:cNvPicPr>
+            <a:picLocks noChangeAspect="1"/>
+          </p:cNvPicPr>
+          <p:nvPr/>
+        </p:nvPicPr>
+        <p:blipFill>
+          <a:blip r:embed="rId3">
+            <a:extLst>
+              <a:ext uri="{28A0092B-C50C-407E-A947-70E740481C1C}">
+                <a14:useLocalDpi xmlns:a14="http://schemas.microsoft.com/office/drawing/2010/main" val="0"/>
+              </a:ext>
+            </a:extLst>
+          </a:blip>
+          <a:stretch>
+            <a:fillRect/>
+          </a:stretch>
+        </p:blipFill>
+        <p:spPr>
+          <a:xfrm>
+            <a:off x="508957" y="2311878"/>
+            <a:ext cx="1138688" cy="1138688"/>
+          </a:xfrm>
+          <a:prstGeom prst="rect">
+            <a:avLst/>
+          </a:prstGeom>
+        </p:spPr>
+      </p:pic>
+      <p:sp>
+        <p:nvSpPr>
+          <p:cNvPr id="7" name="TextBox 6"/>
+          <p:cNvSpPr txBox="1"/>
+          <p:nvPr/>
+        </p:nvSpPr>
+        <p:spPr>
+          <a:xfrm>
+            <a:off x="-362308" y="2614605"/>
+            <a:ext cx="9247515" cy="369332"/>
+          </a:xfrm>
+          <a:prstGeom prst="rect">
+            <a:avLst/>
+          </a:prstGeom>
+          <a:noFill/>
+          <a:ln w="28575">
+            <a:noFill/>
+          </a:ln>
+        </p:spPr>
+        <p:txBody>
+          <a:bodyPr wrap="square" rtlCol="0">
+            <a:spAutoFit/>
+          </a:bodyPr>
+          <a:lstStyle/>
+          <a:p>
+            <a:pPr algn="ctr"/>
+            <a:r>
+              <a:rPr lang="en-GB" dirty="0" smtClean="0"/>
+              <a:t>Lack of tests of significance in some hypotheses</a:t>
+            </a:r>
+            <a:endParaRPr lang="en-GB" dirty="0"/>
+          </a:p>
+        </p:txBody>
+      </p:sp>
+      <p:pic>
+        <p:nvPicPr>
+          <p:cNvPr id="8" name="Picture 7"/>
+          <p:cNvPicPr>
+            <a:picLocks noChangeAspect="1"/>
+          </p:cNvPicPr>
+          <p:nvPr/>
+        </p:nvPicPr>
+        <p:blipFill>
+          <a:blip r:embed="rId3">
+            <a:extLst>
+              <a:ext uri="{28A0092B-C50C-407E-A947-70E740481C1C}">
+                <a14:useLocalDpi xmlns:a14="http://schemas.microsoft.com/office/drawing/2010/main" val="0"/>
+              </a:ext>
+            </a:extLst>
+          </a:blip>
+          <a:stretch>
+            <a:fillRect/>
+          </a:stretch>
+        </p:blipFill>
+        <p:spPr>
+          <a:xfrm>
+            <a:off x="577968" y="3542745"/>
+            <a:ext cx="1138688" cy="1138688"/>
+          </a:xfrm>
+          <a:prstGeom prst="rect">
+            <a:avLst/>
+          </a:prstGeom>
+        </p:spPr>
+      </p:pic>
+      <p:sp>
+        <p:nvSpPr>
+          <p:cNvPr id="9" name="TextBox 8"/>
+          <p:cNvSpPr txBox="1"/>
+          <p:nvPr/>
+        </p:nvSpPr>
+        <p:spPr>
+          <a:xfrm>
+            <a:off x="-534837" y="3864174"/>
+            <a:ext cx="9247515" cy="369332"/>
+          </a:xfrm>
+          <a:prstGeom prst="rect">
+            <a:avLst/>
+          </a:prstGeom>
+          <a:noFill/>
+          <a:ln w="28575">
+            <a:noFill/>
+          </a:ln>
+        </p:spPr>
+        <p:txBody>
+          <a:bodyPr wrap="square" rtlCol="0">
+            <a:spAutoFit/>
+          </a:bodyPr>
+          <a:lstStyle/>
+          <a:p>
+            <a:pPr algn="ctr"/>
+            <a:r>
+              <a:rPr lang="en-GB" dirty="0" smtClean="0"/>
+              <a:t>Indiscriminate pre-processing of the dataset</a:t>
+            </a:r>
+            <a:endParaRPr lang="en-GB" dirty="0"/>
+          </a:p>
+        </p:txBody>
+      </p:sp>
+      <p:pic>
+        <p:nvPicPr>
+          <p:cNvPr id="10" name="Picture 9"/>
+          <p:cNvPicPr>
+            <a:picLocks noChangeAspect="1"/>
+          </p:cNvPicPr>
+          <p:nvPr/>
+        </p:nvPicPr>
+        <p:blipFill>
+          <a:blip r:embed="rId3">
+            <a:extLst>
+              <a:ext uri="{28A0092B-C50C-407E-A947-70E740481C1C}">
+                <a14:useLocalDpi xmlns:a14="http://schemas.microsoft.com/office/drawing/2010/main" val="0"/>
+              </a:ext>
+            </a:extLst>
+          </a:blip>
+          <a:stretch>
+            <a:fillRect/>
+          </a:stretch>
+        </p:blipFill>
+        <p:spPr>
+          <a:xfrm>
+            <a:off x="646111" y="4876327"/>
+            <a:ext cx="1138688" cy="1138688"/>
+          </a:xfrm>
+          <a:prstGeom prst="rect">
+            <a:avLst/>
+          </a:prstGeom>
+        </p:spPr>
+      </p:pic>
+      <p:sp>
+        <p:nvSpPr>
+          <p:cNvPr id="11" name="TextBox 10"/>
+          <p:cNvSpPr txBox="1"/>
+          <p:nvPr/>
+        </p:nvSpPr>
+        <p:spPr>
+          <a:xfrm>
+            <a:off x="-1509622" y="5189168"/>
+            <a:ext cx="9247515" cy="369332"/>
+          </a:xfrm>
+          <a:prstGeom prst="rect">
+            <a:avLst/>
+          </a:prstGeom>
+          <a:noFill/>
+          <a:ln w="28575">
+            <a:noFill/>
+          </a:ln>
+        </p:spPr>
+        <p:txBody>
+          <a:bodyPr wrap="square" rtlCol="0">
+            <a:spAutoFit/>
+          </a:bodyPr>
+          <a:lstStyle/>
+          <a:p>
+            <a:pPr algn="ctr"/>
+            <a:r>
+              <a:rPr lang="en-GB" dirty="0" smtClean="0"/>
+              <a:t>Repository rate of activity</a:t>
+            </a:r>
+            <a:endParaRPr lang="en-GB" dirty="0"/>
+          </a:p>
+        </p:txBody>
+      </p:sp>
+    </p:spTree>
+    <p:extLst>
+      <p:ext uri="{BB962C8B-B14F-4D97-AF65-F5344CB8AC3E}">
+        <p14:creationId xmlns:p14="http://schemas.microsoft.com/office/powerpoint/2010/main" val="4287647576"/>
+      </p:ext>
+    </p:extLst>
+  </p:cSld>
+  <p:clrMapOvr>
+    <a:masterClrMapping/>
+  </p:clrMapOvr>
+  <mc:AlternateContent xmlns:mc="http://schemas.openxmlformats.org/markup-compatibility/2006" xmlns:p14="http://schemas.microsoft.com/office/powerpoint/2010/main">
+    <mc:Choice Requires="p14">
+      <p:transition spd="slow" p14:dur="1500">
+        <p14:reveal/>
+      </p:transition>
+    </mc:Choice>
+    <mc:Fallback xmlns="">
+      <p:transition spd="slow">
+        <p:fade/>
+      </p:transition>
+    </mc:Fallback>
+  </mc:AlternateContent>
+  <p:timing>
+    <p:tnLst>
+      <p:par>
+        <p:cTn id="1" dur="indefinite" restart="never" nodeType="tmRoot">
+          <p:childTnLst>
+            <p:seq concurrent="1" nextAc="seek">
+              <p:cTn id="2" dur="indefinite" nodeType="mainSeq">
+                <p:childTnLst>
+                  <p:par>
+                    <p:cTn id="3" fill="hold">
+                      <p:stCondLst>
+                        <p:cond delay="indefinite"/>
+                        <p:cond evt="onBegin" delay="0">
+                          <p:tn val="2"/>
+                        </p:cond>
+                      </p:stCondLst>
+                      <p:childTnLst>
+                        <p:par>
+                          <p:cTn id="4" fill="hold">
+                            <p:stCondLst>
+                              <p:cond delay="0"/>
+                            </p:stCondLst>
+                            <p:childTnLst>
+                              <p:par>
+                                <p:cTn id="5" presetID="22" presetClass="entr" presetSubtype="8" fill="hold" grpId="0" nodeType="afterEffect">
+                                  <p:stCondLst>
+                                    <p:cond delay="0"/>
+                                  </p:stCondLst>
+                                  <p:childTnLst>
+                                    <p:set>
+                                      <p:cBhvr>
+                                        <p:cTn id="6" dur="1" fill="hold">
+                                          <p:stCondLst>
+                                            <p:cond delay="0"/>
+                                          </p:stCondLst>
+                                        </p:cTn>
+                                        <p:tgtEl>
+                                          <p:spTgt spid="5"/>
+                                        </p:tgtEl>
+                                        <p:attrNameLst>
+                                          <p:attrName>style.visibility</p:attrName>
+                                        </p:attrNameLst>
+                                      </p:cBhvr>
+                                      <p:to>
+                                        <p:strVal val="visible"/>
+                                      </p:to>
+                                    </p:set>
+                                    <p:animEffect transition="in" filter="wipe(left)">
+                                      <p:cBhvr>
+                                        <p:cTn id="7" dur="500"/>
+                                        <p:tgtEl>
+                                          <p:spTgt spid="5"/>
+                                        </p:tgtEl>
+                                      </p:cBhvr>
+                                    </p:animEffect>
+                                  </p:childTnLst>
+                                </p:cTn>
+                              </p:par>
+                            </p:childTnLst>
+                          </p:cTn>
+                        </p:par>
+                        <p:par>
+                          <p:cTn id="8" fill="hold">
+                            <p:stCondLst>
+                              <p:cond delay="500"/>
+                            </p:stCondLst>
+                            <p:childTnLst>
+                              <p:par>
+                                <p:cTn id="9" presetID="22" presetClass="entr" presetSubtype="8" fill="hold" grpId="0" nodeType="afterEffect">
+                                  <p:stCondLst>
+                                    <p:cond delay="0"/>
+                                  </p:stCondLst>
+                                  <p:childTnLst>
+                                    <p:set>
+                                      <p:cBhvr>
+                                        <p:cTn id="10" dur="1" fill="hold">
+                                          <p:stCondLst>
+                                            <p:cond delay="0"/>
+                                          </p:stCondLst>
+                                        </p:cTn>
+                                        <p:tgtEl>
+                                          <p:spTgt spid="7"/>
+                                        </p:tgtEl>
+                                        <p:attrNameLst>
+                                          <p:attrName>style.visibility</p:attrName>
+                                        </p:attrNameLst>
+                                      </p:cBhvr>
+                                      <p:to>
+                                        <p:strVal val="visible"/>
+                                      </p:to>
+                                    </p:set>
+                                    <p:animEffect transition="in" filter="wipe(left)">
+                                      <p:cBhvr>
+                                        <p:cTn id="11" dur="500"/>
+                                        <p:tgtEl>
+                                          <p:spTgt spid="7"/>
+                                        </p:tgtEl>
+                                      </p:cBhvr>
+                                    </p:animEffect>
+                                  </p:childTnLst>
+                                </p:cTn>
+                              </p:par>
+                            </p:childTnLst>
+                          </p:cTn>
+                        </p:par>
+                        <p:par>
+                          <p:cTn id="12" fill="hold">
+                            <p:stCondLst>
+                              <p:cond delay="1000"/>
+                            </p:stCondLst>
+                            <p:childTnLst>
+                              <p:par>
+                                <p:cTn id="13" presetID="22" presetClass="entr" presetSubtype="8" fill="hold" grpId="0" nodeType="afterEffect">
+                                  <p:stCondLst>
+                                    <p:cond delay="0"/>
+                                  </p:stCondLst>
+                                  <p:childTnLst>
+                                    <p:set>
+                                      <p:cBhvr>
+                                        <p:cTn id="14" dur="1" fill="hold">
+                                          <p:stCondLst>
+                                            <p:cond delay="0"/>
+                                          </p:stCondLst>
+                                        </p:cTn>
+                                        <p:tgtEl>
+                                          <p:spTgt spid="9"/>
+                                        </p:tgtEl>
+                                        <p:attrNameLst>
+                                          <p:attrName>style.visibility</p:attrName>
+                                        </p:attrNameLst>
+                                      </p:cBhvr>
+                                      <p:to>
+                                        <p:strVal val="visible"/>
+                                      </p:to>
+                                    </p:set>
+                                    <p:animEffect transition="in" filter="wipe(left)">
+                                      <p:cBhvr>
+                                        <p:cTn id="15" dur="500"/>
+                                        <p:tgtEl>
+                                          <p:spTgt spid="9"/>
+                                        </p:tgtEl>
+                                      </p:cBhvr>
+                                    </p:animEffect>
+                                  </p:childTnLst>
+                                </p:cTn>
+                              </p:par>
+                            </p:childTnLst>
+                          </p:cTn>
+                        </p:par>
+                        <p:par>
+                          <p:cTn id="16" fill="hold">
+                            <p:stCondLst>
+                              <p:cond delay="1500"/>
+                            </p:stCondLst>
+                            <p:childTnLst>
+                              <p:par>
+                                <p:cTn id="17" presetID="22" presetClass="entr" presetSubtype="8" fill="hold" grpId="0" nodeType="afterEffect">
+                                  <p:stCondLst>
+                                    <p:cond delay="0"/>
+                                  </p:stCondLst>
+                                  <p:childTnLst>
+                                    <p:set>
+                                      <p:cBhvr>
+                                        <p:cTn id="18" dur="1" fill="hold">
+                                          <p:stCondLst>
+                                            <p:cond delay="0"/>
+                                          </p:stCondLst>
+                                        </p:cTn>
+                                        <p:tgtEl>
+                                          <p:spTgt spid="11"/>
+                                        </p:tgtEl>
+                                        <p:attrNameLst>
+                                          <p:attrName>style.visibility</p:attrName>
+                                        </p:attrNameLst>
+                                      </p:cBhvr>
+                                      <p:to>
+                                        <p:strVal val="visible"/>
+                                      </p:to>
+                                    </p:set>
+                                    <p:animEffect transition="in" filter="wipe(left)">
+                                      <p:cBhvr>
+                                        <p:cTn id="19" dur="500"/>
+                                        <p:tgtEl>
+                                          <p:spTgt spid="11"/>
+                                        </p:tgtEl>
+                                      </p:cBhvr>
+                                    </p:animEffect>
+                                  </p:childTnLst>
+                                </p:cTn>
+                              </p:par>
+                            </p:childTnLst>
+                          </p:cTn>
+                        </p:par>
+                      </p:childTnLst>
+                    </p:cTn>
+                  </p:par>
+                </p:childTnLst>
+              </p:cTn>
+              <p:prevCondLst>
+                <p:cond evt="onPrev" delay="0">
+                  <p:tgtEl>
+                    <p:sldTgt/>
+                  </p:tgtEl>
+                </p:cond>
+              </p:prevCondLst>
+              <p:nextCondLst>
+                <p:cond evt="onNext" delay="0">
+                  <p:tgtEl>
+                    <p:sldTgt/>
+                  </p:tgtEl>
+                </p:cond>
+              </p:nextCondLst>
+            </p:seq>
+          </p:childTnLst>
+        </p:cTn>
+      </p:par>
+    </p:tnLst>
+    <p:bldLst>
+      <p:bldP spid="5" grpId="0"/>
+      <p:bldP spid="7" grpId="0"/>
+      <p:bldP spid="9" grpId="0"/>
+      <p:bldP spid="11" grpId="0"/>
+    </p:bldLst>
+  </p:timing>
+</p:sld>
+</file>
+
+<file path=ppt/slides/slide17.xml><?xml version="1.0" encoding="utf-8"?>
 <p:sld xmlns:a="http://schemas.openxmlformats.org/drawingml/2006/main" xmlns:r="http://schemas.openxmlformats.org/officeDocument/2006/relationships" xmlns:p="http://schemas.openxmlformats.org/presentationml/2006/main">
   <p:cSld>
     <p:spTree>
@@ -16733,7 +19400,7 @@
           <p:nvPr/>
         </p:nvPicPr>
         <p:blipFill>
-          <a:blip r:embed="rId2">
+          <a:blip r:embed="rId3">
             <a:extLst>
               <a:ext uri="{28A0092B-C50C-407E-A947-70E740481C1C}">
                 <a14:useLocalDpi xmlns:a14="http://schemas.microsoft.com/office/drawing/2010/main" val="0"/>
@@ -16810,7 +19477,7 @@
           <p:nvPr/>
         </p:nvPicPr>
         <p:blipFill>
-          <a:blip r:embed="rId3">
+          <a:blip r:embed="rId4">
             <a:extLst>
               <a:ext uri="{28A0092B-C50C-407E-A947-70E740481C1C}">
                 <a14:useLocalDpi xmlns:a14="http://schemas.microsoft.com/office/drawing/2010/main" val="0"/>
@@ -16887,7 +19554,7 @@
           <p:nvPr/>
         </p:nvPicPr>
         <p:blipFill>
-          <a:blip r:embed="rId4">
+          <a:blip r:embed="rId5">
             <a:extLst>
               <a:ext uri="{28A0092B-C50C-407E-A947-70E740481C1C}">
                 <a14:useLocalDpi xmlns:a14="http://schemas.microsoft.com/office/drawing/2010/main" val="0"/>
@@ -18718,7 +21385,7 @@
           </p:nvPr>
         </p:nvPicPr>
         <p:blipFill>
-          <a:blip r:embed="rId2">
+          <a:blip r:embed="rId3">
             <a:extLst>
               <a:ext uri="{28A0092B-C50C-407E-A947-70E740481C1C}">
                 <a14:useLocalDpi xmlns:a14="http://schemas.microsoft.com/office/drawing/2010/main" val="0"/>
@@ -19821,8 +22488,8 @@
           </a:p>
         </p:txBody>
       </p:sp>
-      <mc:AlternateContent xmlns:mc="http://schemas.openxmlformats.org/markup-compatibility/2006">
-        <mc:Choice xmlns:a14="http://schemas.microsoft.com/office/drawing/2010/main" Requires="a14">
+      <mc:AlternateContent xmlns:mc="http://schemas.openxmlformats.org/markup-compatibility/2006" xmlns:a14="http://schemas.microsoft.com/office/drawing/2010/main">
+        <mc:Choice Requires="a14">
           <p:sp>
             <p:nvSpPr>
               <p:cNvPr id="4" name="TextBox 3"/>
@@ -20014,7 +22681,7 @@
                         <a:rPr lang="en-GB" i="1">
                           <a:latin typeface="Cambria Math" panose="02040503050406030204" pitchFamily="18" charset="0"/>
                         </a:rPr>
-                        <m:t>-</m:t>
+                        <m:t>−</m:t>
                       </m:r>
                       <m:r>
                         <a:rPr lang="en-GB" i="1">
@@ -20052,7 +22719,7 @@
             </p:txBody>
           </p:sp>
         </mc:Choice>
-        <mc:Fallback>
+        <mc:Fallback xmlns="">
           <p:sp>
             <p:nvSpPr>
               <p:cNvPr id="4" name="TextBox 3"/>
@@ -20070,7 +22737,7 @@
                 <a:avLst/>
               </a:prstGeom>
               <a:blipFill rotWithShape="0">
-                <a:blip r:embed="rId2"/>
+                <a:blip r:embed="rId3"/>
                 <a:stretch>
                   <a:fillRect t="-1024"/>
                 </a:stretch>
@@ -20096,8 +22763,8 @@
           </p:sp>
         </mc:Fallback>
       </mc:AlternateContent>
-      <mc:AlternateContent xmlns:mc="http://schemas.openxmlformats.org/markup-compatibility/2006">
-        <mc:Choice xmlns:a14="http://schemas.microsoft.com/office/drawing/2010/main" Requires="a14">
+      <mc:AlternateContent xmlns:mc="http://schemas.openxmlformats.org/markup-compatibility/2006" xmlns:a14="http://schemas.microsoft.com/office/drawing/2010/main">
+        <mc:Choice Requires="a14">
           <p:sp>
             <p:nvSpPr>
               <p:cNvPr id="9" name="TextBox 8"/>
@@ -20514,7 +23181,7 @@
             </p:txBody>
           </p:sp>
         </mc:Choice>
-        <mc:Fallback>
+        <mc:Fallback xmlns="">
           <p:sp>
             <p:nvSpPr>
               <p:cNvPr id="9" name="TextBox 8"/>
@@ -20532,7 +23199,7 @@
                 <a:avLst/>
               </a:prstGeom>
               <a:blipFill rotWithShape="0">
-                <a:blip r:embed="rId3"/>
+                <a:blip r:embed="rId4"/>
                 <a:stretch>
                   <a:fillRect t="-1024"/>
                 </a:stretch>
@@ -20558,8 +23225,8 @@
           </p:sp>
         </mc:Fallback>
       </mc:AlternateContent>
-      <mc:AlternateContent xmlns:mc="http://schemas.openxmlformats.org/markup-compatibility/2006">
-        <mc:Choice xmlns:a14="http://schemas.microsoft.com/office/drawing/2010/main" Requires="a14">
+      <mc:AlternateContent xmlns:mc="http://schemas.openxmlformats.org/markup-compatibility/2006" xmlns:a14="http://schemas.microsoft.com/office/drawing/2010/main">
+        <mc:Choice Requires="a14">
           <p:sp>
             <p:nvSpPr>
               <p:cNvPr id="10" name="TextBox 9"/>
@@ -20909,7 +23576,7 @@
             </p:txBody>
           </p:sp>
         </mc:Choice>
-        <mc:Fallback>
+        <mc:Fallback xmlns="">
           <p:sp>
             <p:nvSpPr>
               <p:cNvPr id="10" name="TextBox 9"/>
@@ -20927,7 +23594,7 @@
                 <a:avLst/>
               </a:prstGeom>
               <a:blipFill rotWithShape="0">
-                <a:blip r:embed="rId4"/>
+                <a:blip r:embed="rId5"/>
                 <a:stretch>
                   <a:fillRect t="-847"/>
                 </a:stretch>
@@ -20953,8 +23620,8 @@
           </p:sp>
         </mc:Fallback>
       </mc:AlternateContent>
-      <mc:AlternateContent xmlns:mc="http://schemas.openxmlformats.org/markup-compatibility/2006">
-        <mc:Choice xmlns:a14="http://schemas.microsoft.com/office/drawing/2010/main" Requires="a14">
+      <mc:AlternateContent xmlns:mc="http://schemas.openxmlformats.org/markup-compatibility/2006" xmlns:a14="http://schemas.microsoft.com/office/drawing/2010/main">
+        <mc:Choice Requires="a14">
           <p:sp>
             <p:nvSpPr>
               <p:cNvPr id="11" name="TextBox 10"/>
@@ -21156,7 +23823,7 @@
             </p:txBody>
           </p:sp>
         </mc:Choice>
-        <mc:Fallback>
+        <mc:Fallback xmlns="">
           <p:sp>
             <p:nvSpPr>
               <p:cNvPr id="11" name="TextBox 10"/>
@@ -21174,7 +23841,7 @@
                 <a:avLst/>
               </a:prstGeom>
               <a:blipFill rotWithShape="0">
-                <a:blip r:embed="rId5"/>
+                <a:blip r:embed="rId6"/>
                 <a:stretch>
                   <a:fillRect t="-1775" b="-75148"/>
                 </a:stretch>
@@ -22813,4 +25480,265 @@
     </a:ext>
   </a:extLst>
 </a:theme>
+</file>
+
+<file path=ppt/theme/theme2.xml><?xml version="1.0" encoding="utf-8"?>
+<a:theme xmlns:a="http://schemas.openxmlformats.org/drawingml/2006/main" name="Office Theme">
+  <a:themeElements>
+    <a:clrScheme name="Office">
+      <a:dk1>
+        <a:sysClr val="windowText" lastClr="000000"/>
+      </a:dk1>
+      <a:lt1>
+        <a:sysClr val="window" lastClr="FFFFFF"/>
+      </a:lt1>
+      <a:dk2>
+        <a:srgbClr val="44546A"/>
+      </a:dk2>
+      <a:lt2>
+        <a:srgbClr val="E7E6E6"/>
+      </a:lt2>
+      <a:accent1>
+        <a:srgbClr val="5B9BD5"/>
+      </a:accent1>
+      <a:accent2>
+        <a:srgbClr val="ED7D31"/>
+      </a:accent2>
+      <a:accent3>
+        <a:srgbClr val="A5A5A5"/>
+      </a:accent3>
+      <a:accent4>
+        <a:srgbClr val="FFC000"/>
+      </a:accent4>
+      <a:accent5>
+        <a:srgbClr val="4472C4"/>
+      </a:accent5>
+      <a:accent6>
+        <a:srgbClr val="70AD47"/>
+      </a:accent6>
+      <a:hlink>
+        <a:srgbClr val="0563C1"/>
+      </a:hlink>
+      <a:folHlink>
+        <a:srgbClr val="954F72"/>
+      </a:folHlink>
+    </a:clrScheme>
+    <a:fontScheme name="Office">
+      <a:majorFont>
+        <a:latin typeface="Calibri Light" panose="020F0302020204030204"/>
+        <a:ea typeface=""/>
+        <a:cs typeface=""/>
+        <a:font script="Jpan" typeface="ＭＳ Ｐゴシック"/>
+        <a:font script="Hang" typeface="맑은 고딕"/>
+        <a:font script="Hans" typeface="宋体"/>
+        <a:font script="Hant" typeface="新細明體"/>
+        <a:font script="Arab" typeface="Times New Roman"/>
+        <a:font script="Hebr" typeface="Times New Roman"/>
+        <a:font script="Thai" typeface="Angsana New"/>
+        <a:font script="Ethi" typeface="Nyala"/>
+        <a:font script="Beng" typeface="Vrinda"/>
+        <a:font script="Gujr" typeface="Shruti"/>
+        <a:font script="Khmr" typeface="MoolBoran"/>
+        <a:font script="Knda" typeface="Tunga"/>
+        <a:font script="Guru" typeface="Raavi"/>
+        <a:font script="Cans" typeface="Euphemia"/>
+        <a:font script="Cher" typeface="Plantagenet Cherokee"/>
+        <a:font script="Yiii" typeface="Microsoft Yi Baiti"/>
+        <a:font script="Tibt" typeface="Microsoft Himalaya"/>
+        <a:font script="Thaa" typeface="MV Boli"/>
+        <a:font script="Deva" typeface="Mangal"/>
+        <a:font script="Telu" typeface="Gautami"/>
+        <a:font script="Taml" typeface="Latha"/>
+        <a:font script="Syrc" typeface="Estrangelo Edessa"/>
+        <a:font script="Orya" typeface="Kalinga"/>
+        <a:font script="Mlym" typeface="Kartika"/>
+        <a:font script="Laoo" typeface="DokChampa"/>
+        <a:font script="Sinh" typeface="Iskoola Pota"/>
+        <a:font script="Mong" typeface="Mongolian Baiti"/>
+        <a:font script="Viet" typeface="Times New Roman"/>
+        <a:font script="Uigh" typeface="Microsoft Uighur"/>
+        <a:font script="Geor" typeface="Sylfaen"/>
+      </a:majorFont>
+      <a:minorFont>
+        <a:latin typeface="Calibri" panose="020F0502020204030204"/>
+        <a:ea typeface=""/>
+        <a:cs typeface=""/>
+        <a:font script="Jpan" typeface="ＭＳ Ｐゴシック"/>
+        <a:font script="Hang" typeface="맑은 고딕"/>
+        <a:font script="Hans" typeface="宋体"/>
+        <a:font script="Hant" typeface="新細明體"/>
+        <a:font script="Arab" typeface="Arial"/>
+        <a:font script="Hebr" typeface="Arial"/>
+        <a:font script="Thai" typeface="Cordia New"/>
+        <a:font script="Ethi" typeface="Nyala"/>
+        <a:font script="Beng" typeface="Vrinda"/>
+        <a:font script="Gujr" typeface="Shruti"/>
+        <a:font script="Khmr" typeface="DaunPenh"/>
+        <a:font script="Knda" typeface="Tunga"/>
+        <a:font script="Guru" typeface="Raavi"/>
+        <a:font script="Cans" typeface="Euphemia"/>
+        <a:font script="Cher" typeface="Plantagenet Cherokee"/>
+        <a:font script="Yiii" typeface="Microsoft Yi Baiti"/>
+        <a:font script="Tibt" typeface="Microsoft Himalaya"/>
+        <a:font script="Thaa" typeface="MV Boli"/>
+        <a:font script="Deva" typeface="Mangal"/>
+        <a:font script="Telu" typeface="Gautami"/>
+        <a:font script="Taml" typeface="Latha"/>
+        <a:font script="Syrc" typeface="Estrangelo Edessa"/>
+        <a:font script="Orya" typeface="Kalinga"/>
+        <a:font script="Mlym" typeface="Kartika"/>
+        <a:font script="Laoo" typeface="DokChampa"/>
+        <a:font script="Sinh" typeface="Iskoola Pota"/>
+        <a:font script="Mong" typeface="Mongolian Baiti"/>
+        <a:font script="Viet" typeface="Arial"/>
+        <a:font script="Uigh" typeface="Microsoft Uighur"/>
+        <a:font script="Geor" typeface="Sylfaen"/>
+      </a:minorFont>
+    </a:fontScheme>
+    <a:fmtScheme name="Office">
+      <a:fillStyleLst>
+        <a:solidFill>
+          <a:schemeClr val="phClr"/>
+        </a:solidFill>
+        <a:gradFill rotWithShape="1">
+          <a:gsLst>
+            <a:gs pos="0">
+              <a:schemeClr val="phClr">
+                <a:lumMod val="110000"/>
+                <a:satMod val="105000"/>
+                <a:tint val="67000"/>
+              </a:schemeClr>
+            </a:gs>
+            <a:gs pos="50000">
+              <a:schemeClr val="phClr">
+                <a:lumMod val="105000"/>
+                <a:satMod val="103000"/>
+                <a:tint val="73000"/>
+              </a:schemeClr>
+            </a:gs>
+            <a:gs pos="100000">
+              <a:schemeClr val="phClr">
+                <a:lumMod val="105000"/>
+                <a:satMod val="109000"/>
+                <a:tint val="81000"/>
+              </a:schemeClr>
+            </a:gs>
+          </a:gsLst>
+          <a:lin ang="5400000" scaled="0"/>
+        </a:gradFill>
+        <a:gradFill rotWithShape="1">
+          <a:gsLst>
+            <a:gs pos="0">
+              <a:schemeClr val="phClr">
+                <a:satMod val="103000"/>
+                <a:lumMod val="102000"/>
+                <a:tint val="94000"/>
+              </a:schemeClr>
+            </a:gs>
+            <a:gs pos="50000">
+              <a:schemeClr val="phClr">
+                <a:satMod val="110000"/>
+                <a:lumMod val="100000"/>
+                <a:shade val="100000"/>
+              </a:schemeClr>
+            </a:gs>
+            <a:gs pos="100000">
+              <a:schemeClr val="phClr">
+                <a:lumMod val="99000"/>
+                <a:satMod val="120000"/>
+                <a:shade val="78000"/>
+              </a:schemeClr>
+            </a:gs>
+          </a:gsLst>
+          <a:lin ang="5400000" scaled="0"/>
+        </a:gradFill>
+      </a:fillStyleLst>
+      <a:lnStyleLst>
+        <a:ln w="6350" cap="flat" cmpd="sng" algn="ctr">
+          <a:solidFill>
+            <a:schemeClr val="phClr"/>
+          </a:solidFill>
+          <a:prstDash val="solid"/>
+          <a:miter lim="800000"/>
+        </a:ln>
+        <a:ln w="12700" cap="flat" cmpd="sng" algn="ctr">
+          <a:solidFill>
+            <a:schemeClr val="phClr"/>
+          </a:solidFill>
+          <a:prstDash val="solid"/>
+          <a:miter lim="800000"/>
+        </a:ln>
+        <a:ln w="19050" cap="flat" cmpd="sng" algn="ctr">
+          <a:solidFill>
+            <a:schemeClr val="phClr"/>
+          </a:solidFill>
+          <a:prstDash val="solid"/>
+          <a:miter lim="800000"/>
+        </a:ln>
+      </a:lnStyleLst>
+      <a:effectStyleLst>
+        <a:effectStyle>
+          <a:effectLst/>
+        </a:effectStyle>
+        <a:effectStyle>
+          <a:effectLst/>
+        </a:effectStyle>
+        <a:effectStyle>
+          <a:effectLst>
+            <a:outerShdw blurRad="57150" dist="19050" dir="5400000" algn="ctr" rotWithShape="0">
+              <a:srgbClr val="000000">
+                <a:alpha val="63000"/>
+              </a:srgbClr>
+            </a:outerShdw>
+          </a:effectLst>
+        </a:effectStyle>
+      </a:effectStyleLst>
+      <a:bgFillStyleLst>
+        <a:solidFill>
+          <a:schemeClr val="phClr"/>
+        </a:solidFill>
+        <a:solidFill>
+          <a:schemeClr val="phClr">
+            <a:tint val="95000"/>
+            <a:satMod val="170000"/>
+          </a:schemeClr>
+        </a:solidFill>
+        <a:gradFill rotWithShape="1">
+          <a:gsLst>
+            <a:gs pos="0">
+              <a:schemeClr val="phClr">
+                <a:tint val="93000"/>
+                <a:satMod val="150000"/>
+                <a:shade val="98000"/>
+                <a:lumMod val="102000"/>
+              </a:schemeClr>
+            </a:gs>
+            <a:gs pos="50000">
+              <a:schemeClr val="phClr">
+                <a:tint val="98000"/>
+                <a:satMod val="130000"/>
+                <a:shade val="90000"/>
+                <a:lumMod val="103000"/>
+              </a:schemeClr>
+            </a:gs>
+            <a:gs pos="100000">
+              <a:schemeClr val="phClr">
+                <a:shade val="63000"/>
+                <a:satMod val="120000"/>
+              </a:schemeClr>
+            </a:gs>
+          </a:gsLst>
+          <a:lin ang="5400000" scaled="0"/>
+        </a:gradFill>
+      </a:bgFillStyleLst>
+    </a:fmtScheme>
+  </a:themeElements>
+  <a:objectDefaults/>
+  <a:extraClrSchemeLst/>
+  <a:extLst>
+    <a:ext uri="{05A4C25C-085E-4340-85A3-A5531E510DB2}">
+      <thm15:themeFamily xmlns:thm15="http://schemas.microsoft.com/office/thememl/2012/main" name="Office Theme" id="{62F939B6-93AF-4DB8-9C6B-D6C7DFDC589F}" vid="{4A3C46E8-61CC-4603-A589-7422A47A8E4A}"/>
+    </a:ext>
+  </a:extLst>
+</a:theme>
 </file>
--- a/Research And Development Project/Documents/Resources/Presentation/PresentationLehman.pptx
+++ b/Research And Development Project/Documents/Resources/Presentation/PresentationLehman.pptx
@@ -176,7 +176,6 @@
           </a:p>
         </c:rich>
       </c:tx>
-      <c:layout/>
       <c:overlay val="0"/>
       <c:spPr>
         <a:noFill/>
@@ -372,11 +371,11 @@
           <c:showBubbleSize val="0"/>
         </c:dLbls>
         <c:gapWidth val="182"/>
-        <c:axId val="316258648"/>
-        <c:axId val="316259432"/>
+        <c:axId val="314351320"/>
+        <c:axId val="314351712"/>
       </c:barChart>
       <c:catAx>
-        <c:axId val="316258648"/>
+        <c:axId val="314351320"/>
         <c:scaling>
           <c:orientation val="minMax"/>
         </c:scaling>
@@ -419,7 +418,7 @@
             <a:endParaRPr lang="en-US"/>
           </a:p>
         </c:txPr>
-        <c:crossAx val="316259432"/>
+        <c:crossAx val="314351712"/>
         <c:crosses val="autoZero"/>
         <c:auto val="1"/>
         <c:lblAlgn val="ctr"/>
@@ -427,7 +426,7 @@
         <c:noMultiLvlLbl val="0"/>
       </c:catAx>
       <c:valAx>
-        <c:axId val="316259432"/>
+        <c:axId val="314351712"/>
         <c:scaling>
           <c:orientation val="minMax"/>
         </c:scaling>
@@ -478,7 +477,7 @@
             <a:endParaRPr lang="en-US"/>
           </a:p>
         </c:txPr>
-        <c:crossAx val="316258648"/>
+        <c:crossAx val="314351320"/>
         <c:crosses val="autoZero"/>
         <c:crossBetween val="between"/>
       </c:valAx>
@@ -568,7 +567,6 @@
           </a:p>
         </c:rich>
       </c:tx>
-      <c:layout/>
       <c:overlay val="0"/>
       <c:spPr>
         <a:noFill/>
@@ -952,11 +950,11 @@
           <c:showPercent val="0"/>
           <c:showBubbleSize val="0"/>
         </c:dLbls>
-        <c:axId val="273151776"/>
-        <c:axId val="273154912"/>
+        <c:axId val="278215312"/>
+        <c:axId val="278222368"/>
       </c:scatterChart>
       <c:valAx>
-        <c:axId val="273151776"/>
+        <c:axId val="278215312"/>
         <c:scaling>
           <c:orientation val="minMax"/>
         </c:scaling>
@@ -1004,7 +1002,6 @@
               </a:p>
             </c:rich>
           </c:tx>
-          <c:layout/>
           <c:overlay val="0"/>
           <c:spPr>
             <a:noFill/>
@@ -1070,12 +1067,12 @@
             <a:endParaRPr lang="en-US"/>
           </a:p>
         </c:txPr>
-        <c:crossAx val="273154912"/>
+        <c:crossAx val="278222368"/>
         <c:crosses val="autoZero"/>
         <c:crossBetween val="midCat"/>
       </c:valAx>
       <c:valAx>
-        <c:axId val="273154912"/>
+        <c:axId val="278222368"/>
         <c:scaling>
           <c:orientation val="minMax"/>
         </c:scaling>
@@ -1123,7 +1120,6 @@
               </a:p>
             </c:rich>
           </c:tx>
-          <c:layout/>
           <c:overlay val="0"/>
           <c:spPr>
             <a:noFill/>
@@ -1190,7 +1186,7 @@
             <a:endParaRPr lang="en-US"/>
           </a:p>
         </c:txPr>
-        <c:crossAx val="273151776"/>
+        <c:crossAx val="278215312"/>
         <c:crosses val="autoZero"/>
         <c:crossBetween val="midCat"/>
       </c:valAx>
@@ -1280,7 +1276,6 @@
           </a:p>
         </c:rich>
       </c:tx>
-      <c:layout/>
       <c:overlay val="0"/>
       <c:spPr>
         <a:noFill/>
@@ -1664,11 +1659,11 @@
           <c:showPercent val="0"/>
           <c:showBubbleSize val="0"/>
         </c:dLbls>
-        <c:axId val="273152952"/>
-        <c:axId val="273155696"/>
+        <c:axId val="278220408"/>
+        <c:axId val="278214920"/>
       </c:scatterChart>
       <c:valAx>
-        <c:axId val="273152952"/>
+        <c:axId val="278220408"/>
         <c:scaling>
           <c:orientation val="minMax"/>
         </c:scaling>
@@ -1716,7 +1711,6 @@
               </a:p>
             </c:rich>
           </c:tx>
-          <c:layout/>
           <c:overlay val="0"/>
           <c:spPr>
             <a:noFill/>
@@ -1782,12 +1776,12 @@
             <a:endParaRPr lang="en-US"/>
           </a:p>
         </c:txPr>
-        <c:crossAx val="273155696"/>
+        <c:crossAx val="278214920"/>
         <c:crosses val="autoZero"/>
         <c:crossBetween val="midCat"/>
       </c:valAx>
       <c:valAx>
-        <c:axId val="273155696"/>
+        <c:axId val="278214920"/>
         <c:scaling>
           <c:orientation val="minMax"/>
         </c:scaling>
@@ -1846,7 +1840,6 @@
               </a:p>
             </c:rich>
           </c:tx>
-          <c:layout/>
           <c:overlay val="0"/>
           <c:spPr>
             <a:noFill/>
@@ -1913,7 +1906,7 @@
             <a:endParaRPr lang="en-US"/>
           </a:p>
         </c:txPr>
-        <c:crossAx val="273152952"/>
+        <c:crossAx val="278220408"/>
         <c:crosses val="autoZero"/>
         <c:crossBetween val="midCat"/>
       </c:valAx>
@@ -2003,7 +1996,6 @@
           </a:p>
         </c:rich>
       </c:tx>
-      <c:layout/>
       <c:overlay val="0"/>
       <c:spPr>
         <a:noFill/>
@@ -2387,11 +2379,11 @@
           <c:showPercent val="0"/>
           <c:showBubbleSize val="0"/>
         </c:dLbls>
-        <c:axId val="273156480"/>
-        <c:axId val="273157264"/>
+        <c:axId val="278220800"/>
+        <c:axId val="278221584"/>
       </c:scatterChart>
       <c:valAx>
-        <c:axId val="273156480"/>
+        <c:axId val="278220800"/>
         <c:scaling>
           <c:orientation val="minMax"/>
         </c:scaling>
@@ -2439,7 +2431,6 @@
               </a:p>
             </c:rich>
           </c:tx>
-          <c:layout/>
           <c:overlay val="0"/>
           <c:spPr>
             <a:noFill/>
@@ -2505,12 +2496,12 @@
             <a:endParaRPr lang="en-US"/>
           </a:p>
         </c:txPr>
-        <c:crossAx val="273157264"/>
+        <c:crossAx val="278221584"/>
         <c:crosses val="autoZero"/>
         <c:crossBetween val="midCat"/>
       </c:valAx>
       <c:valAx>
-        <c:axId val="273157264"/>
+        <c:axId val="278221584"/>
         <c:scaling>
           <c:orientation val="minMax"/>
         </c:scaling>
@@ -2558,7 +2549,6 @@
               </a:p>
             </c:rich>
           </c:tx>
-          <c:layout/>
           <c:overlay val="0"/>
           <c:spPr>
             <a:noFill/>
@@ -2625,7 +2615,7 @@
             <a:endParaRPr lang="en-US"/>
           </a:p>
         </c:txPr>
-        <c:crossAx val="273156480"/>
+        <c:crossAx val="278220800"/>
         <c:crosses val="autoZero"/>
         <c:crossBetween val="midCat"/>
       </c:valAx>
@@ -2715,7 +2705,6 @@
           </a:p>
         </c:rich>
       </c:tx>
-      <c:layout/>
       <c:overlay val="0"/>
       <c:spPr>
         <a:noFill/>
@@ -2807,7 +2796,6 @@
             <c:showLeaderLines val="0"/>
             <c:extLst>
               <c:ext xmlns:c15="http://schemas.microsoft.com/office/drawing/2012/chart" uri="{CE6537A1-D6FC-4f65-9D91-7224C49458BB}">
-                <c15:layout/>
                 <c15:showLeaderLines val="1"/>
                 <c15:leaderLines>
                   <c:spPr>
@@ -2867,11 +2855,11 @@
         </c:dLbls>
         <c:gapWidth val="219"/>
         <c:overlap val="-27"/>
-        <c:axId val="273152560"/>
-        <c:axId val="275544424"/>
+        <c:axId val="278215704"/>
+        <c:axId val="278218448"/>
       </c:barChart>
       <c:catAx>
-        <c:axId val="273152560"/>
+        <c:axId val="278215704"/>
         <c:scaling>
           <c:orientation val="minMax"/>
         </c:scaling>
@@ -2914,7 +2902,6 @@
               </a:p>
             </c:rich>
           </c:tx>
-          <c:layout/>
           <c:overlay val="0"/>
           <c:spPr>
             <a:noFill/>
@@ -2981,7 +2968,7 @@
             <a:endParaRPr lang="en-US"/>
           </a:p>
         </c:txPr>
-        <c:crossAx val="275544424"/>
+        <c:crossAx val="278218448"/>
         <c:crosses val="autoZero"/>
         <c:auto val="1"/>
         <c:lblAlgn val="ctr"/>
@@ -2989,7 +2976,7 @@
         <c:noMultiLvlLbl val="0"/>
       </c:catAx>
       <c:valAx>
-        <c:axId val="275544424"/>
+        <c:axId val="278218448"/>
         <c:scaling>
           <c:orientation val="minMax"/>
         </c:scaling>
@@ -3037,7 +3024,6 @@
               </a:p>
             </c:rich>
           </c:tx>
-          <c:layout/>
           <c:overlay val="0"/>
           <c:spPr>
             <a:noFill/>
@@ -3098,7 +3084,7 @@
             <a:endParaRPr lang="en-US"/>
           </a:p>
         </c:txPr>
-        <c:crossAx val="273152560"/>
+        <c:crossAx val="278215704"/>
         <c:crosses val="autoZero"/>
         <c:crossBetween val="between"/>
       </c:valAx>
@@ -3179,7 +3165,6 @@
           </a:p>
         </c:rich>
       </c:tx>
-      <c:layout/>
       <c:overlay val="0"/>
       <c:spPr>
         <a:noFill/>
@@ -3563,11 +3548,11 @@
           <c:showPercent val="0"/>
           <c:showBubbleSize val="0"/>
         </c:dLbls>
-        <c:axId val="275545208"/>
-        <c:axId val="275540896"/>
+        <c:axId val="278216880"/>
+        <c:axId val="278217272"/>
       </c:scatterChart>
       <c:valAx>
-        <c:axId val="275545208"/>
+        <c:axId val="278216880"/>
         <c:scaling>
           <c:orientation val="minMax"/>
         </c:scaling>
@@ -3615,7 +3600,6 @@
               </a:p>
             </c:rich>
           </c:tx>
-          <c:layout/>
           <c:overlay val="0"/>
           <c:spPr>
             <a:noFill/>
@@ -3681,12 +3665,12 @@
             <a:endParaRPr lang="en-US"/>
           </a:p>
         </c:txPr>
-        <c:crossAx val="275540896"/>
+        <c:crossAx val="278217272"/>
         <c:crosses val="autoZero"/>
         <c:crossBetween val="midCat"/>
       </c:valAx>
       <c:valAx>
-        <c:axId val="275540896"/>
+        <c:axId val="278217272"/>
         <c:scaling>
           <c:logBase val="10"/>
           <c:orientation val="minMax"/>
@@ -3809,7 +3793,7 @@
             <a:endParaRPr lang="en-US"/>
           </a:p>
         </c:txPr>
-        <c:crossAx val="275545208"/>
+        <c:crossAx val="278216880"/>
         <c:crosses val="autoZero"/>
         <c:crossBetween val="midCat"/>
       </c:valAx>
@@ -4279,11 +4263,11 @@
           <c:showPercent val="0"/>
           <c:showBubbleSize val="0"/>
         </c:dLbls>
-        <c:axId val="275542856"/>
-        <c:axId val="275538936"/>
+        <c:axId val="278219624"/>
+        <c:axId val="280112824"/>
       </c:scatterChart>
       <c:valAx>
-        <c:axId val="275542856"/>
+        <c:axId val="278219624"/>
         <c:scaling>
           <c:orientation val="minMax"/>
         </c:scaling>
@@ -4329,7 +4313,6 @@
               </a:p>
             </c:rich>
           </c:tx>
-          <c:layout/>
           <c:overlay val="0"/>
           <c:spPr>
             <a:noFill/>
@@ -4395,12 +4378,12 @@
             <a:endParaRPr lang="en-US"/>
           </a:p>
         </c:txPr>
-        <c:crossAx val="275538936"/>
+        <c:crossAx val="280112824"/>
         <c:crosses val="autoZero"/>
         <c:crossBetween val="midCat"/>
       </c:valAx>
       <c:valAx>
-        <c:axId val="275538936"/>
+        <c:axId val="280112824"/>
         <c:scaling>
           <c:orientation val="minMax"/>
         </c:scaling>
@@ -4446,7 +4429,6 @@
               </a:p>
             </c:rich>
           </c:tx>
-          <c:layout/>
           <c:overlay val="0"/>
           <c:spPr>
             <a:noFill/>
@@ -4513,7 +4495,7 @@
             <a:endParaRPr lang="en-US"/>
           </a:p>
         </c:txPr>
-        <c:crossAx val="275542856"/>
+        <c:crossAx val="278219624"/>
         <c:crosses val="autoZero"/>
         <c:crossBetween val="midCat"/>
       </c:valAx>
@@ -8426,7 +8408,7 @@
           <a:p>
             <a:fld id="{0E7219EF-B97C-44CC-834A-A9BA4EBCF9B5}" type="datetimeFigureOut">
               <a:rPr lang="en-GB" smtClean="0"/>
-              <a:t>11/04/2016</a:t>
+              <a:t>12/04/2016</a:t>
             </a:fld>
             <a:endParaRPr lang="en-GB"/>
           </a:p>
@@ -10303,7 +10285,19 @@
           <a:p>
             <a:r>
               <a:rPr lang="en-GB" baseline="0" dirty="0" smtClean="0"/>
-              <a:t>Cross correlation – Allows application of a lag interval between two series – to measure if say commit from two weeks prior has an impact on stargazers in the present</a:t>
+              <a:t>Cross correlation – Allows application of a lag interval between </a:t>
+            </a:r>
+            <a:r>
+              <a:rPr lang="en-GB" baseline="0" smtClean="0"/>
+              <a:t>two </a:t>
+            </a:r>
+            <a:r>
+              <a:rPr lang="en-GB" baseline="0" smtClean="0"/>
+              <a:t>time series </a:t>
+            </a:r>
+            <a:r>
+              <a:rPr lang="en-GB" baseline="0" dirty="0" smtClean="0"/>
+              <a:t>– to measure if say commit from two weeks prior has an impact on stargazers in the present</a:t>
             </a:r>
             <a:endParaRPr lang="en-GB" dirty="0"/>
           </a:p>
@@ -10632,7 +10626,7 @@
           <a:p>
             <a:fld id="{4AAD347D-5ACD-4C99-B74B-A9C85AD731AF}" type="datetimeFigureOut">
               <a:rPr lang="en-US" dirty="0"/>
-              <a:t>4/11/2016</a:t>
+              <a:t>4/12/2016</a:t>
             </a:fld>
             <a:endParaRPr lang="en-US" dirty="0"/>
           </a:p>
@@ -10914,7 +10908,7 @@
           <a:p>
             <a:fld id="{4509A250-FF31-4206-8172-F9D3106AACB1}" type="datetimeFigureOut">
               <a:rPr lang="en-US" dirty="0"/>
-              <a:t>4/11/2016</a:t>
+              <a:t>4/12/2016</a:t>
             </a:fld>
             <a:endParaRPr lang="en-US" dirty="0"/>
           </a:p>
@@ -11115,7 +11109,7 @@
           <a:p>
             <a:fld id="{4509A250-FF31-4206-8172-F9D3106AACB1}" type="datetimeFigureOut">
               <a:rPr lang="en-US" dirty="0"/>
-              <a:t>4/11/2016</a:t>
+              <a:t>4/12/2016</a:t>
             </a:fld>
             <a:endParaRPr lang="en-US" dirty="0"/>
           </a:p>
@@ -11390,7 +11384,7 @@
           <a:p>
             <a:fld id="{4509A250-FF31-4206-8172-F9D3106AACB1}" type="datetimeFigureOut">
               <a:rPr lang="en-US" dirty="0"/>
-              <a:t>4/11/2016</a:t>
+              <a:t>4/12/2016</a:t>
             </a:fld>
             <a:endParaRPr lang="en-US" dirty="0"/>
           </a:p>
@@ -11729,7 +11723,7 @@
           <a:p>
             <a:fld id="{4509A250-FF31-4206-8172-F9D3106AACB1}" type="datetimeFigureOut">
               <a:rPr lang="en-US" dirty="0"/>
-              <a:t>4/11/2016</a:t>
+              <a:t>4/12/2016</a:t>
             </a:fld>
             <a:endParaRPr lang="en-US" dirty="0"/>
           </a:p>
@@ -12346,7 +12340,7 @@
           <a:p>
             <a:fld id="{4509A250-FF31-4206-8172-F9D3106AACB1}" type="datetimeFigureOut">
               <a:rPr lang="en-US" dirty="0"/>
-              <a:t>4/11/2016</a:t>
+              <a:t>4/12/2016</a:t>
             </a:fld>
             <a:endParaRPr lang="en-US" dirty="0"/>
           </a:p>
@@ -13200,7 +13194,7 @@
           <a:p>
             <a:fld id="{4509A250-FF31-4206-8172-F9D3106AACB1}" type="datetimeFigureOut">
               <a:rPr lang="en-US" dirty="0"/>
-              <a:t>4/11/2016</a:t>
+              <a:t>4/12/2016</a:t>
             </a:fld>
             <a:endParaRPr lang="en-US" dirty="0"/>
           </a:p>
@@ -13377,7 +13371,7 @@
           <a:p>
             <a:fld id="{4509A250-FF31-4206-8172-F9D3106AACB1}" type="datetimeFigureOut">
               <a:rPr lang="en-US" dirty="0"/>
-              <a:t>4/11/2016</a:t>
+              <a:t>4/12/2016</a:t>
             </a:fld>
             <a:endParaRPr lang="en-US" dirty="0"/>
           </a:p>
@@ -13564,7 +13558,7 @@
           <a:p>
             <a:fld id="{4509A250-FF31-4206-8172-F9D3106AACB1}" type="datetimeFigureOut">
               <a:rPr lang="en-US" dirty="0"/>
-              <a:t>4/11/2016</a:t>
+              <a:t>4/12/2016</a:t>
             </a:fld>
             <a:endParaRPr lang="en-US" dirty="0"/>
           </a:p>
@@ -13741,7 +13735,7 @@
           <a:p>
             <a:fld id="{4509A250-FF31-4206-8172-F9D3106AACB1}" type="datetimeFigureOut">
               <a:rPr lang="en-US" dirty="0"/>
-              <a:t>4/11/2016</a:t>
+              <a:t>4/12/2016</a:t>
             </a:fld>
             <a:endParaRPr lang="en-US" dirty="0"/>
           </a:p>
@@ -13992,7 +13986,7 @@
           <a:p>
             <a:fld id="{4509A250-FF31-4206-8172-F9D3106AACB1}" type="datetimeFigureOut">
               <a:rPr lang="en-US" dirty="0"/>
-              <a:t>4/11/2016</a:t>
+              <a:t>4/12/2016</a:t>
             </a:fld>
             <a:endParaRPr lang="en-US" dirty="0"/>
           </a:p>
@@ -14291,7 +14285,7 @@
           <a:p>
             <a:fld id="{4509A250-FF31-4206-8172-F9D3106AACB1}" type="datetimeFigureOut">
               <a:rPr lang="en-US" dirty="0"/>
-              <a:t>4/11/2016</a:t>
+              <a:t>4/12/2016</a:t>
             </a:fld>
             <a:endParaRPr lang="en-US" dirty="0"/>
           </a:p>
@@ -14736,7 +14730,7 @@
           <a:p>
             <a:fld id="{4509A250-FF31-4206-8172-F9D3106AACB1}" type="datetimeFigureOut">
               <a:rPr lang="en-US" dirty="0"/>
-              <a:t>4/11/2016</a:t>
+              <a:t>4/12/2016</a:t>
             </a:fld>
             <a:endParaRPr lang="en-US" dirty="0"/>
           </a:p>
@@ -14861,7 +14855,7 @@
           <a:p>
             <a:fld id="{4509A250-FF31-4206-8172-F9D3106AACB1}" type="datetimeFigureOut">
               <a:rPr lang="en-US" dirty="0"/>
-              <a:t>4/11/2016</a:t>
+              <a:t>4/12/2016</a:t>
             </a:fld>
             <a:endParaRPr lang="en-US" dirty="0"/>
           </a:p>
@@ -14963,7 +14957,7 @@
           <a:p>
             <a:fld id="{4509A250-FF31-4206-8172-F9D3106AACB1}" type="datetimeFigureOut">
               <a:rPr lang="en-US" dirty="0"/>
-              <a:t>4/11/2016</a:t>
+              <a:t>4/12/2016</a:t>
             </a:fld>
             <a:endParaRPr lang="en-US" dirty="0"/>
           </a:p>
@@ -15249,7 +15243,7 @@
           <a:p>
             <a:fld id="{4509A250-FF31-4206-8172-F9D3106AACB1}" type="datetimeFigureOut">
               <a:rPr lang="en-US" dirty="0"/>
-              <a:t>4/11/2016</a:t>
+              <a:t>4/12/2016</a:t>
             </a:fld>
             <a:endParaRPr lang="en-US" dirty="0"/>
           </a:p>
@@ -15531,7 +15525,7 @@
           <a:p>
             <a:fld id="{4509A250-FF31-4206-8172-F9D3106AACB1}" type="datetimeFigureOut">
               <a:rPr lang="en-US" dirty="0"/>
-              <a:t>4/11/2016</a:t>
+              <a:t>4/12/2016</a:t>
             </a:fld>
             <a:endParaRPr lang="en-US" dirty="0"/>
           </a:p>
@@ -15967,7 +15961,7 @@
           <a:p>
             <a:fld id="{4509A250-FF31-4206-8172-F9D3106AACB1}" type="datetimeFigureOut">
               <a:rPr lang="en-US" dirty="0"/>
-              <a:t>4/11/2016</a:t>
+              <a:t>4/12/2016</a:t>
             </a:fld>
             <a:endParaRPr lang="en-US" dirty="0"/>
           </a:p>
@@ -17314,15 +17308,7 @@
                       </a:r>
                       <a:r>
                         <a:rPr lang="en-GB" baseline="0" dirty="0" smtClean="0"/>
-                        <a:t> </a:t>
-                      </a:r>
-                      <a:r>
-                        <a:rPr lang="en-GB" baseline="0" dirty="0" smtClean="0"/>
-                        <a:t>Positive/negative </a:t>
-                      </a:r>
-                      <a:r>
-                        <a:rPr lang="en-GB" baseline="0" dirty="0" smtClean="0"/>
-                        <a:t>correlation</a:t>
+                        <a:t> Positive/negative correlation</a:t>
                       </a:r>
                       <a:endParaRPr lang="en-GB" dirty="0"/>
                     </a:p>

--- a/Research And Development Project/Documents/Resources/Presentation/PresentationLehman.pptx
+++ b/Research And Development Project/Documents/Resources/Presentation/PresentationLehman.pptx
@@ -5,26 +5,27 @@
     <p:sldMasterId id="2147483648" r:id="rId1"/>
   </p:sldMasterIdLst>
   <p:notesMasterIdLst>
-    <p:notesMasterId r:id="rId19"/>
+    <p:notesMasterId r:id="rId20"/>
   </p:notesMasterIdLst>
   <p:sldIdLst>
     <p:sldId id="256" r:id="rId2"/>
     <p:sldId id="257" r:id="rId3"/>
     <p:sldId id="258" r:id="rId4"/>
     <p:sldId id="259" r:id="rId5"/>
-    <p:sldId id="260" r:id="rId6"/>
-    <p:sldId id="267" r:id="rId7"/>
-    <p:sldId id="261" r:id="rId8"/>
-    <p:sldId id="262" r:id="rId9"/>
-    <p:sldId id="263" r:id="rId10"/>
-    <p:sldId id="265" r:id="rId11"/>
-    <p:sldId id="264" r:id="rId12"/>
-    <p:sldId id="268" r:id="rId13"/>
-    <p:sldId id="269" r:id="rId14"/>
-    <p:sldId id="271" r:id="rId15"/>
-    <p:sldId id="270" r:id="rId16"/>
-    <p:sldId id="272" r:id="rId17"/>
-    <p:sldId id="266" r:id="rId18"/>
+    <p:sldId id="273" r:id="rId6"/>
+    <p:sldId id="260" r:id="rId7"/>
+    <p:sldId id="267" r:id="rId8"/>
+    <p:sldId id="261" r:id="rId9"/>
+    <p:sldId id="262" r:id="rId10"/>
+    <p:sldId id="263" r:id="rId11"/>
+    <p:sldId id="265" r:id="rId12"/>
+    <p:sldId id="264" r:id="rId13"/>
+    <p:sldId id="268" r:id="rId14"/>
+    <p:sldId id="269" r:id="rId15"/>
+    <p:sldId id="271" r:id="rId16"/>
+    <p:sldId id="270" r:id="rId17"/>
+    <p:sldId id="272" r:id="rId18"/>
+    <p:sldId id="266" r:id="rId19"/>
   </p:sldIdLst>
   <p:sldSz cx="12192000" cy="6858000"/>
   <p:notesSz cx="6858000" cy="9144000"/>
@@ -176,6 +177,7 @@
           </a:p>
         </c:rich>
       </c:tx>
+      <c:layout/>
       <c:overlay val="0"/>
       <c:spPr>
         <a:noFill/>
@@ -371,11 +373,11 @@
           <c:showBubbleSize val="0"/>
         </c:dLbls>
         <c:gapWidth val="182"/>
-        <c:axId val="314351320"/>
-        <c:axId val="314351712"/>
+        <c:axId val="320524096"/>
+        <c:axId val="320521744"/>
       </c:barChart>
       <c:catAx>
-        <c:axId val="314351320"/>
+        <c:axId val="320524096"/>
         <c:scaling>
           <c:orientation val="minMax"/>
         </c:scaling>
@@ -418,7 +420,7 @@
             <a:endParaRPr lang="en-US"/>
           </a:p>
         </c:txPr>
-        <c:crossAx val="314351712"/>
+        <c:crossAx val="320521744"/>
         <c:crosses val="autoZero"/>
         <c:auto val="1"/>
         <c:lblAlgn val="ctr"/>
@@ -426,7 +428,7 @@
         <c:noMultiLvlLbl val="0"/>
       </c:catAx>
       <c:valAx>
-        <c:axId val="314351712"/>
+        <c:axId val="320521744"/>
         <c:scaling>
           <c:orientation val="minMax"/>
         </c:scaling>
@@ -477,7 +479,7 @@
             <a:endParaRPr lang="en-US"/>
           </a:p>
         </c:txPr>
-        <c:crossAx val="314351320"/>
+        <c:crossAx val="320524096"/>
         <c:crosses val="autoZero"/>
         <c:crossBetween val="between"/>
       </c:valAx>
@@ -567,6 +569,7 @@
           </a:p>
         </c:rich>
       </c:tx>
+      <c:layout/>
       <c:overlay val="0"/>
       <c:spPr>
         <a:noFill/>
@@ -950,11 +953,11 @@
           <c:showPercent val="0"/>
           <c:showBubbleSize val="0"/>
         </c:dLbls>
-        <c:axId val="278215312"/>
-        <c:axId val="278222368"/>
+        <c:axId val="270725312"/>
+        <c:axId val="320790400"/>
       </c:scatterChart>
       <c:valAx>
-        <c:axId val="278215312"/>
+        <c:axId val="270725312"/>
         <c:scaling>
           <c:orientation val="minMax"/>
         </c:scaling>
@@ -1002,6 +1005,7 @@
               </a:p>
             </c:rich>
           </c:tx>
+          <c:layout/>
           <c:overlay val="0"/>
           <c:spPr>
             <a:noFill/>
@@ -1067,12 +1071,12 @@
             <a:endParaRPr lang="en-US"/>
           </a:p>
         </c:txPr>
-        <c:crossAx val="278222368"/>
+        <c:crossAx val="320790400"/>
         <c:crosses val="autoZero"/>
         <c:crossBetween val="midCat"/>
       </c:valAx>
       <c:valAx>
-        <c:axId val="278222368"/>
+        <c:axId val="320790400"/>
         <c:scaling>
           <c:orientation val="minMax"/>
         </c:scaling>
@@ -1120,6 +1124,7 @@
               </a:p>
             </c:rich>
           </c:tx>
+          <c:layout/>
           <c:overlay val="0"/>
           <c:spPr>
             <a:noFill/>
@@ -1186,7 +1191,7 @@
             <a:endParaRPr lang="en-US"/>
           </a:p>
         </c:txPr>
-        <c:crossAx val="278215312"/>
+        <c:crossAx val="270725312"/>
         <c:crosses val="autoZero"/>
         <c:crossBetween val="midCat"/>
       </c:valAx>
@@ -1276,6 +1281,7 @@
           </a:p>
         </c:rich>
       </c:tx>
+      <c:layout/>
       <c:overlay val="0"/>
       <c:spPr>
         <a:noFill/>
@@ -1659,11 +1665,11 @@
           <c:showPercent val="0"/>
           <c:showBubbleSize val="0"/>
         </c:dLbls>
-        <c:axId val="278220408"/>
-        <c:axId val="278214920"/>
+        <c:axId val="320786872"/>
+        <c:axId val="320790792"/>
       </c:scatterChart>
       <c:valAx>
-        <c:axId val="278220408"/>
+        <c:axId val="320786872"/>
         <c:scaling>
           <c:orientation val="minMax"/>
         </c:scaling>
@@ -1711,6 +1717,7 @@
               </a:p>
             </c:rich>
           </c:tx>
+          <c:layout/>
           <c:overlay val="0"/>
           <c:spPr>
             <a:noFill/>
@@ -1776,12 +1783,12 @@
             <a:endParaRPr lang="en-US"/>
           </a:p>
         </c:txPr>
-        <c:crossAx val="278214920"/>
+        <c:crossAx val="320790792"/>
         <c:crosses val="autoZero"/>
         <c:crossBetween val="midCat"/>
       </c:valAx>
       <c:valAx>
-        <c:axId val="278214920"/>
+        <c:axId val="320790792"/>
         <c:scaling>
           <c:orientation val="minMax"/>
         </c:scaling>
@@ -1840,6 +1847,7 @@
               </a:p>
             </c:rich>
           </c:tx>
+          <c:layout/>
           <c:overlay val="0"/>
           <c:spPr>
             <a:noFill/>
@@ -1906,7 +1914,7 @@
             <a:endParaRPr lang="en-US"/>
           </a:p>
         </c:txPr>
-        <c:crossAx val="278220408"/>
+        <c:crossAx val="320786872"/>
         <c:crosses val="autoZero"/>
         <c:crossBetween val="midCat"/>
       </c:valAx>
@@ -1996,6 +2004,7 @@
           </a:p>
         </c:rich>
       </c:tx>
+      <c:layout/>
       <c:overlay val="0"/>
       <c:spPr>
         <a:noFill/>
@@ -2379,11 +2388,11 @@
           <c:showPercent val="0"/>
           <c:showBubbleSize val="0"/>
         </c:dLbls>
-        <c:axId val="278220800"/>
-        <c:axId val="278221584"/>
+        <c:axId val="320787264"/>
+        <c:axId val="320791184"/>
       </c:scatterChart>
       <c:valAx>
-        <c:axId val="278220800"/>
+        <c:axId val="320787264"/>
         <c:scaling>
           <c:orientation val="minMax"/>
         </c:scaling>
@@ -2431,6 +2440,7 @@
               </a:p>
             </c:rich>
           </c:tx>
+          <c:layout/>
           <c:overlay val="0"/>
           <c:spPr>
             <a:noFill/>
@@ -2496,12 +2506,12 @@
             <a:endParaRPr lang="en-US"/>
           </a:p>
         </c:txPr>
-        <c:crossAx val="278221584"/>
+        <c:crossAx val="320791184"/>
         <c:crosses val="autoZero"/>
         <c:crossBetween val="midCat"/>
       </c:valAx>
       <c:valAx>
-        <c:axId val="278221584"/>
+        <c:axId val="320791184"/>
         <c:scaling>
           <c:orientation val="minMax"/>
         </c:scaling>
@@ -2549,6 +2559,7 @@
               </a:p>
             </c:rich>
           </c:tx>
+          <c:layout/>
           <c:overlay val="0"/>
           <c:spPr>
             <a:noFill/>
@@ -2615,7 +2626,7 @@
             <a:endParaRPr lang="en-US"/>
           </a:p>
         </c:txPr>
-        <c:crossAx val="278220800"/>
+        <c:crossAx val="320787264"/>
         <c:crosses val="autoZero"/>
         <c:crossBetween val="midCat"/>
       </c:valAx>
@@ -2705,6 +2716,7 @@
           </a:p>
         </c:rich>
       </c:tx>
+      <c:layout/>
       <c:overlay val="0"/>
       <c:spPr>
         <a:noFill/>
@@ -2796,6 +2808,7 @@
             <c:showLeaderLines val="0"/>
             <c:extLst>
               <c:ext xmlns:c15="http://schemas.microsoft.com/office/drawing/2012/chart" uri="{CE6537A1-D6FC-4f65-9D91-7224C49458BB}">
+                <c15:layout/>
                 <c15:showLeaderLines val="1"/>
                 <c15:leaderLines>
                   <c:spPr>
@@ -2855,11 +2868,11 @@
         </c:dLbls>
         <c:gapWidth val="219"/>
         <c:overlap val="-27"/>
-        <c:axId val="278215704"/>
-        <c:axId val="278218448"/>
+        <c:axId val="320789616"/>
+        <c:axId val="320788832"/>
       </c:barChart>
       <c:catAx>
-        <c:axId val="278215704"/>
+        <c:axId val="320789616"/>
         <c:scaling>
           <c:orientation val="minMax"/>
         </c:scaling>
@@ -2902,6 +2915,7 @@
               </a:p>
             </c:rich>
           </c:tx>
+          <c:layout/>
           <c:overlay val="0"/>
           <c:spPr>
             <a:noFill/>
@@ -2968,7 +2982,7 @@
             <a:endParaRPr lang="en-US"/>
           </a:p>
         </c:txPr>
-        <c:crossAx val="278218448"/>
+        <c:crossAx val="320788832"/>
         <c:crosses val="autoZero"/>
         <c:auto val="1"/>
         <c:lblAlgn val="ctr"/>
@@ -2976,7 +2990,7 @@
         <c:noMultiLvlLbl val="0"/>
       </c:catAx>
       <c:valAx>
-        <c:axId val="278218448"/>
+        <c:axId val="320788832"/>
         <c:scaling>
           <c:orientation val="minMax"/>
         </c:scaling>
@@ -3024,6 +3038,7 @@
               </a:p>
             </c:rich>
           </c:tx>
+          <c:layout/>
           <c:overlay val="0"/>
           <c:spPr>
             <a:noFill/>
@@ -3084,7 +3099,7 @@
             <a:endParaRPr lang="en-US"/>
           </a:p>
         </c:txPr>
-        <c:crossAx val="278215704"/>
+        <c:crossAx val="320789616"/>
         <c:crosses val="autoZero"/>
         <c:crossBetween val="between"/>
       </c:valAx>
@@ -3165,6 +3180,7 @@
           </a:p>
         </c:rich>
       </c:tx>
+      <c:layout/>
       <c:overlay val="0"/>
       <c:spPr>
         <a:noFill/>
@@ -3548,11 +3564,11 @@
           <c:showPercent val="0"/>
           <c:showBubbleSize val="0"/>
         </c:dLbls>
-        <c:axId val="278216880"/>
-        <c:axId val="278217272"/>
+        <c:axId val="320790008"/>
+        <c:axId val="320791968"/>
       </c:scatterChart>
       <c:valAx>
-        <c:axId val="278216880"/>
+        <c:axId val="320790008"/>
         <c:scaling>
           <c:orientation val="minMax"/>
         </c:scaling>
@@ -3600,6 +3616,7 @@
               </a:p>
             </c:rich>
           </c:tx>
+          <c:layout/>
           <c:overlay val="0"/>
           <c:spPr>
             <a:noFill/>
@@ -3665,12 +3682,12 @@
             <a:endParaRPr lang="en-US"/>
           </a:p>
         </c:txPr>
-        <c:crossAx val="278217272"/>
+        <c:crossAx val="320791968"/>
         <c:crosses val="autoZero"/>
         <c:crossBetween val="midCat"/>
       </c:valAx>
       <c:valAx>
-        <c:axId val="278217272"/>
+        <c:axId val="320791968"/>
         <c:scaling>
           <c:logBase val="10"/>
           <c:orientation val="minMax"/>
@@ -3793,7 +3810,7 @@
             <a:endParaRPr lang="en-US"/>
           </a:p>
         </c:txPr>
-        <c:crossAx val="278216880"/>
+        <c:crossAx val="320790008"/>
         <c:crosses val="autoZero"/>
         <c:crossBetween val="midCat"/>
       </c:valAx>
@@ -4263,11 +4280,11 @@
           <c:showPercent val="0"/>
           <c:showBubbleSize val="0"/>
         </c:dLbls>
-        <c:axId val="278219624"/>
-        <c:axId val="280112824"/>
+        <c:axId val="320785304"/>
+        <c:axId val="320785696"/>
       </c:scatterChart>
       <c:valAx>
-        <c:axId val="278219624"/>
+        <c:axId val="320785304"/>
         <c:scaling>
           <c:orientation val="minMax"/>
         </c:scaling>
@@ -4313,6 +4330,7 @@
               </a:p>
             </c:rich>
           </c:tx>
+          <c:layout/>
           <c:overlay val="0"/>
           <c:spPr>
             <a:noFill/>
@@ -4378,12 +4396,12 @@
             <a:endParaRPr lang="en-US"/>
           </a:p>
         </c:txPr>
-        <c:crossAx val="280112824"/>
+        <c:crossAx val="320785696"/>
         <c:crosses val="autoZero"/>
         <c:crossBetween val="midCat"/>
       </c:valAx>
       <c:valAx>
-        <c:axId val="280112824"/>
+        <c:axId val="320785696"/>
         <c:scaling>
           <c:orientation val="minMax"/>
         </c:scaling>
@@ -4429,6 +4447,7 @@
               </a:p>
             </c:rich>
           </c:tx>
+          <c:layout/>
           <c:overlay val="0"/>
           <c:spPr>
             <a:noFill/>
@@ -4495,7 +4514,7 @@
             <a:endParaRPr lang="en-US"/>
           </a:p>
         </c:txPr>
-        <c:crossAx val="278219624"/>
+        <c:crossAx val="320785304"/>
         <c:crosses val="autoZero"/>
         <c:crossBetween val="midCat"/>
       </c:valAx>
@@ -8408,7 +8427,7 @@
           <a:p>
             <a:fld id="{0E7219EF-B97C-44CC-834A-A9BA4EBCF9B5}" type="datetimeFigureOut">
               <a:rPr lang="en-GB" smtClean="0"/>
-              <a:t>12/04/2016</a:t>
+              <a:t>08/05/2016</a:t>
             </a:fld>
             <a:endParaRPr lang="en-GB"/>
           </a:p>
@@ -8720,13 +8739,32 @@
           <a:bodyPr/>
           <a:lstStyle/>
           <a:p>
+            <a:pPr marL="171450" indent="-171450">
+              <a:buFontTx/>
+              <a:buChar char="-"/>
+            </a:pPr>
             <a:r>
               <a:rPr lang="en-GB" dirty="0" smtClean="0"/>
-              <a:t>- Initially established</a:t>
+              <a:t>Initially </a:t>
+            </a:r>
+            <a:r>
+              <a:rPr lang="en-GB" dirty="0" smtClean="0"/>
+              <a:t>established</a:t>
             </a:r>
             <a:r>
               <a:rPr lang="en-GB" baseline="0" dirty="0" smtClean="0"/>
-              <a:t> in the 1970’s and refined in the subsequent two decades through adding new laws or altering existing with the last change in 1996</a:t>
+              <a:t> in the 1970’s </a:t>
+            </a:r>
+            <a:endParaRPr lang="en-GB" baseline="0" dirty="0" smtClean="0"/>
+          </a:p>
+          <a:p>
+            <a:pPr marL="171450" indent="-171450">
+              <a:buFontTx/>
+              <a:buChar char="-"/>
+            </a:pPr>
+            <a:r>
+              <a:rPr lang="en-GB" baseline="0" dirty="0" smtClean="0"/>
+              <a:t>Refine over the decades following with laws adjusted or new ones added</a:t>
             </a:r>
           </a:p>
           <a:p>
@@ -8736,7 +8774,7 @@
             </a:pPr>
             <a:r>
               <a:rPr lang="en-GB" baseline="0" dirty="0" smtClean="0"/>
-              <a:t>- However the laws do not consider the rather modern paradigm of open source development</a:t>
+              <a:t>-   Attempt to describe factors which drive increased development or on the other hand slow down progress.</a:t>
             </a:r>
           </a:p>
           <a:p>
@@ -8744,17 +8782,26 @@
               <a:buFontTx/>
               <a:buNone/>
             </a:pPr>
+            <a:endParaRPr lang="en-GB" baseline="0" dirty="0" smtClean="0"/>
+          </a:p>
+          <a:p>
+            <a:pPr marL="0" indent="0">
+              <a:buFontTx/>
+              <a:buNone/>
+            </a:pPr>
             <a:r>
               <a:rPr lang="en-GB" baseline="0" dirty="0" smtClean="0"/>
-              <a:t>- In this study we have selected GitHub as the platform to determine if the laws hold</a:t>
-            </a:r>
-          </a:p>
-          <a:p>
-            <a:pPr marL="171450" indent="-171450">
-              <a:buFontTx/>
-              <a:buChar char="-"/>
-            </a:pPr>
-            <a:endParaRPr lang="en-GB" dirty="0"/>
+              <a:t>- </a:t>
+            </a:r>
+            <a:r>
+              <a:rPr lang="en-GB" baseline="0" dirty="0" smtClean="0"/>
+              <a:t>However the laws do not consider the rather modern paradigm of open source </a:t>
+            </a:r>
+            <a:r>
+              <a:rPr lang="en-GB" baseline="0" dirty="0" smtClean="0"/>
+              <a:t>development which gives the study its novelty</a:t>
+            </a:r>
+            <a:endParaRPr lang="en-GB" baseline="0" dirty="0" smtClean="0"/>
           </a:p>
         </p:txBody>
       </p:sp>
@@ -8838,13 +8885,36 @@
           <a:bodyPr/>
           <a:lstStyle/>
           <a:p>
+            <a:pPr marL="228600" indent="-228600">
+              <a:buAutoNum type="arabicParenR"/>
+            </a:pPr>
             <a:r>
               <a:rPr lang="en-GB" dirty="0" smtClean="0"/>
-              <a:t>Touch</a:t>
+              <a:t>Large dataset</a:t>
             </a:r>
             <a:r>
               <a:rPr lang="en-GB" baseline="0" dirty="0" smtClean="0"/>
-              <a:t> on this briefly – key functionality identified</a:t>
+              <a:t> provides scope to this study which others have not attempted</a:t>
+            </a:r>
+          </a:p>
+          <a:p>
+            <a:pPr marL="228600" indent="-228600">
+              <a:buAutoNum type="arabicParenR"/>
+            </a:pPr>
+            <a:r>
+              <a:rPr lang="en-GB" baseline="0" dirty="0" smtClean="0"/>
+              <a:t>Age requirement filters out projects that haven't had time to evolve sufficiently &amp; trimming of first six months</a:t>
+            </a:r>
+            <a:endParaRPr lang="en-GB" dirty="0" smtClean="0"/>
+          </a:p>
+          <a:p>
+            <a:r>
+              <a:rPr lang="en-GB" dirty="0" smtClean="0"/>
+              <a:t>3) The</a:t>
+            </a:r>
+            <a:r>
+              <a:rPr lang="en-GB" baseline="0" dirty="0" smtClean="0"/>
+              <a:t> 200 projects will be halved to 100</a:t>
             </a:r>
             <a:endParaRPr lang="en-GB" dirty="0"/>
           </a:p>
@@ -8876,7 +8946,7 @@
     </p:spTree>
     <p:extLst>
       <p:ext uri="{BB962C8B-B14F-4D97-AF65-F5344CB8AC3E}">
-        <p14:creationId xmlns:p14="http://schemas.microsoft.com/office/powerpoint/2010/main" val="3450121358"/>
+        <p14:creationId xmlns:p14="http://schemas.microsoft.com/office/powerpoint/2010/main" val="2636915573"/>
       </p:ext>
     </p:extLst>
   </p:cSld>
@@ -8930,20 +9000,6 @@
           <a:bodyPr/>
           <a:lstStyle/>
           <a:p>
-            <a:r>
-              <a:rPr lang="en-GB" dirty="0" smtClean="0"/>
-              <a:t>In this project at times it is difficult to conclusively</a:t>
-            </a:r>
-            <a:r>
-              <a:rPr lang="en-GB" baseline="0" dirty="0" smtClean="0"/>
-              <a:t> state one or the other – the emphasis was only results discussing and what the evidence suggests. </a:t>
-            </a:r>
-          </a:p>
-          <a:p>
-            <a:r>
-              <a:rPr lang="en-GB" baseline="0" dirty="0" smtClean="0"/>
-              <a:t>We will no look at the general statistical approach to answer each HP</a:t>
-            </a:r>
             <a:endParaRPr lang="en-GB" dirty="0"/>
           </a:p>
         </p:txBody>
@@ -8974,7 +9030,7 @@
     </p:spTree>
     <p:extLst>
       <p:ext uri="{BB962C8B-B14F-4D97-AF65-F5344CB8AC3E}">
-        <p14:creationId xmlns:p14="http://schemas.microsoft.com/office/powerpoint/2010/main" val="843320886"/>
+        <p14:creationId xmlns:p14="http://schemas.microsoft.com/office/powerpoint/2010/main" val="3450121358"/>
       </p:ext>
     </p:extLst>
   </p:cSld>
@@ -9028,31 +9084,39 @@
           <a:bodyPr/>
           <a:lstStyle/>
           <a:p>
+            <a:pPr marL="171450" indent="-171450">
+              <a:buFontTx/>
+              <a:buChar char="-"/>
+            </a:pPr>
             <a:r>
               <a:rPr lang="en-GB" dirty="0" smtClean="0"/>
-              <a:t>Each</a:t>
+              <a:t>Conclusively</a:t>
             </a:r>
             <a:r>
               <a:rPr lang="en-GB" baseline="0" dirty="0" smtClean="0"/>
-              <a:t> hypothesis would utilise differing data series types but the approach is the same – reflected in the dissertation</a:t>
-            </a:r>
-          </a:p>
-          <a:p>
-            <a:r>
-              <a:rPr lang="en-GB" dirty="0" smtClean="0"/>
-              <a:t>Three facets - % of positive</a:t>
-            </a:r>
+              <a:t> stating the outcome is difficult</a:t>
+            </a:r>
+          </a:p>
+          <a:p>
+            <a:pPr marL="171450" indent="-171450">
+              <a:buFontTx/>
+              <a:buChar char="-"/>
+            </a:pPr>
             <a:r>
               <a:rPr lang="en-GB" baseline="0" dirty="0" smtClean="0"/>
-              <a:t> correlations at each lag point along with the mean correlation value – supported by a distribution graph</a:t>
-            </a:r>
-          </a:p>
-          <a:p>
+              <a:t>Rather observations and discussions are made based upon the evidence </a:t>
+            </a:r>
+          </a:p>
+          <a:p>
+            <a:pPr marL="171450" indent="-171450">
+              <a:buFontTx/>
+              <a:buChar char="-"/>
+            </a:pPr>
             <a:r>
               <a:rPr lang="en-GB" baseline="0" dirty="0" smtClean="0"/>
-              <a:t>In this case the data is quite random and shows a partial affinity to negative correlations – enough to generate a discussion and give conclusions</a:t>
-            </a:r>
-            <a:endParaRPr lang="en-GB" dirty="0"/>
+              <a:t>Now we will look at each hypothesis and the results that contributed to this overall summary</a:t>
+            </a:r>
+            <a:endParaRPr lang="en-GB" dirty="0" smtClean="0"/>
           </a:p>
         </p:txBody>
       </p:sp>
@@ -9082,7 +9146,7 @@
     </p:spTree>
     <p:extLst>
       <p:ext uri="{BB962C8B-B14F-4D97-AF65-F5344CB8AC3E}">
-        <p14:creationId xmlns:p14="http://schemas.microsoft.com/office/powerpoint/2010/main" val="1263153560"/>
+        <p14:creationId xmlns:p14="http://schemas.microsoft.com/office/powerpoint/2010/main" val="843320886"/>
       </p:ext>
     </p:extLst>
   </p:cSld>
@@ -9136,25 +9200,50 @@
           <a:bodyPr/>
           <a:lstStyle/>
           <a:p>
+            <a:pPr marL="171450" indent="-171450">
+              <a:buFontTx/>
+              <a:buChar char="-"/>
+            </a:pPr>
             <a:r>
               <a:rPr lang="en-GB" dirty="0" smtClean="0"/>
-              <a:t>More straight forward – used in a single HP – generally gives quite a conclusive results – the law itself gives</a:t>
+              <a:t>Two vectors of for each metric – each is a time series metric</a:t>
+            </a:r>
+          </a:p>
+          <a:p>
+            <a:pPr marL="171450" indent="-171450">
+              <a:buFontTx/>
+              <a:buChar char="-"/>
+            </a:pPr>
+            <a:r>
+              <a:rPr lang="en-GB" dirty="0" smtClean="0"/>
+              <a:t>Cross</a:t>
             </a:r>
             <a:r>
               <a:rPr lang="en-GB" baseline="0" dirty="0" smtClean="0"/>
-              <a:t> scope to why a project does not grow (refactoring of code </a:t>
-            </a:r>
-            <a:r>
-              <a:rPr lang="en-GB" baseline="0" dirty="0" err="1" smtClean="0"/>
-              <a:t>etc</a:t>
-            </a:r>
+              <a:t> correlation at varying lag intervals</a:t>
+            </a:r>
+          </a:p>
+          <a:p>
+            <a:pPr marL="171450" indent="-171450">
+              <a:buFontTx/>
+              <a:buChar char="-"/>
+            </a:pPr>
             <a:r>
               <a:rPr lang="en-GB" baseline="0" dirty="0" smtClean="0"/>
-              <a:t>) </a:t>
-            </a:r>
-          </a:p>
-          <a:p>
-            <a:endParaRPr lang="en-GB" dirty="0"/>
+              <a:t>Determine the % that are positive or negative which will answer how often one metric is associated with another</a:t>
+            </a:r>
+            <a:endParaRPr lang="en-GB" dirty="0" smtClean="0"/>
+          </a:p>
+          <a:p>
+            <a:r>
+              <a:rPr lang="en-GB" dirty="0" smtClean="0"/>
+              <a:t>-</a:t>
+            </a:r>
+            <a:r>
+              <a:rPr lang="en-GB" baseline="0" dirty="0" smtClean="0"/>
+              <a:t> In most cases the correlations was quite random, which often rejected the hypothesis and therefore disproved the law</a:t>
+            </a:r>
+            <a:endParaRPr lang="en-GB" dirty="0" smtClean="0"/>
           </a:p>
         </p:txBody>
       </p:sp>
@@ -9184,7 +9273,7 @@
     </p:spTree>
     <p:extLst>
       <p:ext uri="{BB962C8B-B14F-4D97-AF65-F5344CB8AC3E}">
-        <p14:creationId xmlns:p14="http://schemas.microsoft.com/office/powerpoint/2010/main" val="2789060151"/>
+        <p14:creationId xmlns:p14="http://schemas.microsoft.com/office/powerpoint/2010/main" val="1263153560"/>
       </p:ext>
     </p:extLst>
   </p:cSld>
@@ -9240,12 +9329,13 @@
           <a:p>
             <a:r>
               <a:rPr lang="en-GB" dirty="0" smtClean="0"/>
-              <a:t>This represents</a:t>
+              <a:t>-</a:t>
             </a:r>
             <a:r>
               <a:rPr lang="en-GB" baseline="0" dirty="0" smtClean="0"/>
-              <a:t> the real results for this hypothesis –  the nature of OSS is reflected here due to dynamic team sizes, activity so it stands to reason that fluctuations are ever present.</a:t>
-            </a:r>
+              <a:t> The 7% is mentioned in the law, which considers processes such as refactoring reducing the LOC</a:t>
+            </a:r>
+            <a:endParaRPr lang="en-GB" dirty="0"/>
           </a:p>
         </p:txBody>
       </p:sp>
@@ -9275,7 +9365,7 @@
     </p:spTree>
     <p:extLst>
       <p:ext uri="{BB962C8B-B14F-4D97-AF65-F5344CB8AC3E}">
-        <p14:creationId xmlns:p14="http://schemas.microsoft.com/office/powerpoint/2010/main" val="3104774144"/>
+        <p14:creationId xmlns:p14="http://schemas.microsoft.com/office/powerpoint/2010/main" val="2789060151"/>
       </p:ext>
     </p:extLst>
   </p:cSld>
@@ -9329,15 +9419,29 @@
           <a:bodyPr/>
           <a:lstStyle/>
           <a:p>
+            <a:pPr marL="171450" indent="-171450">
+              <a:buFontTx/>
+              <a:buChar char="-"/>
+            </a:pPr>
             <a:r>
               <a:rPr lang="en-GB" dirty="0" smtClean="0"/>
-              <a:t>Variance</a:t>
+              <a:t>Shows that a large %</a:t>
             </a:r>
             <a:r>
               <a:rPr lang="en-GB" baseline="0" dirty="0" smtClean="0"/>
-              <a:t> &amp; SD are the key drivers in this case – the main discussion was fuelled by the graphs and each projects growth adherence to the standard deviation. </a:t>
-            </a:r>
-            <a:endParaRPr lang="en-GB" dirty="0"/>
+              <a:t> for each are not normally distributed (null hypothesis accepted if in p value)</a:t>
+            </a:r>
+          </a:p>
+          <a:p>
+            <a:pPr marL="171450" indent="-171450">
+              <a:buFontTx/>
+              <a:buChar char="-"/>
+            </a:pPr>
+            <a:r>
+              <a:rPr lang="en-GB" baseline="0" dirty="0" smtClean="0"/>
+              <a:t>Reflects OS where changes are dynamic from an ever changing user base</a:t>
+            </a:r>
+            <a:endParaRPr lang="en-GB" baseline="0" dirty="0" smtClean="0"/>
           </a:p>
         </p:txBody>
       </p:sp>
@@ -9367,7 +9471,7 @@
     </p:spTree>
     <p:extLst>
       <p:ext uri="{BB962C8B-B14F-4D97-AF65-F5344CB8AC3E}">
-        <p14:creationId xmlns:p14="http://schemas.microsoft.com/office/powerpoint/2010/main" val="1685401353"/>
+        <p14:creationId xmlns:p14="http://schemas.microsoft.com/office/powerpoint/2010/main" val="3104774144"/>
       </p:ext>
     </p:extLst>
   </p:cSld>
@@ -9421,44 +9525,13 @@
           <a:bodyPr/>
           <a:lstStyle/>
           <a:p>
-            <a:r>
-              <a:rPr lang="en-GB" dirty="0" smtClean="0"/>
-              <a:t>- While I believe the research</a:t>
-            </a:r>
-            <a:r>
-              <a:rPr lang="en-GB" baseline="0" dirty="0" smtClean="0"/>
-              <a:t> is pretty solid – its important to consider and learn from the weaknesses</a:t>
-            </a:r>
-            <a:endParaRPr lang="en-GB" dirty="0" smtClean="0"/>
-          </a:p>
-          <a:p>
             <a:pPr marL="171450" indent="-171450">
               <a:buFontTx/>
               <a:buChar char="-"/>
             </a:pPr>
             <a:r>
-              <a:rPr lang="en-GB" dirty="0" smtClean="0"/>
-              <a:t>In future work utilises</a:t>
-            </a:r>
-            <a:r>
               <a:rPr lang="en-GB" baseline="0" dirty="0" smtClean="0"/>
-              <a:t> the source code would be an excellent option – could introduce </a:t>
-            </a:r>
-            <a:r>
-              <a:rPr lang="en-GB" baseline="0" dirty="0" err="1" smtClean="0"/>
-              <a:t>mccabes</a:t>
-            </a:r>
-            <a:r>
-              <a:rPr lang="en-GB" baseline="0" dirty="0" smtClean="0"/>
-              <a:t> </a:t>
-            </a:r>
-            <a:r>
-              <a:rPr lang="en-GB" baseline="0" dirty="0" err="1" smtClean="0"/>
-              <a:t>cyclometric</a:t>
-            </a:r>
-            <a:r>
-              <a:rPr lang="en-GB" baseline="0" dirty="0" smtClean="0"/>
-              <a:t> complexity measure</a:t>
+              <a:t>Discussion focused results due to a lack of significance testing</a:t>
             </a:r>
           </a:p>
           <a:p>
@@ -9468,43 +9541,9 @@
             </a:pPr>
             <a:r>
               <a:rPr lang="en-GB" baseline="0" dirty="0" smtClean="0"/>
-              <a:t>Supplement the discussion with more full proof evidence – did use some significance tests but in some cases it was not possible.</a:t>
-            </a:r>
-          </a:p>
-          <a:p>
-            <a:pPr marL="171450" indent="-171450">
-              <a:buFontTx/>
-              <a:buChar char="-"/>
-            </a:pPr>
-            <a:r>
-              <a:rPr lang="en-GB" baseline="0" dirty="0" smtClean="0"/>
-              <a:t>It is very possible that no migrated projects lose useful metrics that show early stages of evolution</a:t>
-            </a:r>
-          </a:p>
-          <a:p>
-            <a:pPr marL="171450" indent="-171450">
-              <a:buFontTx/>
-              <a:buChar char="-"/>
-            </a:pPr>
-            <a:r>
-              <a:rPr lang="en-GB" baseline="0" dirty="0" smtClean="0"/>
-              <a:t>Some projects (</a:t>
-            </a:r>
-            <a:r>
-              <a:rPr lang="en-GB" baseline="0" dirty="0" err="1" smtClean="0"/>
-              <a:t>boostrap</a:t>
-            </a:r>
-            <a:r>
-              <a:rPr lang="en-GB" baseline="0" dirty="0" smtClean="0"/>
-              <a:t> – frequency changes) while others (ruby - low frequency of change) and the impact this has on the metric attained</a:t>
-            </a:r>
-          </a:p>
-          <a:p>
-            <a:pPr marL="171450" indent="-171450">
-              <a:buFontTx/>
-              <a:buChar char="-"/>
-            </a:pPr>
-            <a:endParaRPr lang="en-GB" baseline="0" dirty="0" smtClean="0"/>
+              <a:t>Whereas a good portion of the projects did indicate an average incremental growth rate there was enough evidence left to dispute the law</a:t>
+            </a:r>
+            <a:endParaRPr lang="en-GB" dirty="0"/>
           </a:p>
         </p:txBody>
       </p:sp>
@@ -9526,6 +9565,167 @@
             <a:fld id="{A6AC1DFC-4CBF-48D6-B22D-D4F9DE18114C}" type="slidenum">
               <a:rPr lang="en-GB" smtClean="0"/>
               <a:t>16</a:t>
+            </a:fld>
+            <a:endParaRPr lang="en-GB"/>
+          </a:p>
+        </p:txBody>
+      </p:sp>
+    </p:spTree>
+    <p:extLst>
+      <p:ext uri="{BB962C8B-B14F-4D97-AF65-F5344CB8AC3E}">
+        <p14:creationId xmlns:p14="http://schemas.microsoft.com/office/powerpoint/2010/main" val="1685401353"/>
+      </p:ext>
+    </p:extLst>
+  </p:cSld>
+  <p:clrMapOvr>
+    <a:masterClrMapping/>
+  </p:clrMapOvr>
+</p:notes>
+</file>
+
+<file path=ppt/notesSlides/notesSlide17.xml><?xml version="1.0" encoding="utf-8"?>
+<p:notes xmlns:a="http://schemas.openxmlformats.org/drawingml/2006/main" xmlns:r="http://schemas.openxmlformats.org/officeDocument/2006/relationships" xmlns:p="http://schemas.openxmlformats.org/presentationml/2006/main">
+  <p:cSld>
+    <p:spTree>
+      <p:nvGrpSpPr>
+        <p:cNvPr id="1" name=""/>
+        <p:cNvGrpSpPr/>
+        <p:nvPr/>
+      </p:nvGrpSpPr>
+      <p:grpSpPr>
+        <a:xfrm>
+          <a:off x="0" y="0"/>
+          <a:ext cx="0" cy="0"/>
+          <a:chOff x="0" y="0"/>
+          <a:chExt cx="0" cy="0"/>
+        </a:xfrm>
+      </p:grpSpPr>
+      <p:sp>
+        <p:nvSpPr>
+          <p:cNvPr id="2" name="Slide Image Placeholder 1"/>
+          <p:cNvSpPr>
+            <a:spLocks noGrp="1" noRot="1" noChangeAspect="1"/>
+          </p:cNvSpPr>
+          <p:nvPr>
+            <p:ph type="sldImg"/>
+          </p:nvPr>
+        </p:nvSpPr>
+        <p:spPr/>
+      </p:sp>
+      <p:sp>
+        <p:nvSpPr>
+          <p:cNvPr id="3" name="Notes Placeholder 2"/>
+          <p:cNvSpPr>
+            <a:spLocks noGrp="1"/>
+          </p:cNvSpPr>
+          <p:nvPr>
+            <p:ph type="body" idx="1"/>
+          </p:nvPr>
+        </p:nvSpPr>
+        <p:spPr/>
+        <p:txBody>
+          <a:bodyPr/>
+          <a:lstStyle/>
+          <a:p>
+            <a:r>
+              <a:rPr lang="en-GB" dirty="0" smtClean="0"/>
+              <a:t>- While I believe the research</a:t>
+            </a:r>
+            <a:r>
+              <a:rPr lang="en-GB" baseline="0" dirty="0" smtClean="0"/>
+              <a:t> is pretty solid – its important to consider and learn from the weaknesses</a:t>
+            </a:r>
+            <a:endParaRPr lang="en-GB" dirty="0" smtClean="0"/>
+          </a:p>
+          <a:p>
+            <a:pPr marL="171450" indent="-171450">
+              <a:buFontTx/>
+              <a:buChar char="-"/>
+            </a:pPr>
+            <a:r>
+              <a:rPr lang="en-GB" dirty="0" smtClean="0"/>
+              <a:t>In future work utilises</a:t>
+            </a:r>
+            <a:r>
+              <a:rPr lang="en-GB" baseline="0" dirty="0" smtClean="0"/>
+              <a:t> the source code would be an excellent option – could introduce </a:t>
+            </a:r>
+            <a:r>
+              <a:rPr lang="en-GB" baseline="0" dirty="0" err="1" smtClean="0"/>
+              <a:t>mccabes</a:t>
+            </a:r>
+            <a:r>
+              <a:rPr lang="en-GB" baseline="0" dirty="0" smtClean="0"/>
+              <a:t> </a:t>
+            </a:r>
+            <a:r>
+              <a:rPr lang="en-GB" baseline="0" dirty="0" err="1" smtClean="0"/>
+              <a:t>cyclometric</a:t>
+            </a:r>
+            <a:r>
+              <a:rPr lang="en-GB" baseline="0" dirty="0" smtClean="0"/>
+              <a:t> complexity measure</a:t>
+            </a:r>
+          </a:p>
+          <a:p>
+            <a:pPr marL="171450" indent="-171450">
+              <a:buFontTx/>
+              <a:buChar char="-"/>
+            </a:pPr>
+            <a:r>
+              <a:rPr lang="en-GB" baseline="0" dirty="0" smtClean="0"/>
+              <a:t>It </a:t>
+            </a:r>
+            <a:r>
+              <a:rPr lang="en-GB" baseline="0" dirty="0" smtClean="0"/>
+              <a:t>is very possible that no migrated projects lose useful metrics that show early stages of evolution</a:t>
+            </a:r>
+          </a:p>
+          <a:p>
+            <a:pPr marL="171450" indent="-171450">
+              <a:buFontTx/>
+              <a:buChar char="-"/>
+            </a:pPr>
+            <a:r>
+              <a:rPr lang="en-GB" baseline="0" dirty="0" smtClean="0"/>
+              <a:t>Some projects (</a:t>
+            </a:r>
+            <a:r>
+              <a:rPr lang="en-GB" baseline="0" dirty="0" smtClean="0"/>
+              <a:t>bootstrap </a:t>
+            </a:r>
+            <a:r>
+              <a:rPr lang="en-GB" baseline="0" dirty="0" smtClean="0"/>
+              <a:t>– frequency changes) while others (ruby - low frequency of change) and the impact this has on the metric attained</a:t>
+            </a:r>
+          </a:p>
+          <a:p>
+            <a:pPr marL="171450" indent="-171450">
+              <a:buFontTx/>
+              <a:buChar char="-"/>
+            </a:pPr>
+            <a:endParaRPr lang="en-GB" baseline="0" dirty="0" smtClean="0"/>
+          </a:p>
+        </p:txBody>
+      </p:sp>
+      <p:sp>
+        <p:nvSpPr>
+          <p:cNvPr id="4" name="Slide Number Placeholder 3"/>
+          <p:cNvSpPr>
+            <a:spLocks noGrp="1"/>
+          </p:cNvSpPr>
+          <p:nvPr>
+            <p:ph type="sldNum" sz="quarter" idx="10"/>
+          </p:nvPr>
+        </p:nvSpPr>
+        <p:spPr/>
+        <p:txBody>
+          <a:bodyPr/>
+          <a:lstStyle/>
+          <a:p>
+            <a:fld id="{A6AC1DFC-4CBF-48D6-B22D-D4F9DE18114C}" type="slidenum">
+              <a:rPr lang="en-GB" smtClean="0"/>
+              <a:t>17</a:t>
             </a:fld>
             <a:endParaRPr lang="en-GB"/>
           </a:p>
@@ -9608,18 +9808,17 @@
             </a:pPr>
             <a:r>
               <a:rPr lang="en-GB" baseline="0" dirty="0" smtClean="0"/>
-              <a:t>The GitHub API allows access to repository level data, using a large amount of projects this data will be mined</a:t>
-            </a:r>
-          </a:p>
-          <a:p>
-            <a:pPr marL="171450" indent="-171450">
-              <a:buFontTx/>
-              <a:buChar char="-"/>
-            </a:pPr>
+              <a:t>A </a:t>
+            </a:r>
             <a:r>
               <a:rPr lang="en-GB" baseline="0" dirty="0" smtClean="0"/>
-              <a:t>A work bench is build to enable this (we will see more of this in the demo)</a:t>
-            </a:r>
+              <a:t>work bench is build to enable </a:t>
+            </a:r>
+            <a:r>
+              <a:rPr lang="en-GB" baseline="0" dirty="0" smtClean="0"/>
+              <a:t>data mining/dataset generation from the API</a:t>
+            </a:r>
+            <a:endParaRPr lang="en-GB" baseline="0" dirty="0" smtClean="0"/>
           </a:p>
           <a:p>
             <a:pPr marL="171450" indent="-171450">
@@ -9824,25 +10023,19 @@
           <a:p>
             <a:r>
               <a:rPr lang="en-GB" dirty="0" smtClean="0"/>
-              <a:t>The highlighted phrases represent the key</a:t>
-            </a:r>
+              <a:t>- Highlighted key points from each law</a:t>
+            </a:r>
+            <a:endParaRPr lang="en-GB" baseline="0" dirty="0" smtClean="0"/>
+          </a:p>
+          <a:p>
+            <a:pPr marL="171450" indent="-171450">
+              <a:buFontTx/>
+              <a:buChar char="-"/>
+            </a:pPr>
             <a:r>
               <a:rPr lang="en-GB" baseline="0" dirty="0" smtClean="0"/>
-              <a:t> points from each law which I felt could be attributed to metric for analysis</a:t>
-            </a:r>
-          </a:p>
-          <a:p>
-            <a:r>
-              <a:rPr lang="en-GB" baseline="0" dirty="0" smtClean="0"/>
-              <a:t>We will see in a few slides how hypotheses were generated based on these</a:t>
-            </a:r>
-          </a:p>
-          <a:p>
-            <a:r>
-              <a:rPr lang="en-GB" baseline="0" dirty="0" smtClean="0"/>
-              <a:t>But next we will see a brief animation showing the general process of using the GitHub API</a:t>
-            </a:r>
-            <a:endParaRPr lang="en-GB" dirty="0"/>
+              <a:t>Hypothesis generation is generally built from these</a:t>
+            </a:r>
           </a:p>
         </p:txBody>
       </p:sp>
@@ -9926,36 +10119,50 @@
           <a:bodyPr/>
           <a:lstStyle/>
           <a:p>
+            <a:pPr marL="228600" indent="-228600">
+              <a:buAutoNum type="arabicParenR"/>
+            </a:pPr>
             <a:r>
               <a:rPr lang="en-GB" dirty="0" smtClean="0"/>
-              <a:t>Initially we select the URL of the repository</a:t>
+              <a:t>Project</a:t>
             </a:r>
             <a:r>
               <a:rPr lang="en-GB" baseline="0" dirty="0" smtClean="0"/>
-              <a:t> and feed it into the work bench (bulk or not) – using Ajax we can form a HTTP request</a:t>
-            </a:r>
-          </a:p>
-          <a:p>
-            <a:r>
-              <a:rPr lang="en-GB" dirty="0" smtClean="0"/>
-              <a:t>Depending</a:t>
-            </a:r>
+              <a:t> demo reflects this</a:t>
+            </a:r>
+          </a:p>
+          <a:p>
+            <a:pPr marL="228600" indent="-228600">
+              <a:buAutoNum type="arabicParenR"/>
+            </a:pPr>
             <a:r>
               <a:rPr lang="en-GB" baseline="0" dirty="0" smtClean="0"/>
-              <a:t> on how the URL is formed – we can target any possible metric</a:t>
-            </a:r>
-          </a:p>
-          <a:p>
+              <a:t>NA</a:t>
+            </a:r>
+          </a:p>
+          <a:p>
+            <a:pPr marL="228600" indent="-228600">
+              <a:buAutoNum type="arabicParenR"/>
+            </a:pPr>
             <a:r>
               <a:rPr lang="en-GB" baseline="0" dirty="0" smtClean="0"/>
-              <a:t>The API returns the data in JSON format – the structure of which varies whether using the stat API or traditional approach.</a:t>
-            </a:r>
-          </a:p>
-          <a:p>
+              <a:t>Multiple potential directions to take the research – project health (machine learning clustering)</a:t>
+            </a:r>
+          </a:p>
+          <a:p>
+            <a:pPr marL="228600" indent="-228600">
+              <a:buAutoNum type="arabicParenR"/>
+            </a:pPr>
             <a:r>
               <a:rPr lang="en-GB" baseline="0" dirty="0" smtClean="0"/>
-              <a:t>The workbench can then parse the data and essentially do what we want with it.</a:t>
-            </a:r>
+              <a:t>Largest source of code in the world</a:t>
+            </a:r>
+            <a:endParaRPr lang="en-GB" dirty="0" smtClean="0"/>
+          </a:p>
+          <a:p>
+            <a:pPr marL="228600" indent="-228600">
+              <a:buAutoNum type="arabicParenR"/>
+            </a:pPr>
             <a:endParaRPr lang="en-GB" dirty="0"/>
           </a:p>
         </p:txBody>
@@ -9986,7 +10193,7 @@
     </p:spTree>
     <p:extLst>
       <p:ext uri="{BB962C8B-B14F-4D97-AF65-F5344CB8AC3E}">
-        <p14:creationId xmlns:p14="http://schemas.microsoft.com/office/powerpoint/2010/main" val="3256922775"/>
+        <p14:creationId xmlns:p14="http://schemas.microsoft.com/office/powerpoint/2010/main" val="46476208"/>
       </p:ext>
     </p:extLst>
   </p:cSld>
@@ -10040,29 +10247,56 @@
           <a:bodyPr/>
           <a:lstStyle/>
           <a:p>
+            <a:pPr marL="171450" indent="-171450">
+              <a:buFontTx/>
+              <a:buChar char="-"/>
+            </a:pPr>
+            <a:r>
+              <a:rPr lang="en-GB" dirty="0" smtClean="0"/>
+              <a:t>Input a set of URL – form HTTP request using Ajax – run in bulk</a:t>
+            </a:r>
+          </a:p>
+          <a:p>
+            <a:pPr marL="171450" indent="-171450">
+              <a:buFontTx/>
+              <a:buChar char="-"/>
+            </a:pPr>
             <a:r>
               <a:rPr lang="en-GB" dirty="0" smtClean="0"/>
               <a:t>The</a:t>
             </a:r>
             <a:r>
               <a:rPr lang="en-GB" baseline="0" dirty="0" smtClean="0"/>
-              <a:t> API provides a wide range of information about a project – each of these are listed in the table</a:t>
-            </a:r>
-          </a:p>
-          <a:p>
+              <a:t> URL structure determines what metrics we attain</a:t>
+            </a:r>
+          </a:p>
+          <a:p>
+            <a:pPr marL="171450" indent="-171450">
+              <a:buFontTx/>
+              <a:buChar char="-"/>
+            </a:pPr>
+            <a:r>
+              <a:rPr lang="en-GB" baseline="0" dirty="0" err="1" smtClean="0"/>
+              <a:t>Json</a:t>
+            </a:r>
             <a:r>
               <a:rPr lang="en-GB" baseline="0" dirty="0" smtClean="0"/>
-              <a:t>It became crucial to identify metrics that represent the intent behind each of Lehman’s laws &amp; then attach to hypothesis for quantitative analysis</a:t>
-            </a:r>
-          </a:p>
-          <a:p>
+              <a:t> Format – structure of which varies depending on whether stat API</a:t>
+            </a:r>
+          </a:p>
+          <a:p>
+            <a:pPr marL="171450" indent="-171450">
+              <a:buFontTx/>
+              <a:buChar char="-"/>
+            </a:pPr>
             <a:r>
               <a:rPr lang="en-GB" baseline="0" dirty="0" smtClean="0"/>
-              <a:t>The metrics selected are in bold and underlined and these will be the back bone of the research result acquisition. </a:t>
-            </a:r>
-          </a:p>
-          <a:p>
-            <a:endParaRPr lang="en-GB" dirty="0"/>
+              <a:t>Work bench can then parse, store data as required.</a:t>
+            </a:r>
+            <a:endParaRPr lang="en-GB" dirty="0" smtClean="0"/>
+          </a:p>
+          <a:p>
+            <a:endParaRPr lang="en-GB" dirty="0" smtClean="0"/>
           </a:p>
         </p:txBody>
       </p:sp>
@@ -10092,7 +10326,7 @@
     </p:spTree>
     <p:extLst>
       <p:ext uri="{BB962C8B-B14F-4D97-AF65-F5344CB8AC3E}">
-        <p14:creationId xmlns:p14="http://schemas.microsoft.com/office/powerpoint/2010/main" val="3303901603"/>
+        <p14:creationId xmlns:p14="http://schemas.microsoft.com/office/powerpoint/2010/main" val="3256922775"/>
       </p:ext>
     </p:extLst>
   </p:cSld>
@@ -10146,15 +10380,38 @@
           <a:bodyPr/>
           <a:lstStyle/>
           <a:p>
-            <a:r>
-              <a:rPr lang="en-GB" dirty="0" smtClean="0"/>
-              <a:t>Law 1 and</a:t>
-            </a:r>
+            <a:pPr marL="171450" indent="-171450">
+              <a:buFontTx/>
+              <a:buChar char="-"/>
+            </a:pPr>
             <a:r>
               <a:rPr lang="en-GB" baseline="0" dirty="0" smtClean="0"/>
-              <a:t> 6 are grouped together, based upon the key words it is clear these both have similar foundations – attached to these are commits and stargazers which reflect the keywords as well</a:t>
+              <a:t>Metrics that can be gathered from the API</a:t>
+            </a:r>
+          </a:p>
+          <a:p>
+            <a:pPr marL="171450" indent="-171450">
+              <a:buFontTx/>
+              <a:buChar char="-"/>
+            </a:pPr>
+            <a:r>
+              <a:rPr lang="en-GB" baseline="0" dirty="0" smtClean="0"/>
+              <a:t>This study involved selecting metrics that reflected each law</a:t>
+            </a:r>
+          </a:p>
+          <a:p>
+            <a:pPr marL="171450" indent="-171450">
+              <a:buFontTx/>
+              <a:buChar char="-"/>
+            </a:pPr>
+            <a:r>
+              <a:rPr lang="en-GB" baseline="0" dirty="0" smtClean="0"/>
+              <a:t>In bold are those which were selected to form hypothesis</a:t>
             </a:r>
             <a:endParaRPr lang="en-GB" dirty="0" smtClean="0"/>
+          </a:p>
+          <a:p>
+            <a:endParaRPr lang="en-GB" baseline="0" dirty="0" smtClean="0"/>
           </a:p>
         </p:txBody>
       </p:sp>
@@ -10184,7 +10441,7 @@
     </p:spTree>
     <p:extLst>
       <p:ext uri="{BB962C8B-B14F-4D97-AF65-F5344CB8AC3E}">
-        <p14:creationId xmlns:p14="http://schemas.microsoft.com/office/powerpoint/2010/main" val="1641007625"/>
+        <p14:creationId xmlns:p14="http://schemas.microsoft.com/office/powerpoint/2010/main" val="3303901603"/>
       </p:ext>
     </p:extLst>
   </p:cSld>
@@ -10238,68 +10495,29 @@
           <a:bodyPr/>
           <a:lstStyle/>
           <a:p>
+            <a:pPr marL="171450" indent="-171450">
+              <a:buFontTx/>
+              <a:buChar char="-"/>
+            </a:pPr>
             <a:r>
               <a:rPr lang="en-GB" dirty="0" smtClean="0"/>
-              <a:t>Growth rate – The</a:t>
+              <a:t>Comment</a:t>
             </a:r>
             <a:r>
               <a:rPr lang="en-GB" baseline="0" dirty="0" smtClean="0"/>
-              <a:t> first equation simply calculates the average growth from two points in a series</a:t>
-            </a:r>
-          </a:p>
-          <a:p>
+              <a:t> on table</a:t>
+            </a:r>
+          </a:p>
+          <a:p>
+            <a:pPr marL="171450" indent="-171450">
+              <a:buFontTx/>
+              <a:buChar char="-"/>
+            </a:pPr>
             <a:r>
               <a:rPr lang="en-GB" baseline="0" dirty="0" smtClean="0"/>
-              <a:t>                     - The second rather focuses on the overall growth between the two points</a:t>
-            </a:r>
-          </a:p>
-          <a:p>
-            <a:r>
-              <a:rPr lang="en-GB" baseline="0" dirty="0" smtClean="0"/>
-              <a:t>                     - both very useful in the case of LOC</a:t>
-            </a:r>
-          </a:p>
-          <a:p>
-            <a:endParaRPr lang="en-GB" baseline="0" dirty="0" smtClean="0"/>
-          </a:p>
-          <a:p>
-            <a:r>
-              <a:rPr lang="en-GB" baseline="0" dirty="0" smtClean="0"/>
-              <a:t>Shapiro </a:t>
-            </a:r>
-            <a:r>
-              <a:rPr lang="en-GB" baseline="0" dirty="0" err="1" smtClean="0"/>
-              <a:t>wilks</a:t>
-            </a:r>
-            <a:r>
-              <a:rPr lang="en-GB" baseline="0" dirty="0" smtClean="0"/>
-              <a:t> – A test to determine the normality of a vectors data – captures HP3 perfectly </a:t>
-            </a:r>
-          </a:p>
-          <a:p>
-            <a:r>
-              <a:rPr lang="en-GB" baseline="0" dirty="0" smtClean="0"/>
-              <a:t>Variance &amp; SD – both utilised in tandem for HP4 alongside growth rate to attempt to quantify and measure an invariant growth rate</a:t>
-            </a:r>
-          </a:p>
-          <a:p>
-            <a:r>
-              <a:rPr lang="en-GB" baseline="0" dirty="0" smtClean="0"/>
-              <a:t>Cross correlation – Allows application of a lag interval between </a:t>
-            </a:r>
-            <a:r>
-              <a:rPr lang="en-GB" baseline="0" smtClean="0"/>
-              <a:t>two </a:t>
-            </a:r>
-            <a:r>
-              <a:rPr lang="en-GB" baseline="0" smtClean="0"/>
-              <a:t>time series </a:t>
-            </a:r>
-            <a:r>
-              <a:rPr lang="en-GB" baseline="0" dirty="0" smtClean="0"/>
-              <a:t>– to measure if say commit from two weeks prior has an impact on stargazers in the present</a:t>
-            </a:r>
-            <a:endParaRPr lang="en-GB" dirty="0"/>
+              <a:t>Law 1 and 6 are grouped, intent behind each is similar</a:t>
+            </a:r>
+            <a:endParaRPr lang="en-GB" dirty="0" smtClean="0"/>
           </a:p>
         </p:txBody>
       </p:sp>
@@ -10329,7 +10547,7 @@
     </p:spTree>
     <p:extLst>
       <p:ext uri="{BB962C8B-B14F-4D97-AF65-F5344CB8AC3E}">
-        <p14:creationId xmlns:p14="http://schemas.microsoft.com/office/powerpoint/2010/main" val="181309256"/>
+        <p14:creationId xmlns:p14="http://schemas.microsoft.com/office/powerpoint/2010/main" val="1641007625"/>
       </p:ext>
     </p:extLst>
   </p:cSld>
@@ -10383,27 +10601,48 @@
           <a:bodyPr/>
           <a:lstStyle/>
           <a:p>
+            <a:pPr marL="228600" indent="-228600">
+              <a:buAutoNum type="arabicParenR"/>
+            </a:pPr>
             <a:r>
               <a:rPr lang="en-GB" dirty="0" smtClean="0"/>
-              <a:t>Novelty</a:t>
+              <a:t>Outputs</a:t>
             </a:r>
             <a:r>
               <a:rPr lang="en-GB" baseline="0" dirty="0" smtClean="0"/>
-              <a:t> over other studies includes the multi project focus – so that’s a big plus</a:t>
-            </a:r>
-          </a:p>
-          <a:p>
+              <a:t> a percentage – average growth rate – overall between two positions – ideal for LOC</a:t>
+            </a:r>
+          </a:p>
+          <a:p>
+            <a:pPr marL="228600" indent="-228600">
+              <a:buAutoNum type="arabicParenR"/>
+            </a:pPr>
             <a:r>
               <a:rPr lang="en-GB" baseline="0" dirty="0" smtClean="0"/>
-              <a:t>An age requirement was enforced A) software evolution requires a time frame which enables evolution B) we will be trimming the first six months to account for migration to GitHub</a:t>
-            </a:r>
-          </a:p>
-          <a:p>
+              <a:t>Test of normality – perfectly captured HP3</a:t>
+            </a:r>
+          </a:p>
+          <a:p>
+            <a:pPr marL="228600" indent="-228600">
+              <a:buAutoNum type="arabicParenR"/>
+            </a:pPr>
             <a:r>
               <a:rPr lang="en-GB" baseline="0" dirty="0" smtClean="0"/>
-              <a:t>Finally the two hundred projects will be halved to 100 hundred to account for the significant time it takes to mine the dataset.</a:t>
-            </a:r>
-            <a:endParaRPr lang="en-GB" dirty="0"/>
+              <a:t>HP4 to help generate discussion on an average activity rate</a:t>
+            </a:r>
+          </a:p>
+          <a:p>
+            <a:pPr marL="228600" indent="-228600">
+              <a:buAutoNum type="arabicParenR"/>
+            </a:pPr>
+            <a:r>
+              <a:rPr lang="en-GB" baseline="0" dirty="0" smtClean="0"/>
+              <a:t>Allows a lag interval application to a set of time series – example to see if commits lead or lag stargazers</a:t>
+            </a:r>
+            <a:endParaRPr lang="en-GB" dirty="0" smtClean="0"/>
+          </a:p>
+          <a:p>
+            <a:endParaRPr lang="en-GB" dirty="0" smtClean="0"/>
           </a:p>
         </p:txBody>
       </p:sp>
@@ -10433,7 +10672,7 @@
     </p:spTree>
     <p:extLst>
       <p:ext uri="{BB962C8B-B14F-4D97-AF65-F5344CB8AC3E}">
-        <p14:creationId xmlns:p14="http://schemas.microsoft.com/office/powerpoint/2010/main" val="2636915573"/>
+        <p14:creationId xmlns:p14="http://schemas.microsoft.com/office/powerpoint/2010/main" val="181309256"/>
       </p:ext>
     </p:extLst>
   </p:cSld>
@@ -10626,7 +10865,7 @@
           <a:p>
             <a:fld id="{4AAD347D-5ACD-4C99-B74B-A9C85AD731AF}" type="datetimeFigureOut">
               <a:rPr lang="en-US" dirty="0"/>
-              <a:t>4/12/2016</a:t>
+              <a:t>5/8/2016</a:t>
             </a:fld>
             <a:endParaRPr lang="en-US" dirty="0"/>
           </a:p>
@@ -10908,7 +11147,7 @@
           <a:p>
             <a:fld id="{4509A250-FF31-4206-8172-F9D3106AACB1}" type="datetimeFigureOut">
               <a:rPr lang="en-US" dirty="0"/>
-              <a:t>4/12/2016</a:t>
+              <a:t>5/8/2016</a:t>
             </a:fld>
             <a:endParaRPr lang="en-US" dirty="0"/>
           </a:p>
@@ -11109,7 +11348,7 @@
           <a:p>
             <a:fld id="{4509A250-FF31-4206-8172-F9D3106AACB1}" type="datetimeFigureOut">
               <a:rPr lang="en-US" dirty="0"/>
-              <a:t>4/12/2016</a:t>
+              <a:t>5/8/2016</a:t>
             </a:fld>
             <a:endParaRPr lang="en-US" dirty="0"/>
           </a:p>
@@ -11384,7 +11623,7 @@
           <a:p>
             <a:fld id="{4509A250-FF31-4206-8172-F9D3106AACB1}" type="datetimeFigureOut">
               <a:rPr lang="en-US" dirty="0"/>
-              <a:t>4/12/2016</a:t>
+              <a:t>5/8/2016</a:t>
             </a:fld>
             <a:endParaRPr lang="en-US" dirty="0"/>
           </a:p>
@@ -11723,7 +11962,7 @@
           <a:p>
             <a:fld id="{4509A250-FF31-4206-8172-F9D3106AACB1}" type="datetimeFigureOut">
               <a:rPr lang="en-US" dirty="0"/>
-              <a:t>4/12/2016</a:t>
+              <a:t>5/8/2016</a:t>
             </a:fld>
             <a:endParaRPr lang="en-US" dirty="0"/>
           </a:p>
@@ -12340,7 +12579,7 @@
           <a:p>
             <a:fld id="{4509A250-FF31-4206-8172-F9D3106AACB1}" type="datetimeFigureOut">
               <a:rPr lang="en-US" dirty="0"/>
-              <a:t>4/12/2016</a:t>
+              <a:t>5/8/2016</a:t>
             </a:fld>
             <a:endParaRPr lang="en-US" dirty="0"/>
           </a:p>
@@ -13194,7 +13433,7 @@
           <a:p>
             <a:fld id="{4509A250-FF31-4206-8172-F9D3106AACB1}" type="datetimeFigureOut">
               <a:rPr lang="en-US" dirty="0"/>
-              <a:t>4/12/2016</a:t>
+              <a:t>5/8/2016</a:t>
             </a:fld>
             <a:endParaRPr lang="en-US" dirty="0"/>
           </a:p>
@@ -13371,7 +13610,7 @@
           <a:p>
             <a:fld id="{4509A250-FF31-4206-8172-F9D3106AACB1}" type="datetimeFigureOut">
               <a:rPr lang="en-US" dirty="0"/>
-              <a:t>4/12/2016</a:t>
+              <a:t>5/8/2016</a:t>
             </a:fld>
             <a:endParaRPr lang="en-US" dirty="0"/>
           </a:p>
@@ -13558,7 +13797,7 @@
           <a:p>
             <a:fld id="{4509A250-FF31-4206-8172-F9D3106AACB1}" type="datetimeFigureOut">
               <a:rPr lang="en-US" dirty="0"/>
-              <a:t>4/12/2016</a:t>
+              <a:t>5/8/2016</a:t>
             </a:fld>
             <a:endParaRPr lang="en-US" dirty="0"/>
           </a:p>
@@ -13735,7 +13974,7 @@
           <a:p>
             <a:fld id="{4509A250-FF31-4206-8172-F9D3106AACB1}" type="datetimeFigureOut">
               <a:rPr lang="en-US" dirty="0"/>
-              <a:t>4/12/2016</a:t>
+              <a:t>5/8/2016</a:t>
             </a:fld>
             <a:endParaRPr lang="en-US" dirty="0"/>
           </a:p>
@@ -13986,7 +14225,7 @@
           <a:p>
             <a:fld id="{4509A250-FF31-4206-8172-F9D3106AACB1}" type="datetimeFigureOut">
               <a:rPr lang="en-US" dirty="0"/>
-              <a:t>4/12/2016</a:t>
+              <a:t>5/8/2016</a:t>
             </a:fld>
             <a:endParaRPr lang="en-US" dirty="0"/>
           </a:p>
@@ -14285,7 +14524,7 @@
           <a:p>
             <a:fld id="{4509A250-FF31-4206-8172-F9D3106AACB1}" type="datetimeFigureOut">
               <a:rPr lang="en-US" dirty="0"/>
-              <a:t>4/12/2016</a:t>
+              <a:t>5/8/2016</a:t>
             </a:fld>
             <a:endParaRPr lang="en-US" dirty="0"/>
           </a:p>
@@ -14730,7 +14969,7 @@
           <a:p>
             <a:fld id="{4509A250-FF31-4206-8172-F9D3106AACB1}" type="datetimeFigureOut">
               <a:rPr lang="en-US" dirty="0"/>
-              <a:t>4/12/2016</a:t>
+              <a:t>5/8/2016</a:t>
             </a:fld>
             <a:endParaRPr lang="en-US" dirty="0"/>
           </a:p>
@@ -14855,7 +15094,7 @@
           <a:p>
             <a:fld id="{4509A250-FF31-4206-8172-F9D3106AACB1}" type="datetimeFigureOut">
               <a:rPr lang="en-US" dirty="0"/>
-              <a:t>4/12/2016</a:t>
+              <a:t>5/8/2016</a:t>
             </a:fld>
             <a:endParaRPr lang="en-US" dirty="0"/>
           </a:p>
@@ -14957,7 +15196,7 @@
           <a:p>
             <a:fld id="{4509A250-FF31-4206-8172-F9D3106AACB1}" type="datetimeFigureOut">
               <a:rPr lang="en-US" dirty="0"/>
-              <a:t>4/12/2016</a:t>
+              <a:t>5/8/2016</a:t>
             </a:fld>
             <a:endParaRPr lang="en-US" dirty="0"/>
           </a:p>
@@ -15243,7 +15482,7 @@
           <a:p>
             <a:fld id="{4509A250-FF31-4206-8172-F9D3106AACB1}" type="datetimeFigureOut">
               <a:rPr lang="en-US" dirty="0"/>
-              <a:t>4/12/2016</a:t>
+              <a:t>5/8/2016</a:t>
             </a:fld>
             <a:endParaRPr lang="en-US" dirty="0"/>
           </a:p>
@@ -15525,7 +15764,7 @@
           <a:p>
             <a:fld id="{4509A250-FF31-4206-8172-F9D3106AACB1}" type="datetimeFigureOut">
               <a:rPr lang="en-US" dirty="0"/>
-              <a:t>4/12/2016</a:t>
+              <a:t>5/8/2016</a:t>
             </a:fld>
             <a:endParaRPr lang="en-US" dirty="0"/>
           </a:p>
@@ -15961,7 +16200,7 @@
           <a:p>
             <a:fld id="{4509A250-FF31-4206-8172-F9D3106AACB1}" type="datetimeFigureOut">
               <a:rPr lang="en-US" dirty="0"/>
-              <a:t>4/12/2016</a:t>
+              <a:t>5/8/2016</a:t>
             </a:fld>
             <a:endParaRPr lang="en-US" dirty="0"/>
           </a:p>
@@ -16585,6 +16824,923 @@
         <p:spPr>
           <a:xfrm>
             <a:off x="646111" y="452718"/>
+            <a:ext cx="9404723" cy="798112"/>
+          </a:xfrm>
+        </p:spPr>
+        <p:txBody>
+          <a:bodyPr/>
+          <a:lstStyle/>
+          <a:p>
+            <a:r>
+              <a:rPr lang="en-GB" dirty="0" smtClean="0"/>
+              <a:t>Project Selection</a:t>
+            </a:r>
+            <a:endParaRPr lang="en-GB" dirty="0"/>
+          </a:p>
+        </p:txBody>
+      </p:sp>
+      <p:sp>
+        <p:nvSpPr>
+          <p:cNvPr id="4" name="TextBox 3"/>
+          <p:cNvSpPr txBox="1"/>
+          <p:nvPr/>
+        </p:nvSpPr>
+        <p:spPr>
+          <a:xfrm>
+            <a:off x="2868377" y="1397479"/>
+            <a:ext cx="4960189" cy="369332"/>
+          </a:xfrm>
+          <a:prstGeom prst="rect">
+            <a:avLst/>
+          </a:prstGeom>
+          <a:noFill/>
+          <a:ln w="28575">
+            <a:solidFill>
+              <a:schemeClr val="accent1"/>
+            </a:solidFill>
+          </a:ln>
+        </p:spPr>
+        <p:txBody>
+          <a:bodyPr wrap="square" rtlCol="0">
+            <a:spAutoFit/>
+          </a:bodyPr>
+          <a:lstStyle/>
+          <a:p>
+            <a:pPr algn="ctr"/>
+            <a:r>
+              <a:rPr lang="en-GB" dirty="0" smtClean="0"/>
+              <a:t>Identify the ten most popular Languages</a:t>
+            </a:r>
+            <a:endParaRPr lang="en-GB" dirty="0"/>
+          </a:p>
+        </p:txBody>
+      </p:sp>
+      <p:sp>
+        <p:nvSpPr>
+          <p:cNvPr id="24" name="Down Arrow 23"/>
+          <p:cNvSpPr/>
+          <p:nvPr/>
+        </p:nvSpPr>
+        <p:spPr>
+          <a:xfrm>
+            <a:off x="5141346" y="3008365"/>
+            <a:ext cx="414068" cy="586596"/>
+          </a:xfrm>
+          <a:prstGeom prst="downArrow">
+            <a:avLst/>
+          </a:prstGeom>
+          <a:ln>
+            <a:noFill/>
+          </a:ln>
+        </p:spPr>
+        <p:style>
+          <a:lnRef idx="2">
+            <a:schemeClr val="accent1">
+              <a:shade val="50000"/>
+            </a:schemeClr>
+          </a:lnRef>
+          <a:fillRef idx="1">
+            <a:schemeClr val="accent1"/>
+          </a:fillRef>
+          <a:effectRef idx="0">
+            <a:schemeClr val="accent1"/>
+          </a:effectRef>
+          <a:fontRef idx="minor">
+            <a:schemeClr val="lt1"/>
+          </a:fontRef>
+        </p:style>
+        <p:txBody>
+          <a:bodyPr rtlCol="0" anchor="ctr"/>
+          <a:lstStyle/>
+          <a:p>
+            <a:pPr algn="ctr"/>
+            <a:endParaRPr lang="en-GB"/>
+          </a:p>
+        </p:txBody>
+      </p:sp>
+      <p:sp>
+        <p:nvSpPr>
+          <p:cNvPr id="25" name="TextBox 24"/>
+          <p:cNvSpPr txBox="1"/>
+          <p:nvPr/>
+        </p:nvSpPr>
+        <p:spPr>
+          <a:xfrm>
+            <a:off x="2868286" y="2355011"/>
+            <a:ext cx="4960189" cy="646331"/>
+          </a:xfrm>
+          <a:prstGeom prst="rect">
+            <a:avLst/>
+          </a:prstGeom>
+          <a:noFill/>
+          <a:ln w="28575">
+            <a:solidFill>
+              <a:schemeClr val="accent1"/>
+            </a:solidFill>
+          </a:ln>
+        </p:spPr>
+        <p:txBody>
+          <a:bodyPr wrap="square" rtlCol="0">
+            <a:spAutoFit/>
+          </a:bodyPr>
+          <a:lstStyle/>
+          <a:p>
+            <a:pPr algn="ctr"/>
+            <a:r>
+              <a:rPr lang="en-GB" dirty="0" smtClean="0"/>
+              <a:t>Search each language for the most popular project - #stars</a:t>
+            </a:r>
+            <a:endParaRPr lang="en-GB" dirty="0"/>
+          </a:p>
+        </p:txBody>
+      </p:sp>
+      <p:sp>
+        <p:nvSpPr>
+          <p:cNvPr id="26" name="Down Arrow 25"/>
+          <p:cNvSpPr/>
+          <p:nvPr/>
+        </p:nvSpPr>
+        <p:spPr>
+          <a:xfrm>
+            <a:off x="5141346" y="1765208"/>
+            <a:ext cx="414068" cy="586596"/>
+          </a:xfrm>
+          <a:prstGeom prst="downArrow">
+            <a:avLst/>
+          </a:prstGeom>
+          <a:ln>
+            <a:noFill/>
+          </a:ln>
+        </p:spPr>
+        <p:style>
+          <a:lnRef idx="2">
+            <a:schemeClr val="accent1">
+              <a:shade val="50000"/>
+            </a:schemeClr>
+          </a:lnRef>
+          <a:fillRef idx="1">
+            <a:schemeClr val="accent1"/>
+          </a:fillRef>
+          <a:effectRef idx="0">
+            <a:schemeClr val="accent1"/>
+          </a:effectRef>
+          <a:fontRef idx="minor">
+            <a:schemeClr val="lt1"/>
+          </a:fontRef>
+        </p:style>
+        <p:txBody>
+          <a:bodyPr rtlCol="0" anchor="ctr"/>
+          <a:lstStyle/>
+          <a:p>
+            <a:pPr algn="ctr"/>
+            <a:endParaRPr lang="en-GB"/>
+          </a:p>
+        </p:txBody>
+      </p:sp>
+      <p:sp>
+        <p:nvSpPr>
+          <p:cNvPr id="27" name="TextBox 26"/>
+          <p:cNvSpPr txBox="1"/>
+          <p:nvPr/>
+        </p:nvSpPr>
+        <p:spPr>
+          <a:xfrm>
+            <a:off x="2868286" y="3619236"/>
+            <a:ext cx="4960189" cy="369332"/>
+          </a:xfrm>
+          <a:prstGeom prst="rect">
+            <a:avLst/>
+          </a:prstGeom>
+          <a:noFill/>
+          <a:ln w="28575">
+            <a:solidFill>
+              <a:schemeClr val="accent1"/>
+            </a:solidFill>
+          </a:ln>
+        </p:spPr>
+        <p:txBody>
+          <a:bodyPr wrap="square" rtlCol="0">
+            <a:spAutoFit/>
+          </a:bodyPr>
+          <a:lstStyle/>
+          <a:p>
+            <a:pPr algn="ctr"/>
+            <a:r>
+              <a:rPr lang="en-GB" dirty="0" smtClean="0"/>
+              <a:t>Is the project &gt;= five years old?</a:t>
+            </a:r>
+            <a:endParaRPr lang="en-GB" dirty="0"/>
+          </a:p>
+        </p:txBody>
+      </p:sp>
+      <p:sp>
+        <p:nvSpPr>
+          <p:cNvPr id="28" name="Down Arrow 27"/>
+          <p:cNvSpPr/>
+          <p:nvPr/>
+        </p:nvSpPr>
+        <p:spPr>
+          <a:xfrm>
+            <a:off x="5141346" y="3995591"/>
+            <a:ext cx="414068" cy="586596"/>
+          </a:xfrm>
+          <a:prstGeom prst="downArrow">
+            <a:avLst/>
+          </a:prstGeom>
+          <a:ln>
+            <a:noFill/>
+          </a:ln>
+        </p:spPr>
+        <p:style>
+          <a:lnRef idx="2">
+            <a:schemeClr val="accent1">
+              <a:shade val="50000"/>
+            </a:schemeClr>
+          </a:lnRef>
+          <a:fillRef idx="1">
+            <a:schemeClr val="accent1"/>
+          </a:fillRef>
+          <a:effectRef idx="0">
+            <a:schemeClr val="accent1"/>
+          </a:effectRef>
+          <a:fontRef idx="minor">
+            <a:schemeClr val="lt1"/>
+          </a:fontRef>
+        </p:style>
+        <p:txBody>
+          <a:bodyPr rtlCol="0" anchor="ctr"/>
+          <a:lstStyle/>
+          <a:p>
+            <a:pPr algn="ctr"/>
+            <a:endParaRPr lang="en-GB"/>
+          </a:p>
+        </p:txBody>
+      </p:sp>
+      <p:sp>
+        <p:nvSpPr>
+          <p:cNvPr id="29" name="TextBox 28"/>
+          <p:cNvSpPr txBox="1"/>
+          <p:nvPr/>
+        </p:nvSpPr>
+        <p:spPr>
+          <a:xfrm>
+            <a:off x="2868286" y="4606462"/>
+            <a:ext cx="4960189" cy="369332"/>
+          </a:xfrm>
+          <a:prstGeom prst="rect">
+            <a:avLst/>
+          </a:prstGeom>
+          <a:noFill/>
+          <a:ln w="28575">
+            <a:solidFill>
+              <a:schemeClr val="accent1"/>
+            </a:solidFill>
+          </a:ln>
+        </p:spPr>
+        <p:txBody>
+          <a:bodyPr wrap="square" rtlCol="0">
+            <a:spAutoFit/>
+          </a:bodyPr>
+          <a:lstStyle/>
+          <a:p>
+            <a:pPr algn="ctr"/>
+            <a:r>
+              <a:rPr lang="en-GB" dirty="0" smtClean="0"/>
+              <a:t>Add the project to the pool for analysis</a:t>
+            </a:r>
+            <a:endParaRPr lang="en-GB" dirty="0"/>
+          </a:p>
+        </p:txBody>
+      </p:sp>
+      <p:sp>
+        <p:nvSpPr>
+          <p:cNvPr id="30" name="Down Arrow 29"/>
+          <p:cNvSpPr/>
+          <p:nvPr/>
+        </p:nvSpPr>
+        <p:spPr>
+          <a:xfrm>
+            <a:off x="5141346" y="4975794"/>
+            <a:ext cx="414068" cy="586596"/>
+          </a:xfrm>
+          <a:prstGeom prst="downArrow">
+            <a:avLst/>
+          </a:prstGeom>
+          <a:ln>
+            <a:noFill/>
+          </a:ln>
+        </p:spPr>
+        <p:style>
+          <a:lnRef idx="2">
+            <a:schemeClr val="accent1">
+              <a:shade val="50000"/>
+            </a:schemeClr>
+          </a:lnRef>
+          <a:fillRef idx="1">
+            <a:schemeClr val="accent1"/>
+          </a:fillRef>
+          <a:effectRef idx="0">
+            <a:schemeClr val="accent1"/>
+          </a:effectRef>
+          <a:fontRef idx="minor">
+            <a:schemeClr val="lt1"/>
+          </a:fontRef>
+        </p:style>
+        <p:txBody>
+          <a:bodyPr rtlCol="0" anchor="ctr"/>
+          <a:lstStyle/>
+          <a:p>
+            <a:pPr algn="ctr"/>
+            <a:endParaRPr lang="en-GB"/>
+          </a:p>
+        </p:txBody>
+      </p:sp>
+      <p:sp>
+        <p:nvSpPr>
+          <p:cNvPr id="31" name="TextBox 30"/>
+          <p:cNvSpPr txBox="1"/>
+          <p:nvPr/>
+        </p:nvSpPr>
+        <p:spPr>
+          <a:xfrm>
+            <a:off x="2868285" y="5562390"/>
+            <a:ext cx="4960189" cy="646331"/>
+          </a:xfrm>
+          <a:prstGeom prst="rect">
+            <a:avLst/>
+          </a:prstGeom>
+          <a:noFill/>
+          <a:ln w="28575">
+            <a:solidFill>
+              <a:schemeClr val="accent1"/>
+            </a:solidFill>
+          </a:ln>
+        </p:spPr>
+        <p:txBody>
+          <a:bodyPr wrap="square" rtlCol="0">
+            <a:spAutoFit/>
+          </a:bodyPr>
+          <a:lstStyle/>
+          <a:p>
+            <a:pPr algn="ctr"/>
+            <a:r>
+              <a:rPr lang="en-GB" dirty="0" smtClean="0"/>
+              <a:t>Repeat until twenty projects are selected for each language</a:t>
+            </a:r>
+            <a:endParaRPr lang="en-GB" dirty="0"/>
+          </a:p>
+        </p:txBody>
+      </p:sp>
+    </p:spTree>
+    <p:extLst>
+      <p:ext uri="{BB962C8B-B14F-4D97-AF65-F5344CB8AC3E}">
+        <p14:creationId xmlns:p14="http://schemas.microsoft.com/office/powerpoint/2010/main" val="3961054918"/>
+      </p:ext>
+    </p:extLst>
+  </p:cSld>
+  <p:clrMapOvr>
+    <a:masterClrMapping/>
+  </p:clrMapOvr>
+  <mc:AlternateContent xmlns:mc="http://schemas.openxmlformats.org/markup-compatibility/2006" xmlns:p14="http://schemas.microsoft.com/office/powerpoint/2010/main">
+    <mc:Choice Requires="p14">
+      <p:transition spd="slow" p14:dur="1500">
+        <p14:reveal/>
+      </p:transition>
+    </mc:Choice>
+    <mc:Fallback xmlns="">
+      <p:transition spd="slow">
+        <p:fade/>
+      </p:transition>
+    </mc:Fallback>
+  </mc:AlternateContent>
+  <p:timing>
+    <p:tnLst>
+      <p:par>
+        <p:cTn id="1" dur="indefinite" restart="never" nodeType="tmRoot">
+          <p:childTnLst>
+            <p:seq concurrent="1" nextAc="seek">
+              <p:cTn id="2" dur="indefinite" nodeType="mainSeq">
+                <p:childTnLst>
+                  <p:par>
+                    <p:cTn id="3" fill="hold">
+                      <p:stCondLst>
+                        <p:cond delay="indefinite"/>
+                        <p:cond evt="onBegin" delay="0">
+                          <p:tn val="2"/>
+                        </p:cond>
+                      </p:stCondLst>
+                      <p:childTnLst>
+                        <p:par>
+                          <p:cTn id="4" fill="hold">
+                            <p:stCondLst>
+                              <p:cond delay="0"/>
+                            </p:stCondLst>
+                            <p:childTnLst>
+                              <p:par>
+                                <p:cTn id="5" presetID="53" presetClass="entr" presetSubtype="16" fill="hold" grpId="0" nodeType="afterEffect">
+                                  <p:stCondLst>
+                                    <p:cond delay="0"/>
+                                  </p:stCondLst>
+                                  <p:childTnLst>
+                                    <p:set>
+                                      <p:cBhvr>
+                                        <p:cTn id="6" dur="1" fill="hold">
+                                          <p:stCondLst>
+                                            <p:cond delay="0"/>
+                                          </p:stCondLst>
+                                        </p:cTn>
+                                        <p:tgtEl>
+                                          <p:spTgt spid="4"/>
+                                        </p:tgtEl>
+                                        <p:attrNameLst>
+                                          <p:attrName>style.visibility</p:attrName>
+                                        </p:attrNameLst>
+                                      </p:cBhvr>
+                                      <p:to>
+                                        <p:strVal val="visible"/>
+                                      </p:to>
+                                    </p:set>
+                                    <p:anim calcmode="lin" valueType="num">
+                                      <p:cBhvr>
+                                        <p:cTn id="7" dur="1250" fill="hold"/>
+                                        <p:tgtEl>
+                                          <p:spTgt spid="4"/>
+                                        </p:tgtEl>
+                                        <p:attrNameLst>
+                                          <p:attrName>ppt_w</p:attrName>
+                                        </p:attrNameLst>
+                                      </p:cBhvr>
+                                      <p:tavLst>
+                                        <p:tav tm="0">
+                                          <p:val>
+                                            <p:fltVal val="0"/>
+                                          </p:val>
+                                        </p:tav>
+                                        <p:tav tm="100000">
+                                          <p:val>
+                                            <p:strVal val="#ppt_w"/>
+                                          </p:val>
+                                        </p:tav>
+                                      </p:tavLst>
+                                    </p:anim>
+                                    <p:anim calcmode="lin" valueType="num">
+                                      <p:cBhvr>
+                                        <p:cTn id="8" dur="1250" fill="hold"/>
+                                        <p:tgtEl>
+                                          <p:spTgt spid="4"/>
+                                        </p:tgtEl>
+                                        <p:attrNameLst>
+                                          <p:attrName>ppt_h</p:attrName>
+                                        </p:attrNameLst>
+                                      </p:cBhvr>
+                                      <p:tavLst>
+                                        <p:tav tm="0">
+                                          <p:val>
+                                            <p:fltVal val="0"/>
+                                          </p:val>
+                                        </p:tav>
+                                        <p:tav tm="100000">
+                                          <p:val>
+                                            <p:strVal val="#ppt_h"/>
+                                          </p:val>
+                                        </p:tav>
+                                      </p:tavLst>
+                                    </p:anim>
+                                    <p:animEffect transition="in" filter="fade">
+                                      <p:cBhvr>
+                                        <p:cTn id="9" dur="1250"/>
+                                        <p:tgtEl>
+                                          <p:spTgt spid="4"/>
+                                        </p:tgtEl>
+                                      </p:cBhvr>
+                                    </p:animEffect>
+                                  </p:childTnLst>
+                                </p:cTn>
+                              </p:par>
+                            </p:childTnLst>
+                          </p:cTn>
+                        </p:par>
+                        <p:par>
+                          <p:cTn id="10" fill="hold">
+                            <p:stCondLst>
+                              <p:cond delay="1250"/>
+                            </p:stCondLst>
+                            <p:childTnLst>
+                              <p:par>
+                                <p:cTn id="11" presetID="22" presetClass="entr" presetSubtype="1" fill="hold" grpId="0" nodeType="afterEffect">
+                                  <p:stCondLst>
+                                    <p:cond delay="3500"/>
+                                  </p:stCondLst>
+                                  <p:childTnLst>
+                                    <p:set>
+                                      <p:cBhvr>
+                                        <p:cTn id="12" dur="1" fill="hold">
+                                          <p:stCondLst>
+                                            <p:cond delay="0"/>
+                                          </p:stCondLst>
+                                        </p:cTn>
+                                        <p:tgtEl>
+                                          <p:spTgt spid="26"/>
+                                        </p:tgtEl>
+                                        <p:attrNameLst>
+                                          <p:attrName>style.visibility</p:attrName>
+                                        </p:attrNameLst>
+                                      </p:cBhvr>
+                                      <p:to>
+                                        <p:strVal val="visible"/>
+                                      </p:to>
+                                    </p:set>
+                                    <p:animEffect transition="in" filter="wipe(up)">
+                                      <p:cBhvr>
+                                        <p:cTn id="13" dur="1000"/>
+                                        <p:tgtEl>
+                                          <p:spTgt spid="26"/>
+                                        </p:tgtEl>
+                                      </p:cBhvr>
+                                    </p:animEffect>
+                                  </p:childTnLst>
+                                </p:cTn>
+                              </p:par>
+                            </p:childTnLst>
+                          </p:cTn>
+                        </p:par>
+                        <p:par>
+                          <p:cTn id="14" fill="hold">
+                            <p:stCondLst>
+                              <p:cond delay="5750"/>
+                            </p:stCondLst>
+                            <p:childTnLst>
+                              <p:par>
+                                <p:cTn id="15" presetID="22" presetClass="entr" presetSubtype="1" fill="hold" grpId="0" nodeType="afterEffect">
+                                  <p:stCondLst>
+                                    <p:cond delay="500"/>
+                                  </p:stCondLst>
+                                  <p:childTnLst>
+                                    <p:set>
+                                      <p:cBhvr>
+                                        <p:cTn id="16" dur="1" fill="hold">
+                                          <p:stCondLst>
+                                            <p:cond delay="0"/>
+                                          </p:stCondLst>
+                                        </p:cTn>
+                                        <p:tgtEl>
+                                          <p:spTgt spid="25"/>
+                                        </p:tgtEl>
+                                        <p:attrNameLst>
+                                          <p:attrName>style.visibility</p:attrName>
+                                        </p:attrNameLst>
+                                      </p:cBhvr>
+                                      <p:to>
+                                        <p:strVal val="visible"/>
+                                      </p:to>
+                                    </p:set>
+                                    <p:animEffect transition="in" filter="wipe(up)">
+                                      <p:cBhvr>
+                                        <p:cTn id="17" dur="1000"/>
+                                        <p:tgtEl>
+                                          <p:spTgt spid="25"/>
+                                        </p:tgtEl>
+                                      </p:cBhvr>
+                                    </p:animEffect>
+                                  </p:childTnLst>
+                                </p:cTn>
+                              </p:par>
+                            </p:childTnLst>
+                          </p:cTn>
+                        </p:par>
+                        <p:par>
+                          <p:cTn id="18" fill="hold">
+                            <p:stCondLst>
+                              <p:cond delay="7250"/>
+                            </p:stCondLst>
+                            <p:childTnLst>
+                              <p:par>
+                                <p:cTn id="19" presetID="22" presetClass="entr" presetSubtype="1" fill="hold" grpId="0" nodeType="afterEffect">
+                                  <p:stCondLst>
+                                    <p:cond delay="3500"/>
+                                  </p:stCondLst>
+                                  <p:childTnLst>
+                                    <p:set>
+                                      <p:cBhvr>
+                                        <p:cTn id="20" dur="1" fill="hold">
+                                          <p:stCondLst>
+                                            <p:cond delay="0"/>
+                                          </p:stCondLst>
+                                        </p:cTn>
+                                        <p:tgtEl>
+                                          <p:spTgt spid="24"/>
+                                        </p:tgtEl>
+                                        <p:attrNameLst>
+                                          <p:attrName>style.visibility</p:attrName>
+                                        </p:attrNameLst>
+                                      </p:cBhvr>
+                                      <p:to>
+                                        <p:strVal val="visible"/>
+                                      </p:to>
+                                    </p:set>
+                                    <p:animEffect transition="in" filter="wipe(up)">
+                                      <p:cBhvr>
+                                        <p:cTn id="21" dur="1000"/>
+                                        <p:tgtEl>
+                                          <p:spTgt spid="24"/>
+                                        </p:tgtEl>
+                                      </p:cBhvr>
+                                    </p:animEffect>
+                                  </p:childTnLst>
+                                </p:cTn>
+                              </p:par>
+                            </p:childTnLst>
+                          </p:cTn>
+                        </p:par>
+                        <p:par>
+                          <p:cTn id="22" fill="hold">
+                            <p:stCondLst>
+                              <p:cond delay="11750"/>
+                            </p:stCondLst>
+                            <p:childTnLst>
+                              <p:par>
+                                <p:cTn id="23" presetID="22" presetClass="entr" presetSubtype="1" fill="hold" grpId="0" nodeType="afterEffect">
+                                  <p:stCondLst>
+                                    <p:cond delay="500"/>
+                                  </p:stCondLst>
+                                  <p:childTnLst>
+                                    <p:set>
+                                      <p:cBhvr>
+                                        <p:cTn id="24" dur="1" fill="hold">
+                                          <p:stCondLst>
+                                            <p:cond delay="0"/>
+                                          </p:stCondLst>
+                                        </p:cTn>
+                                        <p:tgtEl>
+                                          <p:spTgt spid="27"/>
+                                        </p:tgtEl>
+                                        <p:attrNameLst>
+                                          <p:attrName>style.visibility</p:attrName>
+                                        </p:attrNameLst>
+                                      </p:cBhvr>
+                                      <p:to>
+                                        <p:strVal val="visible"/>
+                                      </p:to>
+                                    </p:set>
+                                    <p:animEffect transition="in" filter="wipe(up)">
+                                      <p:cBhvr>
+                                        <p:cTn id="25" dur="1000"/>
+                                        <p:tgtEl>
+                                          <p:spTgt spid="27"/>
+                                        </p:tgtEl>
+                                      </p:cBhvr>
+                                    </p:animEffect>
+                                  </p:childTnLst>
+                                </p:cTn>
+                              </p:par>
+                            </p:childTnLst>
+                          </p:cTn>
+                        </p:par>
+                        <p:par>
+                          <p:cTn id="26" fill="hold">
+                            <p:stCondLst>
+                              <p:cond delay="13250"/>
+                            </p:stCondLst>
+                            <p:childTnLst>
+                              <p:par>
+                                <p:cTn id="27" presetID="22" presetClass="entr" presetSubtype="1" fill="hold" grpId="0" nodeType="afterEffect">
+                                  <p:stCondLst>
+                                    <p:cond delay="3500"/>
+                                  </p:stCondLst>
+                                  <p:childTnLst>
+                                    <p:set>
+                                      <p:cBhvr>
+                                        <p:cTn id="28" dur="1" fill="hold">
+                                          <p:stCondLst>
+                                            <p:cond delay="0"/>
+                                          </p:stCondLst>
+                                        </p:cTn>
+                                        <p:tgtEl>
+                                          <p:spTgt spid="28"/>
+                                        </p:tgtEl>
+                                        <p:attrNameLst>
+                                          <p:attrName>style.visibility</p:attrName>
+                                        </p:attrNameLst>
+                                      </p:cBhvr>
+                                      <p:to>
+                                        <p:strVal val="visible"/>
+                                      </p:to>
+                                    </p:set>
+                                    <p:animEffect transition="in" filter="wipe(up)">
+                                      <p:cBhvr>
+                                        <p:cTn id="29" dur="1000"/>
+                                        <p:tgtEl>
+                                          <p:spTgt spid="28"/>
+                                        </p:tgtEl>
+                                      </p:cBhvr>
+                                    </p:animEffect>
+                                  </p:childTnLst>
+                                </p:cTn>
+                              </p:par>
+                            </p:childTnLst>
+                          </p:cTn>
+                        </p:par>
+                        <p:par>
+                          <p:cTn id="30" fill="hold">
+                            <p:stCondLst>
+                              <p:cond delay="17750"/>
+                            </p:stCondLst>
+                            <p:childTnLst>
+                              <p:par>
+                                <p:cTn id="31" presetID="22" presetClass="entr" presetSubtype="1" fill="hold" grpId="0" nodeType="afterEffect">
+                                  <p:stCondLst>
+                                    <p:cond delay="500"/>
+                                  </p:stCondLst>
+                                  <p:childTnLst>
+                                    <p:set>
+                                      <p:cBhvr>
+                                        <p:cTn id="32" dur="1" fill="hold">
+                                          <p:stCondLst>
+                                            <p:cond delay="0"/>
+                                          </p:stCondLst>
+                                        </p:cTn>
+                                        <p:tgtEl>
+                                          <p:spTgt spid="29"/>
+                                        </p:tgtEl>
+                                        <p:attrNameLst>
+                                          <p:attrName>style.visibility</p:attrName>
+                                        </p:attrNameLst>
+                                      </p:cBhvr>
+                                      <p:to>
+                                        <p:strVal val="visible"/>
+                                      </p:to>
+                                    </p:set>
+                                    <p:animEffect transition="in" filter="wipe(up)">
+                                      <p:cBhvr>
+                                        <p:cTn id="33" dur="1000"/>
+                                        <p:tgtEl>
+                                          <p:spTgt spid="29"/>
+                                        </p:tgtEl>
+                                      </p:cBhvr>
+                                    </p:animEffect>
+                                  </p:childTnLst>
+                                </p:cTn>
+                              </p:par>
+                            </p:childTnLst>
+                          </p:cTn>
+                        </p:par>
+                        <p:par>
+                          <p:cTn id="34" fill="hold">
+                            <p:stCondLst>
+                              <p:cond delay="19250"/>
+                            </p:stCondLst>
+                            <p:childTnLst>
+                              <p:par>
+                                <p:cTn id="35" presetID="22" presetClass="entr" presetSubtype="1" fill="hold" grpId="0" nodeType="afterEffect">
+                                  <p:stCondLst>
+                                    <p:cond delay="3500"/>
+                                  </p:stCondLst>
+                                  <p:childTnLst>
+                                    <p:set>
+                                      <p:cBhvr>
+                                        <p:cTn id="36" dur="1" fill="hold">
+                                          <p:stCondLst>
+                                            <p:cond delay="0"/>
+                                          </p:stCondLst>
+                                        </p:cTn>
+                                        <p:tgtEl>
+                                          <p:spTgt spid="30"/>
+                                        </p:tgtEl>
+                                        <p:attrNameLst>
+                                          <p:attrName>style.visibility</p:attrName>
+                                        </p:attrNameLst>
+                                      </p:cBhvr>
+                                      <p:to>
+                                        <p:strVal val="visible"/>
+                                      </p:to>
+                                    </p:set>
+                                    <p:animEffect transition="in" filter="wipe(up)">
+                                      <p:cBhvr>
+                                        <p:cTn id="37" dur="1000"/>
+                                        <p:tgtEl>
+                                          <p:spTgt spid="30"/>
+                                        </p:tgtEl>
+                                      </p:cBhvr>
+                                    </p:animEffect>
+                                  </p:childTnLst>
+                                </p:cTn>
+                              </p:par>
+                            </p:childTnLst>
+                          </p:cTn>
+                        </p:par>
+                        <p:par>
+                          <p:cTn id="38" fill="hold">
+                            <p:stCondLst>
+                              <p:cond delay="23750"/>
+                            </p:stCondLst>
+                            <p:childTnLst>
+                              <p:par>
+                                <p:cTn id="39" presetID="22" presetClass="entr" presetSubtype="1" fill="hold" grpId="0" nodeType="afterEffect">
+                                  <p:stCondLst>
+                                    <p:cond delay="500"/>
+                                  </p:stCondLst>
+                                  <p:childTnLst>
+                                    <p:set>
+                                      <p:cBhvr>
+                                        <p:cTn id="40" dur="1" fill="hold">
+                                          <p:stCondLst>
+                                            <p:cond delay="0"/>
+                                          </p:stCondLst>
+                                        </p:cTn>
+                                        <p:tgtEl>
+                                          <p:spTgt spid="31"/>
+                                        </p:tgtEl>
+                                        <p:attrNameLst>
+                                          <p:attrName>style.visibility</p:attrName>
+                                        </p:attrNameLst>
+                                      </p:cBhvr>
+                                      <p:to>
+                                        <p:strVal val="visible"/>
+                                      </p:to>
+                                    </p:set>
+                                    <p:animEffect transition="in" filter="wipe(up)">
+                                      <p:cBhvr>
+                                        <p:cTn id="41" dur="1000"/>
+                                        <p:tgtEl>
+                                          <p:spTgt spid="31"/>
+                                        </p:tgtEl>
+                                      </p:cBhvr>
+                                    </p:animEffect>
+                                  </p:childTnLst>
+                                </p:cTn>
+                              </p:par>
+                            </p:childTnLst>
+                          </p:cTn>
+                        </p:par>
+                      </p:childTnLst>
+                    </p:cTn>
+                  </p:par>
+                </p:childTnLst>
+              </p:cTn>
+              <p:prevCondLst>
+                <p:cond evt="onPrev" delay="0">
+                  <p:tgtEl>
+                    <p:sldTgt/>
+                  </p:tgtEl>
+                </p:cond>
+              </p:prevCondLst>
+              <p:nextCondLst>
+                <p:cond evt="onNext" delay="0">
+                  <p:tgtEl>
+                    <p:sldTgt/>
+                  </p:tgtEl>
+                </p:cond>
+              </p:nextCondLst>
+            </p:seq>
+          </p:childTnLst>
+        </p:cTn>
+      </p:par>
+    </p:tnLst>
+    <p:bldLst>
+      <p:bldP spid="4" grpId="0" animBg="1"/>
+      <p:bldP spid="24" grpId="0" animBg="1"/>
+      <p:bldP spid="25" grpId="0" animBg="1"/>
+      <p:bldP spid="26" grpId="0" animBg="1"/>
+      <p:bldP spid="27" grpId="0" animBg="1"/>
+      <p:bldP spid="28" grpId="0" animBg="1"/>
+      <p:bldP spid="29" grpId="0" animBg="1"/>
+      <p:bldP spid="30" grpId="0" animBg="1"/>
+      <p:bldP spid="31" grpId="0" animBg="1"/>
+    </p:bldLst>
+  </p:timing>
+</p:sld>
+</file>
+
+<file path=ppt/slides/slide11.xml><?xml version="1.0" encoding="utf-8"?>
+<p:sld xmlns:a="http://schemas.openxmlformats.org/drawingml/2006/main" xmlns:r="http://schemas.openxmlformats.org/officeDocument/2006/relationships" xmlns:p="http://schemas.openxmlformats.org/presentationml/2006/main">
+  <p:cSld>
+    <p:spTree>
+      <p:nvGrpSpPr>
+        <p:cNvPr id="1" name=""/>
+        <p:cNvGrpSpPr/>
+        <p:nvPr/>
+      </p:nvGrpSpPr>
+      <p:grpSpPr>
+        <a:xfrm>
+          <a:off x="0" y="0"/>
+          <a:ext cx="0" cy="0"/>
+          <a:chOff x="0" y="0"/>
+          <a:chExt cx="0" cy="0"/>
+        </a:xfrm>
+      </p:grpSpPr>
+      <p:sp>
+        <p:nvSpPr>
+          <p:cNvPr id="2" name="Title 1"/>
+          <p:cNvSpPr>
+            <a:spLocks noGrp="1"/>
+          </p:cNvSpPr>
+          <p:nvPr>
+            <p:ph type="title"/>
+          </p:nvPr>
+        </p:nvSpPr>
+        <p:spPr>
+          <a:xfrm>
+            <a:off x="646111" y="452718"/>
             <a:ext cx="9404723" cy="825476"/>
           </a:xfrm>
         </p:spPr>
@@ -17105,7 +18261,7 @@
 </p:sld>
 </file>
 
-<file path=ppt/slides/slide11.xml><?xml version="1.0" encoding="utf-8"?>
+<file path=ppt/slides/slide12.xml><?xml version="1.0" encoding="utf-8"?>
 <p:sld xmlns:a="http://schemas.openxmlformats.org/drawingml/2006/main" xmlns:r="http://schemas.openxmlformats.org/officeDocument/2006/relationships" xmlns:p="http://schemas.openxmlformats.org/presentationml/2006/main">
   <p:cSld>
     <p:spTree>
@@ -17207,7 +18363,7 @@
 </p:sld>
 </file>
 
-<file path=ppt/slides/slide12.xml><?xml version="1.0" encoding="utf-8"?>
+<file path=ppt/slides/slide13.xml><?xml version="1.0" encoding="utf-8"?>
 <p:sld xmlns:a="http://schemas.openxmlformats.org/drawingml/2006/main" xmlns:r="http://schemas.openxmlformats.org/officeDocument/2006/relationships" xmlns:p="http://schemas.openxmlformats.org/presentationml/2006/main">
   <p:cSld>
     <p:spTree>
@@ -17842,7 +18998,7 @@
 </p:sld>
 </file>
 
-<file path=ppt/slides/slide13.xml><?xml version="1.0" encoding="utf-8"?>
+<file path=ppt/slides/slide14.xml><?xml version="1.0" encoding="utf-8"?>
 <p:sld xmlns:a="http://schemas.openxmlformats.org/drawingml/2006/main" xmlns:r="http://schemas.openxmlformats.org/officeDocument/2006/relationships" xmlns:p="http://schemas.openxmlformats.org/presentationml/2006/main">
   <p:cSld>
     <p:spTree>
@@ -17990,7 +19146,7 @@
 </p:sld>
 </file>
 
-<file path=ppt/slides/slide14.xml><?xml version="1.0" encoding="utf-8"?>
+<file path=ppt/slides/slide15.xml><?xml version="1.0" encoding="utf-8"?>
 <p:sld xmlns:a="http://schemas.openxmlformats.org/drawingml/2006/main" xmlns:r="http://schemas.openxmlformats.org/officeDocument/2006/relationships" xmlns:p="http://schemas.openxmlformats.org/presentationml/2006/main">
   <p:cSld>
     <p:spTree>
@@ -18332,7 +19488,7 @@
 </p:sld>
 </file>
 
-<file path=ppt/slides/slide15.xml><?xml version="1.0" encoding="utf-8"?>
+<file path=ppt/slides/slide16.xml><?xml version="1.0" encoding="utf-8"?>
 <p:sld xmlns:a="http://schemas.openxmlformats.org/drawingml/2006/main" xmlns:r="http://schemas.openxmlformats.org/officeDocument/2006/relationships" xmlns:p="http://schemas.openxmlformats.org/presentationml/2006/main">
   <p:cSld>
     <p:spTree>
@@ -18533,7 +19689,7 @@
 </p:sld>
 </file>
 
-<file path=ppt/slides/slide16.xml><?xml version="1.0" encoding="utf-8"?>
+<file path=ppt/slides/slide17.xml><?xml version="1.0" encoding="utf-8"?>
 <p:sld xmlns:a="http://schemas.openxmlformats.org/drawingml/2006/main" xmlns:r="http://schemas.openxmlformats.org/officeDocument/2006/relationships" xmlns:p="http://schemas.openxmlformats.org/presentationml/2006/main">
   <p:cSld>
     <p:spTree>
@@ -19083,7 +20239,7 @@
 </p:sld>
 </file>
 
-<file path=ppt/slides/slide17.xml><?xml version="1.0" encoding="utf-8"?>
+<file path=ppt/slides/slide18.xml><?xml version="1.0" encoding="utf-8"?>
 <p:sld xmlns:a="http://schemas.openxmlformats.org/drawingml/2006/main" xmlns:r="http://schemas.openxmlformats.org/officeDocument/2006/relationships" xmlns:p="http://schemas.openxmlformats.org/presentationml/2006/main">
   <p:cSld>
     <p:spTree>
@@ -19399,7 +20555,7 @@
         </p:blipFill>
         <p:spPr>
           <a:xfrm>
-            <a:off x="4994875" y="679869"/>
+            <a:off x="5028742" y="702447"/>
             <a:ext cx="1682151" cy="1639019"/>
           </a:xfrm>
           <a:prstGeom prst="rect">
@@ -21345,6 +22501,434 @@
         <p:spPr>
           <a:xfrm>
             <a:off x="646111" y="452718"/>
+            <a:ext cx="9404723" cy="834215"/>
+          </a:xfrm>
+        </p:spPr>
+        <p:txBody>
+          <a:bodyPr/>
+          <a:lstStyle/>
+          <a:p>
+            <a:r>
+              <a:rPr lang="en-GB" dirty="0" smtClean="0"/>
+              <a:t>Why GitHub?</a:t>
+            </a:r>
+            <a:endParaRPr lang="en-GB" dirty="0"/>
+          </a:p>
+        </p:txBody>
+      </p:sp>
+      <p:sp>
+        <p:nvSpPr>
+          <p:cNvPr id="3" name="Content Placeholder 2"/>
+          <p:cNvSpPr>
+            <a:spLocks noGrp="1"/>
+          </p:cNvSpPr>
+          <p:nvPr>
+            <p:ph idx="1"/>
+          </p:nvPr>
+        </p:nvSpPr>
+        <p:spPr>
+          <a:xfrm>
+            <a:off x="846667" y="1670757"/>
+            <a:ext cx="10250311" cy="2698044"/>
+          </a:xfrm>
+        </p:spPr>
+        <p:txBody>
+          <a:bodyPr/>
+          <a:lstStyle/>
+          <a:p>
+            <a:r>
+              <a:rPr lang="en-GB" dirty="0" smtClean="0"/>
+              <a:t>Provides a Robust API which enables data mining</a:t>
+            </a:r>
+          </a:p>
+          <a:p>
+            <a:endParaRPr lang="en-GB" dirty="0"/>
+          </a:p>
+          <a:p>
+            <a:r>
+              <a:rPr lang="en-GB" dirty="0" smtClean="0"/>
+              <a:t>Eight years of project history and associated metrics to analyse</a:t>
+            </a:r>
+          </a:p>
+          <a:p>
+            <a:endParaRPr lang="en-GB" dirty="0"/>
+          </a:p>
+          <a:p>
+            <a:r>
+              <a:rPr lang="en-GB" dirty="0" smtClean="0"/>
+              <a:t>Novel research Potential!</a:t>
+            </a:r>
+          </a:p>
+          <a:p>
+            <a:pPr marL="0" indent="0">
+              <a:buNone/>
+            </a:pPr>
+            <a:endParaRPr lang="en-GB" dirty="0" smtClean="0"/>
+          </a:p>
+          <a:p>
+            <a:pPr marL="0" indent="0">
+              <a:buNone/>
+            </a:pPr>
+            <a:endParaRPr lang="en-GB" dirty="0"/>
+          </a:p>
+          <a:p>
+            <a:endParaRPr lang="en-GB" dirty="0"/>
+          </a:p>
+        </p:txBody>
+      </p:sp>
+      <p:sp>
+        <p:nvSpPr>
+          <p:cNvPr id="4" name="TextBox 3"/>
+          <p:cNvSpPr txBox="1"/>
+          <p:nvPr/>
+        </p:nvSpPr>
+        <p:spPr>
+          <a:xfrm>
+            <a:off x="2202333" y="4368801"/>
+            <a:ext cx="2290645" cy="1077218"/>
+          </a:xfrm>
+          <a:prstGeom prst="rect">
+            <a:avLst/>
+          </a:prstGeom>
+          <a:noFill/>
+          <a:ln w="28575">
+            <a:solidFill>
+              <a:schemeClr val="accent1"/>
+            </a:solidFill>
+          </a:ln>
+        </p:spPr>
+        <p:txBody>
+          <a:bodyPr wrap="square" rtlCol="0">
+            <a:spAutoFit/>
+          </a:bodyPr>
+          <a:lstStyle/>
+          <a:p>
+            <a:pPr algn="ctr"/>
+            <a:r>
+              <a:rPr lang="en-GB" sz="3200" dirty="0" smtClean="0"/>
+              <a:t>14,000,000 Users</a:t>
+            </a:r>
+            <a:endParaRPr lang="en-GB" sz="3200" dirty="0"/>
+          </a:p>
+        </p:txBody>
+      </p:sp>
+      <p:sp>
+        <p:nvSpPr>
+          <p:cNvPr id="5" name="TextBox 4"/>
+          <p:cNvSpPr txBox="1"/>
+          <p:nvPr/>
+        </p:nvSpPr>
+        <p:spPr>
+          <a:xfrm>
+            <a:off x="6818489" y="4380094"/>
+            <a:ext cx="2798645" cy="1077218"/>
+          </a:xfrm>
+          <a:prstGeom prst="rect">
+            <a:avLst/>
+          </a:prstGeom>
+          <a:noFill/>
+          <a:ln w="28575">
+            <a:solidFill>
+              <a:schemeClr val="accent1"/>
+            </a:solidFill>
+          </a:ln>
+        </p:spPr>
+        <p:txBody>
+          <a:bodyPr wrap="square" rtlCol="0">
+            <a:spAutoFit/>
+          </a:bodyPr>
+          <a:lstStyle/>
+          <a:p>
+            <a:pPr algn="ctr"/>
+            <a:r>
+              <a:rPr lang="en-GB" sz="3200" dirty="0" smtClean="0"/>
+              <a:t>35,000,000 Repositories</a:t>
+            </a:r>
+            <a:endParaRPr lang="en-GB" sz="3200" dirty="0"/>
+          </a:p>
+        </p:txBody>
+      </p:sp>
+    </p:spTree>
+    <p:extLst>
+      <p:ext uri="{BB962C8B-B14F-4D97-AF65-F5344CB8AC3E}">
+        <p14:creationId xmlns:p14="http://schemas.microsoft.com/office/powerpoint/2010/main" val="4174095644"/>
+      </p:ext>
+    </p:extLst>
+  </p:cSld>
+  <p:clrMapOvr>
+    <a:masterClrMapping/>
+  </p:clrMapOvr>
+  <mc:AlternateContent xmlns:mc="http://schemas.openxmlformats.org/markup-compatibility/2006" xmlns:p14="http://schemas.microsoft.com/office/powerpoint/2010/main">
+    <mc:Choice Requires="p14">
+      <p:transition spd="slow" p14:dur="1500">
+        <p14:reveal/>
+      </p:transition>
+    </mc:Choice>
+    <mc:Fallback xmlns="">
+      <p:transition spd="slow">
+        <p:fade/>
+      </p:transition>
+    </mc:Fallback>
+  </mc:AlternateContent>
+  <p:timing>
+    <p:tnLst>
+      <p:par>
+        <p:cTn id="1" dur="indefinite" restart="never" nodeType="tmRoot">
+          <p:childTnLst>
+            <p:seq concurrent="1" nextAc="seek">
+              <p:cTn id="2" dur="indefinite" nodeType="mainSeq">
+                <p:childTnLst>
+                  <p:par>
+                    <p:cTn id="3" fill="hold">
+                      <p:stCondLst>
+                        <p:cond delay="indefinite"/>
+                        <p:cond evt="onBegin" delay="0">
+                          <p:tn val="2"/>
+                        </p:cond>
+                      </p:stCondLst>
+                      <p:childTnLst>
+                        <p:par>
+                          <p:cTn id="4" fill="hold">
+                            <p:stCondLst>
+                              <p:cond delay="0"/>
+                            </p:stCondLst>
+                            <p:childTnLst>
+                              <p:par>
+                                <p:cTn id="5" presetID="53" presetClass="entr" presetSubtype="16" fill="hold" grpId="0" nodeType="afterEffect">
+                                  <p:stCondLst>
+                                    <p:cond delay="0"/>
+                                  </p:stCondLst>
+                                  <p:childTnLst>
+                                    <p:set>
+                                      <p:cBhvr>
+                                        <p:cTn id="6" dur="1" fill="hold">
+                                          <p:stCondLst>
+                                            <p:cond delay="0"/>
+                                          </p:stCondLst>
+                                        </p:cTn>
+                                        <p:tgtEl>
+                                          <p:spTgt spid="4"/>
+                                        </p:tgtEl>
+                                        <p:attrNameLst>
+                                          <p:attrName>style.visibility</p:attrName>
+                                        </p:attrNameLst>
+                                      </p:cBhvr>
+                                      <p:to>
+                                        <p:strVal val="visible"/>
+                                      </p:to>
+                                    </p:set>
+                                    <p:anim calcmode="lin" valueType="num">
+                                      <p:cBhvr>
+                                        <p:cTn id="7" dur="1250" fill="hold"/>
+                                        <p:tgtEl>
+                                          <p:spTgt spid="4"/>
+                                        </p:tgtEl>
+                                        <p:attrNameLst>
+                                          <p:attrName>ppt_w</p:attrName>
+                                        </p:attrNameLst>
+                                      </p:cBhvr>
+                                      <p:tavLst>
+                                        <p:tav tm="0">
+                                          <p:val>
+                                            <p:fltVal val="0"/>
+                                          </p:val>
+                                        </p:tav>
+                                        <p:tav tm="100000">
+                                          <p:val>
+                                            <p:strVal val="#ppt_w"/>
+                                          </p:val>
+                                        </p:tav>
+                                      </p:tavLst>
+                                    </p:anim>
+                                    <p:anim calcmode="lin" valueType="num">
+                                      <p:cBhvr>
+                                        <p:cTn id="8" dur="1250" fill="hold"/>
+                                        <p:tgtEl>
+                                          <p:spTgt spid="4"/>
+                                        </p:tgtEl>
+                                        <p:attrNameLst>
+                                          <p:attrName>ppt_h</p:attrName>
+                                        </p:attrNameLst>
+                                      </p:cBhvr>
+                                      <p:tavLst>
+                                        <p:tav tm="0">
+                                          <p:val>
+                                            <p:fltVal val="0"/>
+                                          </p:val>
+                                        </p:tav>
+                                        <p:tav tm="100000">
+                                          <p:val>
+                                            <p:strVal val="#ppt_h"/>
+                                          </p:val>
+                                        </p:tav>
+                                      </p:tavLst>
+                                    </p:anim>
+                                    <p:animEffect transition="in" filter="fade">
+                                      <p:cBhvr>
+                                        <p:cTn id="9" dur="1250"/>
+                                        <p:tgtEl>
+                                          <p:spTgt spid="4"/>
+                                        </p:tgtEl>
+                                      </p:cBhvr>
+                                    </p:animEffect>
+                                  </p:childTnLst>
+                                </p:cTn>
+                              </p:par>
+                            </p:childTnLst>
+                          </p:cTn>
+                        </p:par>
+                        <p:par>
+                          <p:cTn id="10" fill="hold">
+                            <p:stCondLst>
+                              <p:cond delay="1250"/>
+                            </p:stCondLst>
+                            <p:childTnLst>
+                              <p:par>
+                                <p:cTn id="11" presetID="53" presetClass="entr" presetSubtype="16" fill="hold" grpId="0" nodeType="afterEffect">
+                                  <p:stCondLst>
+                                    <p:cond delay="0"/>
+                                  </p:stCondLst>
+                                  <p:childTnLst>
+                                    <p:set>
+                                      <p:cBhvr>
+                                        <p:cTn id="12" dur="1" fill="hold">
+                                          <p:stCondLst>
+                                            <p:cond delay="0"/>
+                                          </p:stCondLst>
+                                        </p:cTn>
+                                        <p:tgtEl>
+                                          <p:spTgt spid="5"/>
+                                        </p:tgtEl>
+                                        <p:attrNameLst>
+                                          <p:attrName>style.visibility</p:attrName>
+                                        </p:attrNameLst>
+                                      </p:cBhvr>
+                                      <p:to>
+                                        <p:strVal val="visible"/>
+                                      </p:to>
+                                    </p:set>
+                                    <p:anim calcmode="lin" valueType="num">
+                                      <p:cBhvr>
+                                        <p:cTn id="13" dur="1250" fill="hold"/>
+                                        <p:tgtEl>
+                                          <p:spTgt spid="5"/>
+                                        </p:tgtEl>
+                                        <p:attrNameLst>
+                                          <p:attrName>ppt_w</p:attrName>
+                                        </p:attrNameLst>
+                                      </p:cBhvr>
+                                      <p:tavLst>
+                                        <p:tav tm="0">
+                                          <p:val>
+                                            <p:fltVal val="0"/>
+                                          </p:val>
+                                        </p:tav>
+                                        <p:tav tm="100000">
+                                          <p:val>
+                                            <p:strVal val="#ppt_w"/>
+                                          </p:val>
+                                        </p:tav>
+                                      </p:tavLst>
+                                    </p:anim>
+                                    <p:anim calcmode="lin" valueType="num">
+                                      <p:cBhvr>
+                                        <p:cTn id="14" dur="1250" fill="hold"/>
+                                        <p:tgtEl>
+                                          <p:spTgt spid="5"/>
+                                        </p:tgtEl>
+                                        <p:attrNameLst>
+                                          <p:attrName>ppt_h</p:attrName>
+                                        </p:attrNameLst>
+                                      </p:cBhvr>
+                                      <p:tavLst>
+                                        <p:tav tm="0">
+                                          <p:val>
+                                            <p:fltVal val="0"/>
+                                          </p:val>
+                                        </p:tav>
+                                        <p:tav tm="100000">
+                                          <p:val>
+                                            <p:strVal val="#ppt_h"/>
+                                          </p:val>
+                                        </p:tav>
+                                      </p:tavLst>
+                                    </p:anim>
+                                    <p:animEffect transition="in" filter="fade">
+                                      <p:cBhvr>
+                                        <p:cTn id="15" dur="1250"/>
+                                        <p:tgtEl>
+                                          <p:spTgt spid="5"/>
+                                        </p:tgtEl>
+                                      </p:cBhvr>
+                                    </p:animEffect>
+                                  </p:childTnLst>
+                                </p:cTn>
+                              </p:par>
+                            </p:childTnLst>
+                          </p:cTn>
+                        </p:par>
+                      </p:childTnLst>
+                    </p:cTn>
+                  </p:par>
+                </p:childTnLst>
+              </p:cTn>
+              <p:prevCondLst>
+                <p:cond evt="onPrev" delay="0">
+                  <p:tgtEl>
+                    <p:sldTgt/>
+                  </p:tgtEl>
+                </p:cond>
+              </p:prevCondLst>
+              <p:nextCondLst>
+                <p:cond evt="onNext" delay="0">
+                  <p:tgtEl>
+                    <p:sldTgt/>
+                  </p:tgtEl>
+                </p:cond>
+              </p:nextCondLst>
+            </p:seq>
+          </p:childTnLst>
+        </p:cTn>
+      </p:par>
+    </p:tnLst>
+    <p:bldLst>
+      <p:bldP spid="4" grpId="0" animBg="1"/>
+      <p:bldP spid="5" grpId="0" animBg="1"/>
+    </p:bldLst>
+  </p:timing>
+</p:sld>
+</file>
+
+<file path=ppt/slides/slide6.xml><?xml version="1.0" encoding="utf-8"?>
+<p:sld xmlns:a="http://schemas.openxmlformats.org/drawingml/2006/main" xmlns:r="http://schemas.openxmlformats.org/officeDocument/2006/relationships" xmlns:p="http://schemas.openxmlformats.org/presentationml/2006/main">
+  <p:cSld>
+    <p:spTree>
+      <p:nvGrpSpPr>
+        <p:cNvPr id="1" name=""/>
+        <p:cNvGrpSpPr/>
+        <p:nvPr/>
+      </p:nvGrpSpPr>
+      <p:grpSpPr>
+        <a:xfrm>
+          <a:off x="0" y="0"/>
+          <a:ext cx="0" cy="0"/>
+          <a:chOff x="0" y="0"/>
+          <a:chExt cx="0" cy="0"/>
+        </a:xfrm>
+      </p:grpSpPr>
+      <p:sp>
+        <p:nvSpPr>
+          <p:cNvPr id="2" name="Title 1"/>
+          <p:cNvSpPr>
+            <a:spLocks noGrp="1"/>
+          </p:cNvSpPr>
+          <p:nvPr>
+            <p:ph type="title"/>
+          </p:nvPr>
+        </p:nvSpPr>
+        <p:spPr>
+          <a:xfrm>
+            <a:off x="646111" y="452718"/>
             <a:ext cx="9404723" cy="766482"/>
           </a:xfrm>
         </p:spPr>
@@ -21421,7 +23005,7 @@
 </p:sld>
 </file>
 
-<file path=ppt/slides/slide6.xml><?xml version="1.0" encoding="utf-8"?>
+<file path=ppt/slides/slide7.xml><?xml version="1.0" encoding="utf-8"?>
 <p:sld xmlns:a="http://schemas.openxmlformats.org/drawingml/2006/main" xmlns:r="http://schemas.openxmlformats.org/officeDocument/2006/relationships" xmlns:p="http://schemas.openxmlformats.org/presentationml/2006/main">
   <p:cSld>
     <p:spTree>
@@ -21928,7 +23512,7 @@
 </p:sld>
 </file>
 
-<file path=ppt/slides/slide7.xml><?xml version="1.0" encoding="utf-8"?>
+<file path=ppt/slides/slide8.xml><?xml version="1.0" encoding="utf-8"?>
 <p:sld xmlns:a="http://schemas.openxmlformats.org/drawingml/2006/main" xmlns:r="http://schemas.openxmlformats.org/officeDocument/2006/relationships" xmlns:p="http://schemas.openxmlformats.org/presentationml/2006/main">
   <p:cSld>
     <p:spTree>
@@ -22429,7 +24013,7 @@
 </p:sld>
 </file>
 
-<file path=ppt/slides/slide8.xml><?xml version="1.0" encoding="utf-8"?>
+<file path=ppt/slides/slide9.xml><?xml version="1.0" encoding="utf-8"?>
 <p:sld xmlns:a="http://schemas.openxmlformats.org/drawingml/2006/main" xmlns:r="http://schemas.openxmlformats.org/officeDocument/2006/relationships" xmlns:p="http://schemas.openxmlformats.org/presentationml/2006/main">
   <p:cSld>
     <p:spTree>
@@ -24286,923 +25870,6 @@
 </p:sld>
 </file>
 
-<file path=ppt/slides/slide9.xml><?xml version="1.0" encoding="utf-8"?>
-<p:sld xmlns:a="http://schemas.openxmlformats.org/drawingml/2006/main" xmlns:r="http://schemas.openxmlformats.org/officeDocument/2006/relationships" xmlns:p="http://schemas.openxmlformats.org/presentationml/2006/main">
-  <p:cSld>
-    <p:spTree>
-      <p:nvGrpSpPr>
-        <p:cNvPr id="1" name=""/>
-        <p:cNvGrpSpPr/>
-        <p:nvPr/>
-      </p:nvGrpSpPr>
-      <p:grpSpPr>
-        <a:xfrm>
-          <a:off x="0" y="0"/>
-          <a:ext cx="0" cy="0"/>
-          <a:chOff x="0" y="0"/>
-          <a:chExt cx="0" cy="0"/>
-        </a:xfrm>
-      </p:grpSpPr>
-      <p:sp>
-        <p:nvSpPr>
-          <p:cNvPr id="2" name="Title 1"/>
-          <p:cNvSpPr>
-            <a:spLocks noGrp="1"/>
-          </p:cNvSpPr>
-          <p:nvPr>
-            <p:ph type="title"/>
-          </p:nvPr>
-        </p:nvSpPr>
-        <p:spPr>
-          <a:xfrm>
-            <a:off x="646111" y="452718"/>
-            <a:ext cx="9404723" cy="798112"/>
-          </a:xfrm>
-        </p:spPr>
-        <p:txBody>
-          <a:bodyPr/>
-          <a:lstStyle/>
-          <a:p>
-            <a:r>
-              <a:rPr lang="en-GB" dirty="0" smtClean="0"/>
-              <a:t>Project Selection</a:t>
-            </a:r>
-            <a:endParaRPr lang="en-GB" dirty="0"/>
-          </a:p>
-        </p:txBody>
-      </p:sp>
-      <p:sp>
-        <p:nvSpPr>
-          <p:cNvPr id="4" name="TextBox 3"/>
-          <p:cNvSpPr txBox="1"/>
-          <p:nvPr/>
-        </p:nvSpPr>
-        <p:spPr>
-          <a:xfrm>
-            <a:off x="2868377" y="1397479"/>
-            <a:ext cx="4960189" cy="369332"/>
-          </a:xfrm>
-          <a:prstGeom prst="rect">
-            <a:avLst/>
-          </a:prstGeom>
-          <a:noFill/>
-          <a:ln w="28575">
-            <a:solidFill>
-              <a:schemeClr val="accent1"/>
-            </a:solidFill>
-          </a:ln>
-        </p:spPr>
-        <p:txBody>
-          <a:bodyPr wrap="square" rtlCol="0">
-            <a:spAutoFit/>
-          </a:bodyPr>
-          <a:lstStyle/>
-          <a:p>
-            <a:pPr algn="ctr"/>
-            <a:r>
-              <a:rPr lang="en-GB" dirty="0" smtClean="0"/>
-              <a:t>Identify the ten most popular Languages</a:t>
-            </a:r>
-            <a:endParaRPr lang="en-GB" dirty="0"/>
-          </a:p>
-        </p:txBody>
-      </p:sp>
-      <p:sp>
-        <p:nvSpPr>
-          <p:cNvPr id="24" name="Down Arrow 23"/>
-          <p:cNvSpPr/>
-          <p:nvPr/>
-        </p:nvSpPr>
-        <p:spPr>
-          <a:xfrm>
-            <a:off x="5141346" y="3008365"/>
-            <a:ext cx="414068" cy="586596"/>
-          </a:xfrm>
-          <a:prstGeom prst="downArrow">
-            <a:avLst/>
-          </a:prstGeom>
-          <a:ln>
-            <a:noFill/>
-          </a:ln>
-        </p:spPr>
-        <p:style>
-          <a:lnRef idx="2">
-            <a:schemeClr val="accent1">
-              <a:shade val="50000"/>
-            </a:schemeClr>
-          </a:lnRef>
-          <a:fillRef idx="1">
-            <a:schemeClr val="accent1"/>
-          </a:fillRef>
-          <a:effectRef idx="0">
-            <a:schemeClr val="accent1"/>
-          </a:effectRef>
-          <a:fontRef idx="minor">
-            <a:schemeClr val="lt1"/>
-          </a:fontRef>
-        </p:style>
-        <p:txBody>
-          <a:bodyPr rtlCol="0" anchor="ctr"/>
-          <a:lstStyle/>
-          <a:p>
-            <a:pPr algn="ctr"/>
-            <a:endParaRPr lang="en-GB"/>
-          </a:p>
-        </p:txBody>
-      </p:sp>
-      <p:sp>
-        <p:nvSpPr>
-          <p:cNvPr id="25" name="TextBox 24"/>
-          <p:cNvSpPr txBox="1"/>
-          <p:nvPr/>
-        </p:nvSpPr>
-        <p:spPr>
-          <a:xfrm>
-            <a:off x="2868286" y="2355011"/>
-            <a:ext cx="4960189" cy="646331"/>
-          </a:xfrm>
-          <a:prstGeom prst="rect">
-            <a:avLst/>
-          </a:prstGeom>
-          <a:noFill/>
-          <a:ln w="28575">
-            <a:solidFill>
-              <a:schemeClr val="accent1"/>
-            </a:solidFill>
-          </a:ln>
-        </p:spPr>
-        <p:txBody>
-          <a:bodyPr wrap="square" rtlCol="0">
-            <a:spAutoFit/>
-          </a:bodyPr>
-          <a:lstStyle/>
-          <a:p>
-            <a:pPr algn="ctr"/>
-            <a:r>
-              <a:rPr lang="en-GB" dirty="0" smtClean="0"/>
-              <a:t>Search each language for the most popular project - #stars</a:t>
-            </a:r>
-            <a:endParaRPr lang="en-GB" dirty="0"/>
-          </a:p>
-        </p:txBody>
-      </p:sp>
-      <p:sp>
-        <p:nvSpPr>
-          <p:cNvPr id="26" name="Down Arrow 25"/>
-          <p:cNvSpPr/>
-          <p:nvPr/>
-        </p:nvSpPr>
-        <p:spPr>
-          <a:xfrm>
-            <a:off x="5141346" y="1765208"/>
-            <a:ext cx="414068" cy="586596"/>
-          </a:xfrm>
-          <a:prstGeom prst="downArrow">
-            <a:avLst/>
-          </a:prstGeom>
-          <a:ln>
-            <a:noFill/>
-          </a:ln>
-        </p:spPr>
-        <p:style>
-          <a:lnRef idx="2">
-            <a:schemeClr val="accent1">
-              <a:shade val="50000"/>
-            </a:schemeClr>
-          </a:lnRef>
-          <a:fillRef idx="1">
-            <a:schemeClr val="accent1"/>
-          </a:fillRef>
-          <a:effectRef idx="0">
-            <a:schemeClr val="accent1"/>
-          </a:effectRef>
-          <a:fontRef idx="minor">
-            <a:schemeClr val="lt1"/>
-          </a:fontRef>
-        </p:style>
-        <p:txBody>
-          <a:bodyPr rtlCol="0" anchor="ctr"/>
-          <a:lstStyle/>
-          <a:p>
-            <a:pPr algn="ctr"/>
-            <a:endParaRPr lang="en-GB"/>
-          </a:p>
-        </p:txBody>
-      </p:sp>
-      <p:sp>
-        <p:nvSpPr>
-          <p:cNvPr id="27" name="TextBox 26"/>
-          <p:cNvSpPr txBox="1"/>
-          <p:nvPr/>
-        </p:nvSpPr>
-        <p:spPr>
-          <a:xfrm>
-            <a:off x="2868286" y="3619236"/>
-            <a:ext cx="4960189" cy="369332"/>
-          </a:xfrm>
-          <a:prstGeom prst="rect">
-            <a:avLst/>
-          </a:prstGeom>
-          <a:noFill/>
-          <a:ln w="28575">
-            <a:solidFill>
-              <a:schemeClr val="accent1"/>
-            </a:solidFill>
-          </a:ln>
-        </p:spPr>
-        <p:txBody>
-          <a:bodyPr wrap="square" rtlCol="0">
-            <a:spAutoFit/>
-          </a:bodyPr>
-          <a:lstStyle/>
-          <a:p>
-            <a:pPr algn="ctr"/>
-            <a:r>
-              <a:rPr lang="en-GB" dirty="0" smtClean="0"/>
-              <a:t>Is the project &gt;= five years old?</a:t>
-            </a:r>
-            <a:endParaRPr lang="en-GB" dirty="0"/>
-          </a:p>
-        </p:txBody>
-      </p:sp>
-      <p:sp>
-        <p:nvSpPr>
-          <p:cNvPr id="28" name="Down Arrow 27"/>
-          <p:cNvSpPr/>
-          <p:nvPr/>
-        </p:nvSpPr>
-        <p:spPr>
-          <a:xfrm>
-            <a:off x="5141346" y="3995591"/>
-            <a:ext cx="414068" cy="586596"/>
-          </a:xfrm>
-          <a:prstGeom prst="downArrow">
-            <a:avLst/>
-          </a:prstGeom>
-          <a:ln>
-            <a:noFill/>
-          </a:ln>
-        </p:spPr>
-        <p:style>
-          <a:lnRef idx="2">
-            <a:schemeClr val="accent1">
-              <a:shade val="50000"/>
-            </a:schemeClr>
-          </a:lnRef>
-          <a:fillRef idx="1">
-            <a:schemeClr val="accent1"/>
-          </a:fillRef>
-          <a:effectRef idx="0">
-            <a:schemeClr val="accent1"/>
-          </a:effectRef>
-          <a:fontRef idx="minor">
-            <a:schemeClr val="lt1"/>
-          </a:fontRef>
-        </p:style>
-        <p:txBody>
-          <a:bodyPr rtlCol="0" anchor="ctr"/>
-          <a:lstStyle/>
-          <a:p>
-            <a:pPr algn="ctr"/>
-            <a:endParaRPr lang="en-GB"/>
-          </a:p>
-        </p:txBody>
-      </p:sp>
-      <p:sp>
-        <p:nvSpPr>
-          <p:cNvPr id="29" name="TextBox 28"/>
-          <p:cNvSpPr txBox="1"/>
-          <p:nvPr/>
-        </p:nvSpPr>
-        <p:spPr>
-          <a:xfrm>
-            <a:off x="2868286" y="4606462"/>
-            <a:ext cx="4960189" cy="369332"/>
-          </a:xfrm>
-          <a:prstGeom prst="rect">
-            <a:avLst/>
-          </a:prstGeom>
-          <a:noFill/>
-          <a:ln w="28575">
-            <a:solidFill>
-              <a:schemeClr val="accent1"/>
-            </a:solidFill>
-          </a:ln>
-        </p:spPr>
-        <p:txBody>
-          <a:bodyPr wrap="square" rtlCol="0">
-            <a:spAutoFit/>
-          </a:bodyPr>
-          <a:lstStyle/>
-          <a:p>
-            <a:pPr algn="ctr"/>
-            <a:r>
-              <a:rPr lang="en-GB" dirty="0" smtClean="0"/>
-              <a:t>Add the project to the pool for analysis</a:t>
-            </a:r>
-            <a:endParaRPr lang="en-GB" dirty="0"/>
-          </a:p>
-        </p:txBody>
-      </p:sp>
-      <p:sp>
-        <p:nvSpPr>
-          <p:cNvPr id="30" name="Down Arrow 29"/>
-          <p:cNvSpPr/>
-          <p:nvPr/>
-        </p:nvSpPr>
-        <p:spPr>
-          <a:xfrm>
-            <a:off x="5141346" y="4975794"/>
-            <a:ext cx="414068" cy="586596"/>
-          </a:xfrm>
-          <a:prstGeom prst="downArrow">
-            <a:avLst/>
-          </a:prstGeom>
-          <a:ln>
-            <a:noFill/>
-          </a:ln>
-        </p:spPr>
-        <p:style>
-          <a:lnRef idx="2">
-            <a:schemeClr val="accent1">
-              <a:shade val="50000"/>
-            </a:schemeClr>
-          </a:lnRef>
-          <a:fillRef idx="1">
-            <a:schemeClr val="accent1"/>
-          </a:fillRef>
-          <a:effectRef idx="0">
-            <a:schemeClr val="accent1"/>
-          </a:effectRef>
-          <a:fontRef idx="minor">
-            <a:schemeClr val="lt1"/>
-          </a:fontRef>
-        </p:style>
-        <p:txBody>
-          <a:bodyPr rtlCol="0" anchor="ctr"/>
-          <a:lstStyle/>
-          <a:p>
-            <a:pPr algn="ctr"/>
-            <a:endParaRPr lang="en-GB"/>
-          </a:p>
-        </p:txBody>
-      </p:sp>
-      <p:sp>
-        <p:nvSpPr>
-          <p:cNvPr id="31" name="TextBox 30"/>
-          <p:cNvSpPr txBox="1"/>
-          <p:nvPr/>
-        </p:nvSpPr>
-        <p:spPr>
-          <a:xfrm>
-            <a:off x="2868285" y="5562390"/>
-            <a:ext cx="4960189" cy="646331"/>
-          </a:xfrm>
-          <a:prstGeom prst="rect">
-            <a:avLst/>
-          </a:prstGeom>
-          <a:noFill/>
-          <a:ln w="28575">
-            <a:solidFill>
-              <a:schemeClr val="accent1"/>
-            </a:solidFill>
-          </a:ln>
-        </p:spPr>
-        <p:txBody>
-          <a:bodyPr wrap="square" rtlCol="0">
-            <a:spAutoFit/>
-          </a:bodyPr>
-          <a:lstStyle/>
-          <a:p>
-            <a:pPr algn="ctr"/>
-            <a:r>
-              <a:rPr lang="en-GB" dirty="0" smtClean="0"/>
-              <a:t>Repeat until twenty projects are selected for each language</a:t>
-            </a:r>
-            <a:endParaRPr lang="en-GB" dirty="0"/>
-          </a:p>
-        </p:txBody>
-      </p:sp>
-    </p:spTree>
-    <p:extLst>
-      <p:ext uri="{BB962C8B-B14F-4D97-AF65-F5344CB8AC3E}">
-        <p14:creationId xmlns:p14="http://schemas.microsoft.com/office/powerpoint/2010/main" val="3961054918"/>
-      </p:ext>
-    </p:extLst>
-  </p:cSld>
-  <p:clrMapOvr>
-    <a:masterClrMapping/>
-  </p:clrMapOvr>
-  <mc:AlternateContent xmlns:mc="http://schemas.openxmlformats.org/markup-compatibility/2006" xmlns:p14="http://schemas.microsoft.com/office/powerpoint/2010/main">
-    <mc:Choice Requires="p14">
-      <p:transition spd="slow" p14:dur="1500">
-        <p14:reveal/>
-      </p:transition>
-    </mc:Choice>
-    <mc:Fallback xmlns="">
-      <p:transition spd="slow">
-        <p:fade/>
-      </p:transition>
-    </mc:Fallback>
-  </mc:AlternateContent>
-  <p:timing>
-    <p:tnLst>
-      <p:par>
-        <p:cTn id="1" dur="indefinite" restart="never" nodeType="tmRoot">
-          <p:childTnLst>
-            <p:seq concurrent="1" nextAc="seek">
-              <p:cTn id="2" dur="indefinite" nodeType="mainSeq">
-                <p:childTnLst>
-                  <p:par>
-                    <p:cTn id="3" fill="hold">
-                      <p:stCondLst>
-                        <p:cond delay="indefinite"/>
-                        <p:cond evt="onBegin" delay="0">
-                          <p:tn val="2"/>
-                        </p:cond>
-                      </p:stCondLst>
-                      <p:childTnLst>
-                        <p:par>
-                          <p:cTn id="4" fill="hold">
-                            <p:stCondLst>
-                              <p:cond delay="0"/>
-                            </p:stCondLst>
-                            <p:childTnLst>
-                              <p:par>
-                                <p:cTn id="5" presetID="53" presetClass="entr" presetSubtype="16" fill="hold" grpId="0" nodeType="afterEffect">
-                                  <p:stCondLst>
-                                    <p:cond delay="0"/>
-                                  </p:stCondLst>
-                                  <p:childTnLst>
-                                    <p:set>
-                                      <p:cBhvr>
-                                        <p:cTn id="6" dur="1" fill="hold">
-                                          <p:stCondLst>
-                                            <p:cond delay="0"/>
-                                          </p:stCondLst>
-                                        </p:cTn>
-                                        <p:tgtEl>
-                                          <p:spTgt spid="4"/>
-                                        </p:tgtEl>
-                                        <p:attrNameLst>
-                                          <p:attrName>style.visibility</p:attrName>
-                                        </p:attrNameLst>
-                                      </p:cBhvr>
-                                      <p:to>
-                                        <p:strVal val="visible"/>
-                                      </p:to>
-                                    </p:set>
-                                    <p:anim calcmode="lin" valueType="num">
-                                      <p:cBhvr>
-                                        <p:cTn id="7" dur="1250" fill="hold"/>
-                                        <p:tgtEl>
-                                          <p:spTgt spid="4"/>
-                                        </p:tgtEl>
-                                        <p:attrNameLst>
-                                          <p:attrName>ppt_w</p:attrName>
-                                        </p:attrNameLst>
-                                      </p:cBhvr>
-                                      <p:tavLst>
-                                        <p:tav tm="0">
-                                          <p:val>
-                                            <p:fltVal val="0"/>
-                                          </p:val>
-                                        </p:tav>
-                                        <p:tav tm="100000">
-                                          <p:val>
-                                            <p:strVal val="#ppt_w"/>
-                                          </p:val>
-                                        </p:tav>
-                                      </p:tavLst>
-                                    </p:anim>
-                                    <p:anim calcmode="lin" valueType="num">
-                                      <p:cBhvr>
-                                        <p:cTn id="8" dur="1250" fill="hold"/>
-                                        <p:tgtEl>
-                                          <p:spTgt spid="4"/>
-                                        </p:tgtEl>
-                                        <p:attrNameLst>
-                                          <p:attrName>ppt_h</p:attrName>
-                                        </p:attrNameLst>
-                                      </p:cBhvr>
-                                      <p:tavLst>
-                                        <p:tav tm="0">
-                                          <p:val>
-                                            <p:fltVal val="0"/>
-                                          </p:val>
-                                        </p:tav>
-                                        <p:tav tm="100000">
-                                          <p:val>
-                                            <p:strVal val="#ppt_h"/>
-                                          </p:val>
-                                        </p:tav>
-                                      </p:tavLst>
-                                    </p:anim>
-                                    <p:animEffect transition="in" filter="fade">
-                                      <p:cBhvr>
-                                        <p:cTn id="9" dur="1250"/>
-                                        <p:tgtEl>
-                                          <p:spTgt spid="4"/>
-                                        </p:tgtEl>
-                                      </p:cBhvr>
-                                    </p:animEffect>
-                                  </p:childTnLst>
-                                </p:cTn>
-                              </p:par>
-                            </p:childTnLst>
-                          </p:cTn>
-                        </p:par>
-                        <p:par>
-                          <p:cTn id="10" fill="hold">
-                            <p:stCondLst>
-                              <p:cond delay="1250"/>
-                            </p:stCondLst>
-                            <p:childTnLst>
-                              <p:par>
-                                <p:cTn id="11" presetID="22" presetClass="entr" presetSubtype="1" fill="hold" grpId="0" nodeType="afterEffect">
-                                  <p:stCondLst>
-                                    <p:cond delay="3500"/>
-                                  </p:stCondLst>
-                                  <p:childTnLst>
-                                    <p:set>
-                                      <p:cBhvr>
-                                        <p:cTn id="12" dur="1" fill="hold">
-                                          <p:stCondLst>
-                                            <p:cond delay="0"/>
-                                          </p:stCondLst>
-                                        </p:cTn>
-                                        <p:tgtEl>
-                                          <p:spTgt spid="26"/>
-                                        </p:tgtEl>
-                                        <p:attrNameLst>
-                                          <p:attrName>style.visibility</p:attrName>
-                                        </p:attrNameLst>
-                                      </p:cBhvr>
-                                      <p:to>
-                                        <p:strVal val="visible"/>
-                                      </p:to>
-                                    </p:set>
-                                    <p:animEffect transition="in" filter="wipe(up)">
-                                      <p:cBhvr>
-                                        <p:cTn id="13" dur="1000"/>
-                                        <p:tgtEl>
-                                          <p:spTgt spid="26"/>
-                                        </p:tgtEl>
-                                      </p:cBhvr>
-                                    </p:animEffect>
-                                  </p:childTnLst>
-                                </p:cTn>
-                              </p:par>
-                            </p:childTnLst>
-                          </p:cTn>
-                        </p:par>
-                        <p:par>
-                          <p:cTn id="14" fill="hold">
-                            <p:stCondLst>
-                              <p:cond delay="5750"/>
-                            </p:stCondLst>
-                            <p:childTnLst>
-                              <p:par>
-                                <p:cTn id="15" presetID="22" presetClass="entr" presetSubtype="1" fill="hold" grpId="0" nodeType="afterEffect">
-                                  <p:stCondLst>
-                                    <p:cond delay="500"/>
-                                  </p:stCondLst>
-                                  <p:childTnLst>
-                                    <p:set>
-                                      <p:cBhvr>
-                                        <p:cTn id="16" dur="1" fill="hold">
-                                          <p:stCondLst>
-                                            <p:cond delay="0"/>
-                                          </p:stCondLst>
-                                        </p:cTn>
-                                        <p:tgtEl>
-                                          <p:spTgt spid="25"/>
-                                        </p:tgtEl>
-                                        <p:attrNameLst>
-                                          <p:attrName>style.visibility</p:attrName>
-                                        </p:attrNameLst>
-                                      </p:cBhvr>
-                                      <p:to>
-                                        <p:strVal val="visible"/>
-                                      </p:to>
-                                    </p:set>
-                                    <p:animEffect transition="in" filter="wipe(up)">
-                                      <p:cBhvr>
-                                        <p:cTn id="17" dur="1000"/>
-                                        <p:tgtEl>
-                                          <p:spTgt spid="25"/>
-                                        </p:tgtEl>
-                                      </p:cBhvr>
-                                    </p:animEffect>
-                                  </p:childTnLst>
-                                </p:cTn>
-                              </p:par>
-                            </p:childTnLst>
-                          </p:cTn>
-                        </p:par>
-                        <p:par>
-                          <p:cTn id="18" fill="hold">
-                            <p:stCondLst>
-                              <p:cond delay="7250"/>
-                            </p:stCondLst>
-                            <p:childTnLst>
-                              <p:par>
-                                <p:cTn id="19" presetID="22" presetClass="entr" presetSubtype="1" fill="hold" grpId="0" nodeType="afterEffect">
-                                  <p:stCondLst>
-                                    <p:cond delay="3500"/>
-                                  </p:stCondLst>
-                                  <p:childTnLst>
-                                    <p:set>
-                                      <p:cBhvr>
-                                        <p:cTn id="20" dur="1" fill="hold">
-                                          <p:stCondLst>
-                                            <p:cond delay="0"/>
-                                          </p:stCondLst>
-                                        </p:cTn>
-                                        <p:tgtEl>
-                                          <p:spTgt spid="24"/>
-                                        </p:tgtEl>
-                                        <p:attrNameLst>
-                                          <p:attrName>style.visibility</p:attrName>
-                                        </p:attrNameLst>
-                                      </p:cBhvr>
-                                      <p:to>
-                                        <p:strVal val="visible"/>
-                                      </p:to>
-                                    </p:set>
-                                    <p:animEffect transition="in" filter="wipe(up)">
-                                      <p:cBhvr>
-                                        <p:cTn id="21" dur="1000"/>
-                                        <p:tgtEl>
-                                          <p:spTgt spid="24"/>
-                                        </p:tgtEl>
-                                      </p:cBhvr>
-                                    </p:animEffect>
-                                  </p:childTnLst>
-                                </p:cTn>
-                              </p:par>
-                            </p:childTnLst>
-                          </p:cTn>
-                        </p:par>
-                        <p:par>
-                          <p:cTn id="22" fill="hold">
-                            <p:stCondLst>
-                              <p:cond delay="11750"/>
-                            </p:stCondLst>
-                            <p:childTnLst>
-                              <p:par>
-                                <p:cTn id="23" presetID="22" presetClass="entr" presetSubtype="1" fill="hold" grpId="0" nodeType="afterEffect">
-                                  <p:stCondLst>
-                                    <p:cond delay="500"/>
-                                  </p:stCondLst>
-                                  <p:childTnLst>
-                                    <p:set>
-                                      <p:cBhvr>
-                                        <p:cTn id="24" dur="1" fill="hold">
-                                          <p:stCondLst>
-                                            <p:cond delay="0"/>
-                                          </p:stCondLst>
-                                        </p:cTn>
-                                        <p:tgtEl>
-                                          <p:spTgt spid="27"/>
-                                        </p:tgtEl>
-                                        <p:attrNameLst>
-                                          <p:attrName>style.visibility</p:attrName>
-                                        </p:attrNameLst>
-                                      </p:cBhvr>
-                                      <p:to>
-                                        <p:strVal val="visible"/>
-                                      </p:to>
-                                    </p:set>
-                                    <p:animEffect transition="in" filter="wipe(up)">
-                                      <p:cBhvr>
-                                        <p:cTn id="25" dur="1000"/>
-                                        <p:tgtEl>
-                                          <p:spTgt spid="27"/>
-                                        </p:tgtEl>
-                                      </p:cBhvr>
-                                    </p:animEffect>
-                                  </p:childTnLst>
-                                </p:cTn>
-                              </p:par>
-                            </p:childTnLst>
-                          </p:cTn>
-                        </p:par>
-                        <p:par>
-                          <p:cTn id="26" fill="hold">
-                            <p:stCondLst>
-                              <p:cond delay="13250"/>
-                            </p:stCondLst>
-                            <p:childTnLst>
-                              <p:par>
-                                <p:cTn id="27" presetID="22" presetClass="entr" presetSubtype="1" fill="hold" grpId="0" nodeType="afterEffect">
-                                  <p:stCondLst>
-                                    <p:cond delay="3500"/>
-                                  </p:stCondLst>
-                                  <p:childTnLst>
-                                    <p:set>
-                                      <p:cBhvr>
-                                        <p:cTn id="28" dur="1" fill="hold">
-                                          <p:stCondLst>
-                                            <p:cond delay="0"/>
-                                          </p:stCondLst>
-                                        </p:cTn>
-                                        <p:tgtEl>
-                                          <p:spTgt spid="28"/>
-                                        </p:tgtEl>
-                                        <p:attrNameLst>
-                                          <p:attrName>style.visibility</p:attrName>
-                                        </p:attrNameLst>
-                                      </p:cBhvr>
-                                      <p:to>
-                                        <p:strVal val="visible"/>
-                                      </p:to>
-                                    </p:set>
-                                    <p:animEffect transition="in" filter="wipe(up)">
-                                      <p:cBhvr>
-                                        <p:cTn id="29" dur="1000"/>
-                                        <p:tgtEl>
-                                          <p:spTgt spid="28"/>
-                                        </p:tgtEl>
-                                      </p:cBhvr>
-                                    </p:animEffect>
-                                  </p:childTnLst>
-                                </p:cTn>
-                              </p:par>
-                            </p:childTnLst>
-                          </p:cTn>
-                        </p:par>
-                        <p:par>
-                          <p:cTn id="30" fill="hold">
-                            <p:stCondLst>
-                              <p:cond delay="17750"/>
-                            </p:stCondLst>
-                            <p:childTnLst>
-                              <p:par>
-                                <p:cTn id="31" presetID="22" presetClass="entr" presetSubtype="1" fill="hold" grpId="0" nodeType="afterEffect">
-                                  <p:stCondLst>
-                                    <p:cond delay="500"/>
-                                  </p:stCondLst>
-                                  <p:childTnLst>
-                                    <p:set>
-                                      <p:cBhvr>
-                                        <p:cTn id="32" dur="1" fill="hold">
-                                          <p:stCondLst>
-                                            <p:cond delay="0"/>
-                                          </p:stCondLst>
-                                        </p:cTn>
-                                        <p:tgtEl>
-                                          <p:spTgt spid="29"/>
-                                        </p:tgtEl>
-                                        <p:attrNameLst>
-                                          <p:attrName>style.visibility</p:attrName>
-                                        </p:attrNameLst>
-                                      </p:cBhvr>
-                                      <p:to>
-                                        <p:strVal val="visible"/>
-                                      </p:to>
-                                    </p:set>
-                                    <p:animEffect transition="in" filter="wipe(up)">
-                                      <p:cBhvr>
-                                        <p:cTn id="33" dur="1000"/>
-                                        <p:tgtEl>
-                                          <p:spTgt spid="29"/>
-                                        </p:tgtEl>
-                                      </p:cBhvr>
-                                    </p:animEffect>
-                                  </p:childTnLst>
-                                </p:cTn>
-                              </p:par>
-                            </p:childTnLst>
-                          </p:cTn>
-                        </p:par>
-                        <p:par>
-                          <p:cTn id="34" fill="hold">
-                            <p:stCondLst>
-                              <p:cond delay="19250"/>
-                            </p:stCondLst>
-                            <p:childTnLst>
-                              <p:par>
-                                <p:cTn id="35" presetID="22" presetClass="entr" presetSubtype="1" fill="hold" grpId="0" nodeType="afterEffect">
-                                  <p:stCondLst>
-                                    <p:cond delay="3500"/>
-                                  </p:stCondLst>
-                                  <p:childTnLst>
-                                    <p:set>
-                                      <p:cBhvr>
-                                        <p:cTn id="36" dur="1" fill="hold">
-                                          <p:stCondLst>
-                                            <p:cond delay="0"/>
-                                          </p:stCondLst>
-                                        </p:cTn>
-                                        <p:tgtEl>
-                                          <p:spTgt spid="30"/>
-                                        </p:tgtEl>
-                                        <p:attrNameLst>
-                                          <p:attrName>style.visibility</p:attrName>
-                                        </p:attrNameLst>
-                                      </p:cBhvr>
-                                      <p:to>
-                                        <p:strVal val="visible"/>
-                                      </p:to>
-                                    </p:set>
-                                    <p:animEffect transition="in" filter="wipe(up)">
-                                      <p:cBhvr>
-                                        <p:cTn id="37" dur="1000"/>
-                                        <p:tgtEl>
-                                          <p:spTgt spid="30"/>
-                                        </p:tgtEl>
-                                      </p:cBhvr>
-                                    </p:animEffect>
-                                  </p:childTnLst>
-                                </p:cTn>
-                              </p:par>
-                            </p:childTnLst>
-                          </p:cTn>
-                        </p:par>
-                        <p:par>
-                          <p:cTn id="38" fill="hold">
-                            <p:stCondLst>
-                              <p:cond delay="23750"/>
-                            </p:stCondLst>
-                            <p:childTnLst>
-                              <p:par>
-                                <p:cTn id="39" presetID="22" presetClass="entr" presetSubtype="1" fill="hold" grpId="0" nodeType="afterEffect">
-                                  <p:stCondLst>
-                                    <p:cond delay="500"/>
-                                  </p:stCondLst>
-                                  <p:childTnLst>
-                                    <p:set>
-                                      <p:cBhvr>
-                                        <p:cTn id="40" dur="1" fill="hold">
-                                          <p:stCondLst>
-                                            <p:cond delay="0"/>
-                                          </p:stCondLst>
-                                        </p:cTn>
-                                        <p:tgtEl>
-                                          <p:spTgt spid="31"/>
-                                        </p:tgtEl>
-                                        <p:attrNameLst>
-                                          <p:attrName>style.visibility</p:attrName>
-                                        </p:attrNameLst>
-                                      </p:cBhvr>
-                                      <p:to>
-                                        <p:strVal val="visible"/>
-                                      </p:to>
-                                    </p:set>
-                                    <p:animEffect transition="in" filter="wipe(up)">
-                                      <p:cBhvr>
-                                        <p:cTn id="41" dur="1000"/>
-                                        <p:tgtEl>
-                                          <p:spTgt spid="31"/>
-                                        </p:tgtEl>
-                                      </p:cBhvr>
-                                    </p:animEffect>
-                                  </p:childTnLst>
-                                </p:cTn>
-                              </p:par>
-                            </p:childTnLst>
-                          </p:cTn>
-                        </p:par>
-                      </p:childTnLst>
-                    </p:cTn>
-                  </p:par>
-                </p:childTnLst>
-              </p:cTn>
-              <p:prevCondLst>
-                <p:cond evt="onPrev" delay="0">
-                  <p:tgtEl>
-                    <p:sldTgt/>
-                  </p:tgtEl>
-                </p:cond>
-              </p:prevCondLst>
-              <p:nextCondLst>
-                <p:cond evt="onNext" delay="0">
-                  <p:tgtEl>
-                    <p:sldTgt/>
-                  </p:tgtEl>
-                </p:cond>
-              </p:nextCondLst>
-            </p:seq>
-          </p:childTnLst>
-        </p:cTn>
-      </p:par>
-    </p:tnLst>
-    <p:bldLst>
-      <p:bldP spid="4" grpId="0" animBg="1"/>
-      <p:bldP spid="24" grpId="0" animBg="1"/>
-      <p:bldP spid="25" grpId="0" animBg="1"/>
-      <p:bldP spid="26" grpId="0" animBg="1"/>
-      <p:bldP spid="27" grpId="0" animBg="1"/>
-      <p:bldP spid="28" grpId="0" animBg="1"/>
-      <p:bldP spid="29" grpId="0" animBg="1"/>
-      <p:bldP spid="30" grpId="0" animBg="1"/>
-      <p:bldP spid="31" grpId="0" animBg="1"/>
-    </p:bldLst>
-  </p:timing>
-</p:sld>
-</file>
-
 <file path=ppt/theme/theme1.xml><?xml version="1.0" encoding="utf-8"?>
 <a:theme xmlns:a="http://schemas.openxmlformats.org/drawingml/2006/main" name="Ion">
   <a:themeElements>

--- a/Research And Development Project/Documents/Resources/Presentation/PresentationLehman.pptx
+++ b/Research And Development Project/Documents/Resources/Presentation/PresentationLehman.pptx
@@ -373,11 +373,11 @@
           <c:showBubbleSize val="0"/>
         </c:dLbls>
         <c:gapWidth val="182"/>
-        <c:axId val="320524096"/>
-        <c:axId val="320521744"/>
+        <c:axId val="319868632"/>
+        <c:axId val="319869024"/>
       </c:barChart>
       <c:catAx>
-        <c:axId val="320524096"/>
+        <c:axId val="319868632"/>
         <c:scaling>
           <c:orientation val="minMax"/>
         </c:scaling>
@@ -420,7 +420,7 @@
             <a:endParaRPr lang="en-US"/>
           </a:p>
         </c:txPr>
-        <c:crossAx val="320521744"/>
+        <c:crossAx val="319869024"/>
         <c:crosses val="autoZero"/>
         <c:auto val="1"/>
         <c:lblAlgn val="ctr"/>
@@ -428,7 +428,7 @@
         <c:noMultiLvlLbl val="0"/>
       </c:catAx>
       <c:valAx>
-        <c:axId val="320521744"/>
+        <c:axId val="319869024"/>
         <c:scaling>
           <c:orientation val="minMax"/>
         </c:scaling>
@@ -479,7 +479,7 @@
             <a:endParaRPr lang="en-US"/>
           </a:p>
         </c:txPr>
-        <c:crossAx val="320524096"/>
+        <c:crossAx val="319868632"/>
         <c:crosses val="autoZero"/>
         <c:crossBetween val="between"/>
       </c:valAx>
@@ -953,11 +953,11 @@
           <c:showPercent val="0"/>
           <c:showBubbleSize val="0"/>
         </c:dLbls>
-        <c:axId val="270725312"/>
-        <c:axId val="320790400"/>
+        <c:axId val="270797152"/>
+        <c:axId val="270797544"/>
       </c:scatterChart>
       <c:valAx>
-        <c:axId val="270725312"/>
+        <c:axId val="270797152"/>
         <c:scaling>
           <c:orientation val="minMax"/>
         </c:scaling>
@@ -1071,12 +1071,12 @@
             <a:endParaRPr lang="en-US"/>
           </a:p>
         </c:txPr>
-        <c:crossAx val="320790400"/>
+        <c:crossAx val="270797544"/>
         <c:crosses val="autoZero"/>
         <c:crossBetween val="midCat"/>
       </c:valAx>
       <c:valAx>
-        <c:axId val="320790400"/>
+        <c:axId val="270797544"/>
         <c:scaling>
           <c:orientation val="minMax"/>
         </c:scaling>
@@ -1191,7 +1191,7 @@
             <a:endParaRPr lang="en-US"/>
           </a:p>
         </c:txPr>
-        <c:crossAx val="270725312"/>
+        <c:crossAx val="270797152"/>
         <c:crosses val="autoZero"/>
         <c:crossBetween val="midCat"/>
       </c:valAx>
@@ -1665,11 +1665,11 @@
           <c:showPercent val="0"/>
           <c:showBubbleSize val="0"/>
         </c:dLbls>
-        <c:axId val="320786872"/>
-        <c:axId val="320790792"/>
+        <c:axId val="270801072"/>
+        <c:axId val="270797936"/>
       </c:scatterChart>
       <c:valAx>
-        <c:axId val="320786872"/>
+        <c:axId val="270801072"/>
         <c:scaling>
           <c:orientation val="minMax"/>
         </c:scaling>
@@ -1783,12 +1783,12 @@
             <a:endParaRPr lang="en-US"/>
           </a:p>
         </c:txPr>
-        <c:crossAx val="320790792"/>
+        <c:crossAx val="270797936"/>
         <c:crosses val="autoZero"/>
         <c:crossBetween val="midCat"/>
       </c:valAx>
       <c:valAx>
-        <c:axId val="320790792"/>
+        <c:axId val="270797936"/>
         <c:scaling>
           <c:orientation val="minMax"/>
         </c:scaling>
@@ -1914,7 +1914,7 @@
             <a:endParaRPr lang="en-US"/>
           </a:p>
         </c:txPr>
-        <c:crossAx val="320786872"/>
+        <c:crossAx val="270801072"/>
         <c:crosses val="autoZero"/>
         <c:crossBetween val="midCat"/>
       </c:valAx>
@@ -2388,11 +2388,11 @@
           <c:showPercent val="0"/>
           <c:showBubbleSize val="0"/>
         </c:dLbls>
-        <c:axId val="320787264"/>
-        <c:axId val="320791184"/>
+        <c:axId val="270801856"/>
+        <c:axId val="270798328"/>
       </c:scatterChart>
       <c:valAx>
-        <c:axId val="320787264"/>
+        <c:axId val="270801856"/>
         <c:scaling>
           <c:orientation val="minMax"/>
         </c:scaling>
@@ -2506,12 +2506,12 @@
             <a:endParaRPr lang="en-US"/>
           </a:p>
         </c:txPr>
-        <c:crossAx val="320791184"/>
+        <c:crossAx val="270798328"/>
         <c:crosses val="autoZero"/>
         <c:crossBetween val="midCat"/>
       </c:valAx>
       <c:valAx>
-        <c:axId val="320791184"/>
+        <c:axId val="270798328"/>
         <c:scaling>
           <c:orientation val="minMax"/>
         </c:scaling>
@@ -2626,7 +2626,7 @@
             <a:endParaRPr lang="en-US"/>
           </a:p>
         </c:txPr>
-        <c:crossAx val="320787264"/>
+        <c:crossAx val="270801856"/>
         <c:crosses val="autoZero"/>
         <c:crossBetween val="midCat"/>
       </c:valAx>
@@ -2868,11 +2868,11 @@
         </c:dLbls>
         <c:gapWidth val="219"/>
         <c:overlap val="-27"/>
-        <c:axId val="320789616"/>
-        <c:axId val="320788832"/>
+        <c:axId val="270799896"/>
+        <c:axId val="270803032"/>
       </c:barChart>
       <c:catAx>
-        <c:axId val="320789616"/>
+        <c:axId val="270799896"/>
         <c:scaling>
           <c:orientation val="minMax"/>
         </c:scaling>
@@ -2982,7 +2982,7 @@
             <a:endParaRPr lang="en-US"/>
           </a:p>
         </c:txPr>
-        <c:crossAx val="320788832"/>
+        <c:crossAx val="270803032"/>
         <c:crosses val="autoZero"/>
         <c:auto val="1"/>
         <c:lblAlgn val="ctr"/>
@@ -2990,7 +2990,7 @@
         <c:noMultiLvlLbl val="0"/>
       </c:catAx>
       <c:valAx>
-        <c:axId val="320788832"/>
+        <c:axId val="270803032"/>
         <c:scaling>
           <c:orientation val="minMax"/>
         </c:scaling>
@@ -3099,7 +3099,7 @@
             <a:endParaRPr lang="en-US"/>
           </a:p>
         </c:txPr>
-        <c:crossAx val="320789616"/>
+        <c:crossAx val="270799896"/>
         <c:crosses val="autoZero"/>
         <c:crossBetween val="between"/>
       </c:valAx>
@@ -3564,11 +3564,11 @@
           <c:showPercent val="0"/>
           <c:showBubbleSize val="0"/>
         </c:dLbls>
-        <c:axId val="320790008"/>
-        <c:axId val="320791968"/>
+        <c:axId val="270277584"/>
+        <c:axId val="319870200"/>
       </c:scatterChart>
       <c:valAx>
-        <c:axId val="320790008"/>
+        <c:axId val="270277584"/>
         <c:scaling>
           <c:orientation val="minMax"/>
         </c:scaling>
@@ -3682,12 +3682,12 @@
             <a:endParaRPr lang="en-US"/>
           </a:p>
         </c:txPr>
-        <c:crossAx val="320791968"/>
+        <c:crossAx val="319870200"/>
         <c:crosses val="autoZero"/>
         <c:crossBetween val="midCat"/>
       </c:valAx>
       <c:valAx>
-        <c:axId val="320791968"/>
+        <c:axId val="319870200"/>
         <c:scaling>
           <c:logBase val="10"/>
           <c:orientation val="minMax"/>
@@ -3810,7 +3810,7 @@
             <a:endParaRPr lang="en-US"/>
           </a:p>
         </c:txPr>
-        <c:crossAx val="320790008"/>
+        <c:crossAx val="270277584"/>
         <c:crosses val="autoZero"/>
         <c:crossBetween val="midCat"/>
       </c:valAx>
@@ -4280,11 +4280,11 @@
           <c:showPercent val="0"/>
           <c:showBubbleSize val="0"/>
         </c:dLbls>
-        <c:axId val="320785304"/>
-        <c:axId val="320785696"/>
+        <c:axId val="319870592"/>
+        <c:axId val="319870984"/>
       </c:scatterChart>
       <c:valAx>
-        <c:axId val="320785304"/>
+        <c:axId val="319870592"/>
         <c:scaling>
           <c:orientation val="minMax"/>
         </c:scaling>
@@ -4396,12 +4396,12 @@
             <a:endParaRPr lang="en-US"/>
           </a:p>
         </c:txPr>
-        <c:crossAx val="320785696"/>
+        <c:crossAx val="319870984"/>
         <c:crosses val="autoZero"/>
         <c:crossBetween val="midCat"/>
       </c:valAx>
       <c:valAx>
-        <c:axId val="320785696"/>
+        <c:axId val="319870984"/>
         <c:scaling>
           <c:orientation val="minMax"/>
         </c:scaling>
@@ -4514,7 +4514,7 @@
             <a:endParaRPr lang="en-US"/>
           </a:p>
         </c:txPr>
-        <c:crossAx val="320785304"/>
+        <c:crossAx val="319870592"/>
         <c:crosses val="autoZero"/>
         <c:crossBetween val="midCat"/>
       </c:valAx>
@@ -8427,7 +8427,7 @@
           <a:p>
             <a:fld id="{0E7219EF-B97C-44CC-834A-A9BA4EBCF9B5}" type="datetimeFigureOut">
               <a:rPr lang="en-GB" smtClean="0"/>
-              <a:t>08/05/2016</a:t>
+              <a:t>09/05/2016</a:t>
             </a:fld>
             <a:endParaRPr lang="en-GB"/>
           </a:p>
@@ -8745,17 +8745,12 @@
             </a:pPr>
             <a:r>
               <a:rPr lang="en-GB" dirty="0" smtClean="0"/>
-              <a:t>Initially </a:t>
-            </a:r>
-            <a:r>
-              <a:rPr lang="en-GB" dirty="0" smtClean="0"/>
-              <a:t>established</a:t>
+              <a:t>Initially established</a:t>
             </a:r>
             <a:r>
               <a:rPr lang="en-GB" baseline="0" dirty="0" smtClean="0"/>
               <a:t> in the 1970’s </a:t>
             </a:r>
-            <a:endParaRPr lang="en-GB" baseline="0" dirty="0" smtClean="0"/>
           </a:p>
           <a:p>
             <a:pPr marL="171450" indent="-171450">
@@ -8791,17 +8786,8 @@
             </a:pPr>
             <a:r>
               <a:rPr lang="en-GB" baseline="0" dirty="0" smtClean="0"/>
-              <a:t>- </a:t>
-            </a:r>
-            <a:r>
-              <a:rPr lang="en-GB" baseline="0" dirty="0" smtClean="0"/>
-              <a:t>However the laws do not consider the rather modern paradigm of open source </a:t>
-            </a:r>
-            <a:r>
-              <a:rPr lang="en-GB" baseline="0" dirty="0" smtClean="0"/>
-              <a:t>development which gives the study its novelty</a:t>
-            </a:r>
-            <a:endParaRPr lang="en-GB" baseline="0" dirty="0" smtClean="0"/>
+              <a:t>- However the laws do not consider the rather modern paradigm of open source development which gives the study its novelty</a:t>
+            </a:r>
           </a:p>
         </p:txBody>
       </p:sp>
@@ -9441,7 +9427,6 @@
               <a:rPr lang="en-GB" baseline="0" dirty="0" smtClean="0"/>
               <a:t>Reflects OS where changes are dynamic from an ever changing user base</a:t>
             </a:r>
-            <a:endParaRPr lang="en-GB" baseline="0" dirty="0" smtClean="0"/>
           </a:p>
         </p:txBody>
       </p:sp>
@@ -9674,11 +9659,7 @@
             </a:pPr>
             <a:r>
               <a:rPr lang="en-GB" baseline="0" dirty="0" smtClean="0"/>
-              <a:t>It </a:t>
-            </a:r>
-            <a:r>
-              <a:rPr lang="en-GB" baseline="0" dirty="0" smtClean="0"/>
-              <a:t>is very possible that no migrated projects lose useful metrics that show early stages of evolution</a:t>
+              <a:t>It is very possible that no migrated projects lose useful metrics that show early stages of evolution</a:t>
             </a:r>
           </a:p>
           <a:p>
@@ -9688,15 +9669,7 @@
             </a:pPr>
             <a:r>
               <a:rPr lang="en-GB" baseline="0" dirty="0" smtClean="0"/>
-              <a:t>Some projects (</a:t>
-            </a:r>
-            <a:r>
-              <a:rPr lang="en-GB" baseline="0" dirty="0" smtClean="0"/>
-              <a:t>bootstrap </a:t>
-            </a:r>
-            <a:r>
-              <a:rPr lang="en-GB" baseline="0" dirty="0" smtClean="0"/>
-              <a:t>– frequency changes) while others (ruby - low frequency of change) and the impact this has on the metric attained</a:t>
+              <a:t>Some projects (bootstrap – frequency changes) while others (ruby - low frequency of change) and the impact this has on the metric attained</a:t>
             </a:r>
           </a:p>
           <a:p>
@@ -9808,17 +9781,8 @@
             </a:pPr>
             <a:r>
               <a:rPr lang="en-GB" baseline="0" dirty="0" smtClean="0"/>
-              <a:t>A </a:t>
-            </a:r>
-            <a:r>
-              <a:rPr lang="en-GB" baseline="0" dirty="0" smtClean="0"/>
-              <a:t>work bench is build to enable </a:t>
-            </a:r>
-            <a:r>
-              <a:rPr lang="en-GB" baseline="0" dirty="0" smtClean="0"/>
-              <a:t>data mining/dataset generation from the API</a:t>
-            </a:r>
-            <a:endParaRPr lang="en-GB" baseline="0" dirty="0" smtClean="0"/>
+              <a:t>A work bench is build to enable data mining/dataset generation from the API</a:t>
+            </a:r>
           </a:p>
           <a:p>
             <a:pPr marL="171450" indent="-171450">
@@ -10865,7 +10829,7 @@
           <a:p>
             <a:fld id="{4AAD347D-5ACD-4C99-B74B-A9C85AD731AF}" type="datetimeFigureOut">
               <a:rPr lang="en-US" dirty="0"/>
-              <a:t>5/8/2016</a:t>
+              <a:t>5/9/2016</a:t>
             </a:fld>
             <a:endParaRPr lang="en-US" dirty="0"/>
           </a:p>
@@ -11147,7 +11111,7 @@
           <a:p>
             <a:fld id="{4509A250-FF31-4206-8172-F9D3106AACB1}" type="datetimeFigureOut">
               <a:rPr lang="en-US" dirty="0"/>
-              <a:t>5/8/2016</a:t>
+              <a:t>5/9/2016</a:t>
             </a:fld>
             <a:endParaRPr lang="en-US" dirty="0"/>
           </a:p>
@@ -11348,7 +11312,7 @@
           <a:p>
             <a:fld id="{4509A250-FF31-4206-8172-F9D3106AACB1}" type="datetimeFigureOut">
               <a:rPr lang="en-US" dirty="0"/>
-              <a:t>5/8/2016</a:t>
+              <a:t>5/9/2016</a:t>
             </a:fld>
             <a:endParaRPr lang="en-US" dirty="0"/>
           </a:p>
@@ -11623,7 +11587,7 @@
           <a:p>
             <a:fld id="{4509A250-FF31-4206-8172-F9D3106AACB1}" type="datetimeFigureOut">
               <a:rPr lang="en-US" dirty="0"/>
-              <a:t>5/8/2016</a:t>
+              <a:t>5/9/2016</a:t>
             </a:fld>
             <a:endParaRPr lang="en-US" dirty="0"/>
           </a:p>
@@ -11962,7 +11926,7 @@
           <a:p>
             <a:fld id="{4509A250-FF31-4206-8172-F9D3106AACB1}" type="datetimeFigureOut">
               <a:rPr lang="en-US" dirty="0"/>
-              <a:t>5/8/2016</a:t>
+              <a:t>5/9/2016</a:t>
             </a:fld>
             <a:endParaRPr lang="en-US" dirty="0"/>
           </a:p>
@@ -12579,7 +12543,7 @@
           <a:p>
             <a:fld id="{4509A250-FF31-4206-8172-F9D3106AACB1}" type="datetimeFigureOut">
               <a:rPr lang="en-US" dirty="0"/>
-              <a:t>5/8/2016</a:t>
+              <a:t>5/9/2016</a:t>
             </a:fld>
             <a:endParaRPr lang="en-US" dirty="0"/>
           </a:p>
@@ -13433,7 +13397,7 @@
           <a:p>
             <a:fld id="{4509A250-FF31-4206-8172-F9D3106AACB1}" type="datetimeFigureOut">
               <a:rPr lang="en-US" dirty="0"/>
-              <a:t>5/8/2016</a:t>
+              <a:t>5/9/2016</a:t>
             </a:fld>
             <a:endParaRPr lang="en-US" dirty="0"/>
           </a:p>
@@ -13610,7 +13574,7 @@
           <a:p>
             <a:fld id="{4509A250-FF31-4206-8172-F9D3106AACB1}" type="datetimeFigureOut">
               <a:rPr lang="en-US" dirty="0"/>
-              <a:t>5/8/2016</a:t>
+              <a:t>5/9/2016</a:t>
             </a:fld>
             <a:endParaRPr lang="en-US" dirty="0"/>
           </a:p>
@@ -13797,7 +13761,7 @@
           <a:p>
             <a:fld id="{4509A250-FF31-4206-8172-F9D3106AACB1}" type="datetimeFigureOut">
               <a:rPr lang="en-US" dirty="0"/>
-              <a:t>5/8/2016</a:t>
+              <a:t>5/9/2016</a:t>
             </a:fld>
             <a:endParaRPr lang="en-US" dirty="0"/>
           </a:p>
@@ -13974,7 +13938,7 @@
           <a:p>
             <a:fld id="{4509A250-FF31-4206-8172-F9D3106AACB1}" type="datetimeFigureOut">
               <a:rPr lang="en-US" dirty="0"/>
-              <a:t>5/8/2016</a:t>
+              <a:t>5/9/2016</a:t>
             </a:fld>
             <a:endParaRPr lang="en-US" dirty="0"/>
           </a:p>
@@ -14225,7 +14189,7 @@
           <a:p>
             <a:fld id="{4509A250-FF31-4206-8172-F9D3106AACB1}" type="datetimeFigureOut">
               <a:rPr lang="en-US" dirty="0"/>
-              <a:t>5/8/2016</a:t>
+              <a:t>5/9/2016</a:t>
             </a:fld>
             <a:endParaRPr lang="en-US" dirty="0"/>
           </a:p>
@@ -14524,7 +14488,7 @@
           <a:p>
             <a:fld id="{4509A250-FF31-4206-8172-F9D3106AACB1}" type="datetimeFigureOut">
               <a:rPr lang="en-US" dirty="0"/>
-              <a:t>5/8/2016</a:t>
+              <a:t>5/9/2016</a:t>
             </a:fld>
             <a:endParaRPr lang="en-US" dirty="0"/>
           </a:p>
@@ -14969,7 +14933,7 @@
           <a:p>
             <a:fld id="{4509A250-FF31-4206-8172-F9D3106AACB1}" type="datetimeFigureOut">
               <a:rPr lang="en-US" dirty="0"/>
-              <a:t>5/8/2016</a:t>
+              <a:t>5/9/2016</a:t>
             </a:fld>
             <a:endParaRPr lang="en-US" dirty="0"/>
           </a:p>
@@ -15094,7 +15058,7 @@
           <a:p>
             <a:fld id="{4509A250-FF31-4206-8172-F9D3106AACB1}" type="datetimeFigureOut">
               <a:rPr lang="en-US" dirty="0"/>
-              <a:t>5/8/2016</a:t>
+              <a:t>5/9/2016</a:t>
             </a:fld>
             <a:endParaRPr lang="en-US" dirty="0"/>
           </a:p>
@@ -15196,7 +15160,7 @@
           <a:p>
             <a:fld id="{4509A250-FF31-4206-8172-F9D3106AACB1}" type="datetimeFigureOut">
               <a:rPr lang="en-US" dirty="0"/>
-              <a:t>5/8/2016</a:t>
+              <a:t>5/9/2016</a:t>
             </a:fld>
             <a:endParaRPr lang="en-US" dirty="0"/>
           </a:p>
@@ -15482,7 +15446,7 @@
           <a:p>
             <a:fld id="{4509A250-FF31-4206-8172-F9D3106AACB1}" type="datetimeFigureOut">
               <a:rPr lang="en-US" dirty="0"/>
-              <a:t>5/8/2016</a:t>
+              <a:t>5/9/2016</a:t>
             </a:fld>
             <a:endParaRPr lang="en-US" dirty="0"/>
           </a:p>
@@ -15764,7 +15728,7 @@
           <a:p>
             <a:fld id="{4509A250-FF31-4206-8172-F9D3106AACB1}" type="datetimeFigureOut">
               <a:rPr lang="en-US" dirty="0"/>
-              <a:t>5/8/2016</a:t>
+              <a:t>5/9/2016</a:t>
             </a:fld>
             <a:endParaRPr lang="en-US" dirty="0"/>
           </a:p>
@@ -16200,7 +16164,7 @@
           <a:p>
             <a:fld id="{4509A250-FF31-4206-8172-F9D3106AACB1}" type="datetimeFigureOut">
               <a:rPr lang="en-US" dirty="0"/>
-              <a:t>5/8/2016</a:t>
+              <a:t>5/9/2016</a:t>
             </a:fld>
             <a:endParaRPr lang="en-US" dirty="0"/>
           </a:p>
@@ -16774,12 +16738,12 @@
   </p:clrMapOvr>
   <mc:AlternateContent xmlns:mc="http://schemas.openxmlformats.org/markup-compatibility/2006" xmlns:p14="http://schemas.microsoft.com/office/powerpoint/2010/main">
     <mc:Choice Requires="p14">
-      <p:transition spd="slow" p14:dur="1500">
+      <p:transition spd="slow" p14:dur="1500" advTm="29596">
         <p14:reveal/>
       </p:transition>
     </mc:Choice>
     <mc:Fallback xmlns="">
-      <p:transition spd="slow">
+      <p:transition spd="slow" advTm="29596">
         <p:fade/>
       </p:transition>
     </mc:Fallback>
@@ -16847,7 +16811,7 @@
         </p:nvSpPr>
         <p:spPr>
           <a:xfrm>
-            <a:off x="2868377" y="1397479"/>
+            <a:off x="2868377" y="1408768"/>
             <a:ext cx="4960189" cy="369332"/>
           </a:xfrm>
           <a:prstGeom prst="rect">
@@ -17203,12 +17167,12 @@
   </p:clrMapOvr>
   <mc:AlternateContent xmlns:mc="http://schemas.openxmlformats.org/markup-compatibility/2006" xmlns:p14="http://schemas.microsoft.com/office/powerpoint/2010/main">
     <mc:Choice Requires="p14">
-      <p:transition spd="slow" p14:dur="1500">
+      <p:transition spd="slow" p14:dur="1500" advTm="42447">
         <p14:reveal/>
       </p:transition>
     </mc:Choice>
     <mc:Fallback xmlns="">
-      <p:transition spd="slow">
+      <p:transition spd="slow" advTm="42447">
         <p:fade/>
       </p:transition>
     </mc:Fallback>
@@ -18024,12 +17988,12 @@
   </p:clrMapOvr>
   <mc:AlternateContent xmlns:mc="http://schemas.openxmlformats.org/markup-compatibility/2006" xmlns:p14="http://schemas.microsoft.com/office/powerpoint/2010/main">
     <mc:Choice Requires="p14">
-      <p:transition spd="slow" p14:dur="1500">
+      <p:transition spd="slow" p14:dur="1500" advTm="57560">
         <p14:reveal/>
       </p:transition>
     </mc:Choice>
     <mc:Fallback xmlns="">
-      <p:transition spd="slow">
+      <p:transition spd="slow" advTm="57560">
         <p:fade/>
       </p:transition>
     </mc:Fallback>
@@ -18343,12 +18307,12 @@
   </p:clrMapOvr>
   <mc:AlternateContent xmlns:mc="http://schemas.openxmlformats.org/markup-compatibility/2006" xmlns:p14="http://schemas.microsoft.com/office/powerpoint/2010/main">
     <mc:Choice Requires="p14">
-      <p:transition spd="slow" p14:dur="1500">
+      <p:transition spd="slow" p14:dur="1500" advTm="30413">
         <p14:reveal/>
       </p:transition>
     </mc:Choice>
     <mc:Fallback xmlns="">
-      <p:transition spd="slow">
+      <p:transition spd="slow" advTm="30413">
         <p:fade/>
       </p:transition>
     </mc:Fallback>
@@ -18978,12 +18942,12 @@
   </p:clrMapOvr>
   <mc:AlternateContent xmlns:mc="http://schemas.openxmlformats.org/markup-compatibility/2006" xmlns:p14="http://schemas.microsoft.com/office/powerpoint/2010/main">
     <mc:Choice Requires="p14">
-      <p:transition spd="slow" p14:dur="1500">
+      <p:transition spd="slow" p14:dur="1500" advTm="66103">
         <p14:reveal/>
       </p:transition>
     </mc:Choice>
     <mc:Fallback xmlns="">
-      <p:transition spd="slow">
+      <p:transition spd="slow" advTm="66103">
         <p:fade/>
       </p:transition>
     </mc:Fallback>
@@ -19126,12 +19090,12 @@
   </p:clrMapOvr>
   <mc:AlternateContent xmlns:mc="http://schemas.openxmlformats.org/markup-compatibility/2006" xmlns:p14="http://schemas.microsoft.com/office/powerpoint/2010/main">
     <mc:Choice Requires="p14">
-      <p:transition spd="slow" p14:dur="1500">
+      <p:transition spd="slow" p14:dur="1500" advTm="29517">
         <p14:reveal/>
       </p:transition>
     </mc:Choice>
     <mc:Fallback xmlns="">
-      <p:transition spd="slow">
+      <p:transition spd="slow" advTm="29517">
         <p:fade/>
       </p:transition>
     </mc:Fallback>
@@ -19468,12 +19432,12 @@
   </p:clrMapOvr>
   <mc:AlternateContent xmlns:mc="http://schemas.openxmlformats.org/markup-compatibility/2006" xmlns:p14="http://schemas.microsoft.com/office/powerpoint/2010/main">
     <mc:Choice Requires="p14">
-      <p:transition spd="slow" p14:dur="1500">
+      <p:transition spd="slow" p14:dur="1500" advTm="38771">
         <p14:reveal/>
       </p:transition>
     </mc:Choice>
     <mc:Fallback xmlns="">
-      <p:transition spd="slow">
+      <p:transition spd="slow" advTm="38771">
         <p:fade/>
       </p:transition>
     </mc:Fallback>
@@ -19554,8 +19518,13 @@
           <a:p>
             <a:r>
               <a:rPr lang="en-GB" dirty="0" smtClean="0"/>
-              <a:t>Step 1 – Determine the mean and median variance for weekly sampled lines of code</a:t>
-            </a:r>
+              <a:t>Step 1 – Determine the </a:t>
+            </a:r>
+            <a:r>
+              <a:rPr lang="en-GB" dirty="0" smtClean="0"/>
+              <a:t>variance for growth rate (LOC)</a:t>
+            </a:r>
+            <a:endParaRPr lang="en-GB" dirty="0" smtClean="0"/>
           </a:p>
           <a:p>
             <a:r>
@@ -19620,13 +19589,13 @@
           <p:nvPr>
             <p:extLst>
               <p:ext uri="{D42A27DB-BD31-4B8C-83A1-F6EECF244321}">
-                <p14:modId xmlns:p14="http://schemas.microsoft.com/office/powerpoint/2010/main" val="2845301757"/>
+                <p14:modId xmlns:p14="http://schemas.microsoft.com/office/powerpoint/2010/main" val="3770464225"/>
               </p:ext>
             </p:extLst>
           </p:nvPr>
         </p:nvGraphicFramePr>
         <p:xfrm>
-          <a:off x="2133599" y="2703430"/>
+          <a:off x="2133599" y="2300314"/>
           <a:ext cx="7197213" cy="2218055"/>
         </p:xfrm>
         <a:graphic>
@@ -19669,12 +19638,12 @@
   </p:clrMapOvr>
   <mc:AlternateContent xmlns:mc="http://schemas.openxmlformats.org/markup-compatibility/2006" xmlns:p14="http://schemas.microsoft.com/office/powerpoint/2010/main">
     <mc:Choice Requires="p14">
-      <p:transition spd="slow" p14:dur="1500">
+      <p:transition spd="slow" p14:dur="1500" advTm="38999">
         <p14:reveal/>
       </p:transition>
     </mc:Choice>
     <mc:Fallback xmlns="">
-      <p:transition spd="slow">
+      <p:transition spd="slow" advTm="38999">
         <p:fade/>
       </p:transition>
     </mc:Fallback>
@@ -20002,12 +19971,12 @@
   </p:clrMapOvr>
   <mc:AlternateContent xmlns:mc="http://schemas.openxmlformats.org/markup-compatibility/2006" xmlns:p14="http://schemas.microsoft.com/office/powerpoint/2010/main">
     <mc:Choice Requires="p14">
-      <p:transition spd="slow" p14:dur="1500">
+      <p:transition spd="slow" p14:dur="1500" advTm="54474">
         <p14:reveal/>
       </p:transition>
     </mc:Choice>
     <mc:Fallback xmlns="">
-      <p:transition spd="slow">
+      <p:transition spd="slow" advTm="54474">
         <p:fade/>
       </p:transition>
     </mc:Fallback>
@@ -20298,12 +20267,12 @@
   </p:clrMapOvr>
   <mc:AlternateContent xmlns:mc="http://schemas.openxmlformats.org/markup-compatibility/2006" xmlns:p14="http://schemas.microsoft.com/office/powerpoint/2010/main">
     <mc:Choice Requires="p14">
-      <p:transition spd="slow" p14:dur="1500">
+      <p:transition spd="slow" p14:dur="1500" advTm="16968">
         <p14:reveal/>
       </p:transition>
     </mc:Choice>
     <mc:Fallback xmlns="">
-      <p:transition spd="slow">
+      <p:transition spd="slow" advTm="16968">
         <p:fade/>
       </p:transition>
     </mc:Fallback>
@@ -20947,12 +20916,12 @@
   </p:clrMapOvr>
   <mc:AlternateContent xmlns:mc="http://schemas.openxmlformats.org/markup-compatibility/2006" xmlns:p14="http://schemas.microsoft.com/office/powerpoint/2010/main">
     <mc:Choice Requires="p14">
-      <p:transition spd="slow" p14:dur="1500">
+      <p:transition spd="slow" p14:dur="1500" advTm="23880">
         <p14:reveal/>
       </p:transition>
     </mc:Choice>
     <mc:Fallback xmlns="">
-      <p:transition spd="slow">
+      <p:transition spd="slow" advTm="23880">
         <p:fade/>
       </p:transition>
     </mc:Fallback>
@@ -21218,12 +21187,12 @@
   </p:clrMapOvr>
   <mc:AlternateContent xmlns:mc="http://schemas.openxmlformats.org/markup-compatibility/2006" xmlns:p14="http://schemas.microsoft.com/office/powerpoint/2010/main">
     <mc:Choice Requires="p14">
-      <p:transition spd="slow" p14:dur="1500">
+      <p:transition spd="slow" p14:dur="1500" advTm="23855">
         <p14:reveal/>
       </p:transition>
     </mc:Choice>
     <mc:Fallback xmlns="">
-      <p:transition spd="slow">
+      <p:transition spd="slow" advTm="23855">
         <p:fade/>
       </p:transition>
     </mc:Fallback>
@@ -22455,10 +22424,10 @@
   </p:clrMapOvr>
   <mc:AlternateContent xmlns:mc="http://schemas.openxmlformats.org/markup-compatibility/2006" xmlns:p14="http://schemas.microsoft.com/office/powerpoint/2010/main">
     <mc:Choice Requires="p14">
-      <p:transition p14:dur="0"/>
+      <p:transition p14:dur="0" advTm="15432"/>
     </mc:Choice>
     <mc:Fallback xmlns="">
-      <p:transition/>
+      <p:transition advTm="15432"/>
     </mc:Fallback>
   </mc:AlternateContent>
   <p:timing>
@@ -22660,12 +22629,12 @@
   </p:clrMapOvr>
   <mc:AlternateContent xmlns:mc="http://schemas.openxmlformats.org/markup-compatibility/2006" xmlns:p14="http://schemas.microsoft.com/office/powerpoint/2010/main">
     <mc:Choice Requires="p14">
-      <p:transition spd="slow" p14:dur="1500">
+      <p:transition spd="slow" p14:dur="1500" advTm="40366">
         <p14:reveal/>
       </p:transition>
     </mc:Choice>
     <mc:Fallback xmlns="">
-      <p:transition spd="slow">
+      <p:transition spd="slow" advTm="40366">
         <p:fade/>
       </p:transition>
     </mc:Fallback>
@@ -22985,12 +22954,12 @@
   </p:clrMapOvr>
   <mc:AlternateContent xmlns:mc="http://schemas.openxmlformats.org/markup-compatibility/2006" xmlns:p14="http://schemas.microsoft.com/office/powerpoint/2010/main">
     <mc:Choice Requires="p14">
-      <p:transition spd="slow" p14:dur="1500">
+      <p:transition spd="slow" p14:dur="1500" advTm="39000">
         <p14:reveal/>
       </p:transition>
     </mc:Choice>
     <mc:Fallback xmlns="">
-      <p:transition spd="slow">
+      <p:transition spd="slow" advTm="39000">
         <p:fade/>
       </p:transition>
     </mc:Fallback>
@@ -23492,12 +23461,12 @@
   </p:clrMapOvr>
   <mc:AlternateContent xmlns:mc="http://schemas.openxmlformats.org/markup-compatibility/2006" xmlns:p14="http://schemas.microsoft.com/office/powerpoint/2010/main">
     <mc:Choice Requires="p14">
-      <p:transition spd="slow" p14:dur="1500">
+      <p:transition spd="slow" p14:dur="1500" advTm="43500">
         <p14:reveal/>
       </p:transition>
     </mc:Choice>
     <mc:Fallback xmlns="">
-      <p:transition spd="slow">
+      <p:transition spd="slow" advTm="43500">
         <p:fade/>
       </p:transition>
     </mc:Fallback>
@@ -23868,12 +23837,12 @@
   </p:clrMapOvr>
   <mc:AlternateContent xmlns:mc="http://schemas.openxmlformats.org/markup-compatibility/2006" xmlns:p14="http://schemas.microsoft.com/office/powerpoint/2010/main">
     <mc:Choice Requires="p14">
-      <p:transition spd="slow" p14:dur="1500">
+      <p:transition spd="slow" p14:dur="1500" advTm="45339">
         <p14:reveal/>
       </p:transition>
     </mc:Choice>
     <mc:Fallback xmlns="">
-      <p:transition spd="slow">
+      <p:transition spd="slow" advTm="45339">
         <p:fade/>
       </p:transition>
     </mc:Fallback>
@@ -25449,12 +25418,12 @@
   </p:clrMapOvr>
   <mc:AlternateContent xmlns:mc="http://schemas.openxmlformats.org/markup-compatibility/2006" xmlns:p14="http://schemas.microsoft.com/office/powerpoint/2010/main">
     <mc:Choice Requires="p14">
-      <p:transition spd="slow" p14:dur="1500">
+      <p:transition spd="slow" p14:dur="1500" advTm="70905">
         <p14:reveal/>
       </p:transition>
     </mc:Choice>
     <mc:Fallback xmlns="">
-      <p:transition spd="slow">
+      <p:transition spd="slow" advTm="70905">
         <p:fade/>
       </p:transition>
     </mc:Fallback>
